--- a/Grafiken.pptx
+++ b/Grafiken.pptx
@@ -9,6 +9,7 @@
     <p:sldId id="257" r:id="rId3"/>
     <p:sldId id="258" r:id="rId4"/>
     <p:sldId id="259" r:id="rId5"/>
+    <p:sldId id="260" r:id="rId6"/>
   </p:sldIdLst>
   <p:sldSz cx="12192000" cy="6858000"/>
   <p:notesSz cx="6858000" cy="9144000"/>
@@ -6533,6 +6534,708 @@
 </p:sld>
 </file>
 
+<file path=ppt/slides/slide5.xml><?xml version="1.0" encoding="utf-8"?>
+<p:sld xmlns:a="http://schemas.openxmlformats.org/drawingml/2006/main" xmlns:r="http://schemas.openxmlformats.org/officeDocument/2006/relationships" xmlns:p="http://schemas.openxmlformats.org/presentationml/2006/main">
+  <p:cSld>
+    <p:spTree>
+      <p:nvGrpSpPr>
+        <p:cNvPr id="1" name=""/>
+        <p:cNvGrpSpPr/>
+        <p:nvPr/>
+      </p:nvGrpSpPr>
+      <p:grpSpPr>
+        <a:xfrm>
+          <a:off x="0" y="0"/>
+          <a:ext cx="0" cy="0"/>
+          <a:chOff x="0" y="0"/>
+          <a:chExt cx="0" cy="0"/>
+        </a:xfrm>
+      </p:grpSpPr>
+      <p:sp>
+        <p:nvSpPr>
+          <p:cNvPr id="5" name="Rechteck 4">
+            <a:extLst>
+              <a:ext uri="{FF2B5EF4-FFF2-40B4-BE49-F238E27FC236}">
+                <a16:creationId xmlns:a16="http://schemas.microsoft.com/office/drawing/2014/main" id="{DED36884-F986-4734-9114-90B3726D3911}"/>
+              </a:ext>
+            </a:extLst>
+          </p:cNvPr>
+          <p:cNvSpPr/>
+          <p:nvPr/>
+        </p:nvSpPr>
+        <p:spPr>
+          <a:xfrm>
+            <a:off x="2736567" y="2687052"/>
+            <a:ext cx="648000" cy="216000"/>
+          </a:xfrm>
+          <a:prstGeom prst="rect">
+            <a:avLst/>
+          </a:prstGeom>
+          <a:solidFill>
+            <a:schemeClr val="bg1"/>
+          </a:solidFill>
+          <a:ln w="3175">
+            <a:solidFill>
+              <a:schemeClr val="tx1"/>
+            </a:solidFill>
+          </a:ln>
+        </p:spPr>
+        <p:style>
+          <a:lnRef idx="2">
+            <a:schemeClr val="accent1">
+              <a:shade val="50000"/>
+            </a:schemeClr>
+          </a:lnRef>
+          <a:fillRef idx="1">
+            <a:schemeClr val="accent1"/>
+          </a:fillRef>
+          <a:effectRef idx="0">
+            <a:schemeClr val="accent1"/>
+          </a:effectRef>
+          <a:fontRef idx="minor">
+            <a:schemeClr val="lt1"/>
+          </a:fontRef>
+        </p:style>
+        <p:txBody>
+          <a:bodyPr rtlCol="0" anchor="ctr"/>
+          <a:lstStyle/>
+          <a:p>
+            <a:pPr algn="ctr"/>
+            <a:endParaRPr lang="de-DE"/>
+          </a:p>
+        </p:txBody>
+      </p:sp>
+      <p:sp>
+        <p:nvSpPr>
+          <p:cNvPr id="4" name="Rechteck 3">
+            <a:extLst>
+              <a:ext uri="{FF2B5EF4-FFF2-40B4-BE49-F238E27FC236}">
+                <a16:creationId xmlns:a16="http://schemas.microsoft.com/office/drawing/2014/main" id="{D79D1553-633E-457F-BE19-3966945D0A8F}"/>
+              </a:ext>
+            </a:extLst>
+          </p:cNvPr>
+          <p:cNvSpPr/>
+          <p:nvPr/>
+        </p:nvSpPr>
+        <p:spPr>
+          <a:xfrm>
+            <a:off x="3384567" y="2687053"/>
+            <a:ext cx="396000" cy="432000"/>
+          </a:xfrm>
+          <a:prstGeom prst="rect">
+            <a:avLst/>
+          </a:prstGeom>
+          <a:solidFill>
+            <a:schemeClr val="bg1"/>
+          </a:solidFill>
+          <a:ln w="3175">
+            <a:solidFill>
+              <a:schemeClr val="tx1"/>
+            </a:solidFill>
+          </a:ln>
+        </p:spPr>
+        <p:style>
+          <a:lnRef idx="2">
+            <a:schemeClr val="accent1">
+              <a:shade val="50000"/>
+            </a:schemeClr>
+          </a:lnRef>
+          <a:fillRef idx="1">
+            <a:schemeClr val="accent1"/>
+          </a:fillRef>
+          <a:effectRef idx="0">
+            <a:schemeClr val="accent1"/>
+          </a:effectRef>
+          <a:fontRef idx="minor">
+            <a:schemeClr val="lt1"/>
+          </a:fontRef>
+        </p:style>
+        <p:txBody>
+          <a:bodyPr rtlCol="0" anchor="ctr"/>
+          <a:lstStyle/>
+          <a:p>
+            <a:pPr algn="ctr"/>
+            <a:endParaRPr lang="de-DE"/>
+          </a:p>
+        </p:txBody>
+      </p:sp>
+      <p:cxnSp>
+        <p:nvCxnSpPr>
+          <p:cNvPr id="3" name="Gerader Verbinder 2">
+            <a:extLst>
+              <a:ext uri="{FF2B5EF4-FFF2-40B4-BE49-F238E27FC236}">
+                <a16:creationId xmlns:a16="http://schemas.microsoft.com/office/drawing/2014/main" id="{1250052E-CE76-4C37-BCE4-97AD7A2559A4}"/>
+              </a:ext>
+            </a:extLst>
+          </p:cNvPr>
+          <p:cNvCxnSpPr/>
+          <p:nvPr/>
+        </p:nvCxnSpPr>
+        <p:spPr>
+          <a:xfrm>
+            <a:off x="2502567" y="2687053"/>
+            <a:ext cx="1278000" cy="0"/>
+          </a:xfrm>
+          <a:prstGeom prst="line">
+            <a:avLst/>
+          </a:prstGeom>
+          <a:ln w="38100">
+            <a:solidFill>
+              <a:schemeClr val="tx1"/>
+            </a:solidFill>
+          </a:ln>
+        </p:spPr>
+        <p:style>
+          <a:lnRef idx="1">
+            <a:schemeClr val="accent1"/>
+          </a:lnRef>
+          <a:fillRef idx="0">
+            <a:schemeClr val="accent1"/>
+          </a:fillRef>
+          <a:effectRef idx="0">
+            <a:schemeClr val="accent1"/>
+          </a:effectRef>
+          <a:fontRef idx="minor">
+            <a:schemeClr val="tx1"/>
+          </a:fontRef>
+        </p:style>
+      </p:cxnSp>
+      <p:sp>
+        <p:nvSpPr>
+          <p:cNvPr id="6" name="Textfeld 5">
+            <a:extLst>
+              <a:ext uri="{FF2B5EF4-FFF2-40B4-BE49-F238E27FC236}">
+                <a16:creationId xmlns:a16="http://schemas.microsoft.com/office/drawing/2014/main" id="{0485B196-4F97-402E-A841-7AE30AA7BFB6}"/>
+              </a:ext>
+            </a:extLst>
+          </p:cNvPr>
+          <p:cNvSpPr txBox="1"/>
+          <p:nvPr/>
+        </p:nvSpPr>
+        <p:spPr>
+          <a:xfrm>
+            <a:off x="2818267" y="2717826"/>
+            <a:ext cx="736600" cy="184666"/>
+          </a:xfrm>
+          <a:prstGeom prst="rect">
+            <a:avLst/>
+          </a:prstGeom>
+          <a:noFill/>
+        </p:spPr>
+        <p:txBody>
+          <a:bodyPr wrap="square" rtlCol="0">
+            <a:spAutoFit/>
+          </a:bodyPr>
+          <a:lstStyle/>
+          <a:p>
+            <a:r>
+              <a:rPr lang="de-DE" sz="600" dirty="0"/>
+              <a:t>T</a:t>
+            </a:r>
+            <a:r>
+              <a:rPr lang="de-DE" sz="200" dirty="0"/>
+              <a:t>2</a:t>
+            </a:r>
+            <a:r>
+              <a:rPr lang="de-DE" sz="600" dirty="0"/>
+              <a:t>=120Nm</a:t>
+            </a:r>
+          </a:p>
+        </p:txBody>
+      </p:sp>
+      <p:sp>
+        <p:nvSpPr>
+          <p:cNvPr id="7" name="Textfeld 6">
+            <a:extLst>
+              <a:ext uri="{FF2B5EF4-FFF2-40B4-BE49-F238E27FC236}">
+                <a16:creationId xmlns:a16="http://schemas.microsoft.com/office/drawing/2014/main" id="{AF80A6D4-7E54-46C5-A3C4-F3FED4910D79}"/>
+              </a:ext>
+            </a:extLst>
+          </p:cNvPr>
+          <p:cNvSpPr txBox="1"/>
+          <p:nvPr/>
+        </p:nvSpPr>
+        <p:spPr>
+          <a:xfrm>
+            <a:off x="3412267" y="2763992"/>
+            <a:ext cx="736600" cy="276999"/>
+          </a:xfrm>
+          <a:prstGeom prst="rect">
+            <a:avLst/>
+          </a:prstGeom>
+          <a:noFill/>
+        </p:spPr>
+        <p:txBody>
+          <a:bodyPr wrap="square" rtlCol="0">
+            <a:spAutoFit/>
+          </a:bodyPr>
+          <a:lstStyle/>
+          <a:p>
+            <a:r>
+              <a:rPr lang="de-DE" sz="600" dirty="0"/>
+              <a:t>T</a:t>
+            </a:r>
+            <a:r>
+              <a:rPr lang="de-DE" sz="200" dirty="0"/>
+              <a:t>3</a:t>
+            </a:r>
+            <a:r>
+              <a:rPr lang="de-DE" sz="600" dirty="0"/>
+              <a:t>=T</a:t>
+            </a:r>
+            <a:r>
+              <a:rPr lang="de-DE" sz="200" dirty="0"/>
+              <a:t>4</a:t>
+            </a:r>
+            <a:r>
+              <a:rPr lang="de-DE" sz="600" dirty="0"/>
+              <a:t>=</a:t>
+            </a:r>
+          </a:p>
+          <a:p>
+            <a:r>
+              <a:rPr lang="de-DE" sz="600" dirty="0"/>
+              <a:t>240Nm</a:t>
+            </a:r>
+          </a:p>
+        </p:txBody>
+      </p:sp>
+      <p:sp>
+        <p:nvSpPr>
+          <p:cNvPr id="10" name="Textfeld 9">
+            <a:extLst>
+              <a:ext uri="{FF2B5EF4-FFF2-40B4-BE49-F238E27FC236}">
+                <a16:creationId xmlns:a16="http://schemas.microsoft.com/office/drawing/2014/main" id="{A34CE71D-182E-4919-9015-C26A760E9A73}"/>
+              </a:ext>
+            </a:extLst>
+          </p:cNvPr>
+          <p:cNvSpPr txBox="1"/>
+          <p:nvPr/>
+        </p:nvSpPr>
+        <p:spPr>
+          <a:xfrm>
+            <a:off x="2307367" y="2706127"/>
+            <a:ext cx="736600" cy="184666"/>
+          </a:xfrm>
+          <a:prstGeom prst="rect">
+            <a:avLst/>
+          </a:prstGeom>
+          <a:noFill/>
+        </p:spPr>
+        <p:txBody>
+          <a:bodyPr wrap="square" rtlCol="0">
+            <a:spAutoFit/>
+          </a:bodyPr>
+          <a:lstStyle/>
+          <a:p>
+            <a:r>
+              <a:rPr lang="de-DE" sz="600" dirty="0"/>
+              <a:t>T</a:t>
+            </a:r>
+            <a:r>
+              <a:rPr lang="de-DE" sz="200" dirty="0"/>
+              <a:t>1</a:t>
+            </a:r>
+            <a:r>
+              <a:rPr lang="de-DE" sz="600" dirty="0"/>
+              <a:t>=0Nm</a:t>
+            </a:r>
+          </a:p>
+        </p:txBody>
+      </p:sp>
+      <p:cxnSp>
+        <p:nvCxnSpPr>
+          <p:cNvPr id="11" name="Gerade Verbindung mit Pfeil 10">
+            <a:extLst>
+              <a:ext uri="{FF2B5EF4-FFF2-40B4-BE49-F238E27FC236}">
+                <a16:creationId xmlns:a16="http://schemas.microsoft.com/office/drawing/2014/main" id="{8027C559-094D-44C0-8A1C-A87E7BBB8F78}"/>
+              </a:ext>
+            </a:extLst>
+          </p:cNvPr>
+          <p:cNvCxnSpPr>
+            <a:cxnSpLocks/>
+          </p:cNvCxnSpPr>
+          <p:nvPr/>
+        </p:nvCxnSpPr>
+        <p:spPr>
+          <a:xfrm>
+            <a:off x="2502567" y="2536929"/>
+            <a:ext cx="234000" cy="0"/>
+          </a:xfrm>
+          <a:prstGeom prst="straightConnector1">
+            <a:avLst/>
+          </a:prstGeom>
+          <a:ln>
+            <a:headEnd type="triangle" w="sm" len="sm"/>
+            <a:tailEnd type="triangle" w="sm" len="sm"/>
+          </a:ln>
+        </p:spPr>
+        <p:style>
+          <a:lnRef idx="1">
+            <a:schemeClr val="accent1"/>
+          </a:lnRef>
+          <a:fillRef idx="0">
+            <a:schemeClr val="accent1"/>
+          </a:fillRef>
+          <a:effectRef idx="0">
+            <a:schemeClr val="accent1"/>
+          </a:effectRef>
+          <a:fontRef idx="minor">
+            <a:schemeClr val="tx1"/>
+          </a:fontRef>
+        </p:style>
+      </p:cxnSp>
+      <p:cxnSp>
+        <p:nvCxnSpPr>
+          <p:cNvPr id="12" name="Gerade Verbindung mit Pfeil 11">
+            <a:extLst>
+              <a:ext uri="{FF2B5EF4-FFF2-40B4-BE49-F238E27FC236}">
+                <a16:creationId xmlns:a16="http://schemas.microsoft.com/office/drawing/2014/main" id="{CEBFCD90-2926-490C-9CBE-662467F982CF}"/>
+              </a:ext>
+            </a:extLst>
+          </p:cNvPr>
+          <p:cNvCxnSpPr>
+            <a:cxnSpLocks/>
+          </p:cNvCxnSpPr>
+          <p:nvPr/>
+        </p:nvCxnSpPr>
+        <p:spPr>
+          <a:xfrm>
+            <a:off x="3610267" y="2531079"/>
+            <a:ext cx="170300" cy="0"/>
+          </a:xfrm>
+          <a:prstGeom prst="straightConnector1">
+            <a:avLst/>
+          </a:prstGeom>
+          <a:ln>
+            <a:headEnd type="triangle" w="sm" len="sm"/>
+            <a:tailEnd type="triangle" w="sm" len="sm"/>
+          </a:ln>
+        </p:spPr>
+        <p:style>
+          <a:lnRef idx="1">
+            <a:schemeClr val="accent1"/>
+          </a:lnRef>
+          <a:fillRef idx="0">
+            <a:schemeClr val="accent1"/>
+          </a:fillRef>
+          <a:effectRef idx="0">
+            <a:schemeClr val="accent1"/>
+          </a:effectRef>
+          <a:fontRef idx="minor">
+            <a:schemeClr val="tx1"/>
+          </a:fontRef>
+        </p:style>
+      </p:cxnSp>
+      <p:cxnSp>
+        <p:nvCxnSpPr>
+          <p:cNvPr id="13" name="Gerade Verbindung mit Pfeil 12">
+            <a:extLst>
+              <a:ext uri="{FF2B5EF4-FFF2-40B4-BE49-F238E27FC236}">
+                <a16:creationId xmlns:a16="http://schemas.microsoft.com/office/drawing/2014/main" id="{6D6F7A55-B3AC-4A6D-94D2-98A6E801C59A}"/>
+              </a:ext>
+            </a:extLst>
+          </p:cNvPr>
+          <p:cNvCxnSpPr>
+            <a:cxnSpLocks/>
+          </p:cNvCxnSpPr>
+          <p:nvPr/>
+        </p:nvCxnSpPr>
+        <p:spPr>
+          <a:xfrm flipV="1">
+            <a:off x="3412267" y="2531079"/>
+            <a:ext cx="198000" cy="6715"/>
+          </a:xfrm>
+          <a:prstGeom prst="straightConnector1">
+            <a:avLst/>
+          </a:prstGeom>
+          <a:ln>
+            <a:headEnd type="triangle" w="sm" len="sm"/>
+            <a:tailEnd type="triangle" w="sm" len="sm"/>
+          </a:ln>
+        </p:spPr>
+        <p:style>
+          <a:lnRef idx="1">
+            <a:schemeClr val="accent1"/>
+          </a:lnRef>
+          <a:fillRef idx="0">
+            <a:schemeClr val="accent1"/>
+          </a:fillRef>
+          <a:effectRef idx="0">
+            <a:schemeClr val="accent1"/>
+          </a:effectRef>
+          <a:fontRef idx="minor">
+            <a:schemeClr val="tx1"/>
+          </a:fontRef>
+        </p:style>
+      </p:cxnSp>
+      <p:cxnSp>
+        <p:nvCxnSpPr>
+          <p:cNvPr id="14" name="Gerade Verbindung mit Pfeil 13">
+            <a:extLst>
+              <a:ext uri="{FF2B5EF4-FFF2-40B4-BE49-F238E27FC236}">
+                <a16:creationId xmlns:a16="http://schemas.microsoft.com/office/drawing/2014/main" id="{782C1408-D9EA-493E-9259-176FDF5163EC}"/>
+              </a:ext>
+            </a:extLst>
+          </p:cNvPr>
+          <p:cNvCxnSpPr>
+            <a:cxnSpLocks/>
+          </p:cNvCxnSpPr>
+          <p:nvPr/>
+        </p:nvCxnSpPr>
+        <p:spPr>
+          <a:xfrm>
+            <a:off x="2736567" y="2537795"/>
+            <a:ext cx="675700" cy="0"/>
+          </a:xfrm>
+          <a:prstGeom prst="straightConnector1">
+            <a:avLst/>
+          </a:prstGeom>
+          <a:ln>
+            <a:headEnd type="triangle" w="sm" len="sm"/>
+            <a:tailEnd type="triangle" w="sm" len="sm"/>
+          </a:ln>
+        </p:spPr>
+        <p:style>
+          <a:lnRef idx="1">
+            <a:schemeClr val="accent1"/>
+          </a:lnRef>
+          <a:fillRef idx="0">
+            <a:schemeClr val="accent1"/>
+          </a:fillRef>
+          <a:effectRef idx="0">
+            <a:schemeClr val="accent1"/>
+          </a:effectRef>
+          <a:fontRef idx="minor">
+            <a:schemeClr val="tx1"/>
+          </a:fontRef>
+        </p:style>
+      </p:cxnSp>
+      <p:sp>
+        <p:nvSpPr>
+          <p:cNvPr id="19" name="Textfeld 18">
+            <a:extLst>
+              <a:ext uri="{FF2B5EF4-FFF2-40B4-BE49-F238E27FC236}">
+                <a16:creationId xmlns:a16="http://schemas.microsoft.com/office/drawing/2014/main" id="{117CFCC0-43CF-4716-8794-23A7922E2AA6}"/>
+              </a:ext>
+            </a:extLst>
+          </p:cNvPr>
+          <p:cNvSpPr txBox="1"/>
+          <p:nvPr/>
+        </p:nvSpPr>
+        <p:spPr>
+          <a:xfrm>
+            <a:off x="2600360" y="2362649"/>
+            <a:ext cx="954507" cy="169277"/>
+          </a:xfrm>
+          <a:prstGeom prst="rect">
+            <a:avLst/>
+          </a:prstGeom>
+          <a:noFill/>
+        </p:spPr>
+        <p:txBody>
+          <a:bodyPr wrap="square" rtlCol="0">
+            <a:spAutoFit/>
+          </a:bodyPr>
+          <a:lstStyle/>
+          <a:p>
+            <a:pPr algn="ctr"/>
+            <a:r>
+              <a:rPr lang="de-DE" sz="500" dirty="0">
+                <a:latin typeface="Arial" panose="020B0604020202020204" pitchFamily="34" charset="0"/>
+                <a:cs typeface="Arial" panose="020B0604020202020204" pitchFamily="34" charset="0"/>
+              </a:rPr>
+              <a:t>L</a:t>
+            </a:r>
+            <a:r>
+              <a:rPr lang="de-DE" sz="300" dirty="0">
+                <a:latin typeface="Arial" panose="020B0604020202020204" pitchFamily="34" charset="0"/>
+                <a:cs typeface="Arial" panose="020B0604020202020204" pitchFamily="34" charset="0"/>
+              </a:rPr>
+              <a:t>II</a:t>
+            </a:r>
+            <a:r>
+              <a:rPr lang="de-DE" sz="500" dirty="0">
+                <a:latin typeface="Arial" panose="020B0604020202020204" pitchFamily="34" charset="0"/>
+                <a:cs typeface="Arial" panose="020B0604020202020204" pitchFamily="34" charset="0"/>
+              </a:rPr>
+              <a:t>=180</a:t>
+            </a:r>
+          </a:p>
+        </p:txBody>
+      </p:sp>
+      <p:sp>
+        <p:nvSpPr>
+          <p:cNvPr id="20" name="Textfeld 19">
+            <a:extLst>
+              <a:ext uri="{FF2B5EF4-FFF2-40B4-BE49-F238E27FC236}">
+                <a16:creationId xmlns:a16="http://schemas.microsoft.com/office/drawing/2014/main" id="{DEB576D0-C61B-40B3-9A2E-9E96AFACBF00}"/>
+              </a:ext>
+            </a:extLst>
+          </p:cNvPr>
+          <p:cNvSpPr txBox="1"/>
+          <p:nvPr/>
+        </p:nvSpPr>
+        <p:spPr>
+          <a:xfrm>
+            <a:off x="2230546" y="2374908"/>
+            <a:ext cx="778043" cy="169277"/>
+          </a:xfrm>
+          <a:prstGeom prst="rect">
+            <a:avLst/>
+          </a:prstGeom>
+          <a:noFill/>
+        </p:spPr>
+        <p:txBody>
+          <a:bodyPr wrap="square" rtlCol="0">
+            <a:spAutoFit/>
+          </a:bodyPr>
+          <a:lstStyle/>
+          <a:p>
+            <a:pPr algn="ctr"/>
+            <a:r>
+              <a:rPr lang="de-DE" sz="500" dirty="0">
+                <a:latin typeface="Arial" panose="020B0604020202020204" pitchFamily="34" charset="0"/>
+                <a:cs typeface="Arial" panose="020B0604020202020204" pitchFamily="34" charset="0"/>
+              </a:rPr>
+              <a:t>L</a:t>
+            </a:r>
+            <a:r>
+              <a:rPr lang="de-DE" sz="300" dirty="0">
+                <a:latin typeface="Arial" panose="020B0604020202020204" pitchFamily="34" charset="0"/>
+                <a:cs typeface="Arial" panose="020B0604020202020204" pitchFamily="34" charset="0"/>
+              </a:rPr>
+              <a:t>I</a:t>
+            </a:r>
+            <a:r>
+              <a:rPr lang="de-DE" sz="500" dirty="0">
+                <a:latin typeface="Arial" panose="020B0604020202020204" pitchFamily="34" charset="0"/>
+                <a:cs typeface="Arial" panose="020B0604020202020204" pitchFamily="34" charset="0"/>
+              </a:rPr>
+              <a:t>=55</a:t>
+            </a:r>
+          </a:p>
+        </p:txBody>
+      </p:sp>
+      <p:sp>
+        <p:nvSpPr>
+          <p:cNvPr id="21" name="Textfeld 20">
+            <a:extLst>
+              <a:ext uri="{FF2B5EF4-FFF2-40B4-BE49-F238E27FC236}">
+                <a16:creationId xmlns:a16="http://schemas.microsoft.com/office/drawing/2014/main" id="{86970C7E-C3C5-4F62-ABED-74FC8B5277E5}"/>
+              </a:ext>
+            </a:extLst>
+          </p:cNvPr>
+          <p:cNvSpPr txBox="1"/>
+          <p:nvPr/>
+        </p:nvSpPr>
+        <p:spPr>
+          <a:xfrm>
+            <a:off x="3312228" y="2362648"/>
+            <a:ext cx="378253" cy="169277"/>
+          </a:xfrm>
+          <a:prstGeom prst="rect">
+            <a:avLst/>
+          </a:prstGeom>
+          <a:noFill/>
+        </p:spPr>
+        <p:txBody>
+          <a:bodyPr wrap="square" rtlCol="0">
+            <a:spAutoFit/>
+          </a:bodyPr>
+          <a:lstStyle/>
+          <a:p>
+            <a:pPr algn="ctr"/>
+            <a:r>
+              <a:rPr lang="de-DE" sz="500" dirty="0">
+                <a:latin typeface="Arial" panose="020B0604020202020204" pitchFamily="34" charset="0"/>
+                <a:cs typeface="Arial" panose="020B0604020202020204" pitchFamily="34" charset="0"/>
+              </a:rPr>
+              <a:t>L</a:t>
+            </a:r>
+            <a:r>
+              <a:rPr lang="de-DE" sz="300" dirty="0">
+                <a:latin typeface="Arial" panose="020B0604020202020204" pitchFamily="34" charset="0"/>
+                <a:cs typeface="Arial" panose="020B0604020202020204" pitchFamily="34" charset="0"/>
+              </a:rPr>
+              <a:t>III</a:t>
+            </a:r>
+            <a:r>
+              <a:rPr lang="de-DE" sz="500" dirty="0">
+                <a:latin typeface="Arial" panose="020B0604020202020204" pitchFamily="34" charset="0"/>
+                <a:cs typeface="Arial" panose="020B0604020202020204" pitchFamily="34" charset="0"/>
+              </a:rPr>
+              <a:t>=55</a:t>
+            </a:r>
+          </a:p>
+        </p:txBody>
+      </p:sp>
+      <p:sp>
+        <p:nvSpPr>
+          <p:cNvPr id="22" name="Textfeld 21">
+            <a:extLst>
+              <a:ext uri="{FF2B5EF4-FFF2-40B4-BE49-F238E27FC236}">
+                <a16:creationId xmlns:a16="http://schemas.microsoft.com/office/drawing/2014/main" id="{6A6A44E9-EF16-4E53-9EB2-C72D7C4D0168}"/>
+              </a:ext>
+            </a:extLst>
+          </p:cNvPr>
+          <p:cNvSpPr txBox="1"/>
+          <p:nvPr/>
+        </p:nvSpPr>
+        <p:spPr>
+          <a:xfrm>
+            <a:off x="3511267" y="2361242"/>
+            <a:ext cx="377807" cy="169277"/>
+          </a:xfrm>
+          <a:prstGeom prst="rect">
+            <a:avLst/>
+          </a:prstGeom>
+          <a:noFill/>
+        </p:spPr>
+        <p:txBody>
+          <a:bodyPr wrap="square" rtlCol="0">
+            <a:spAutoFit/>
+          </a:bodyPr>
+          <a:lstStyle/>
+          <a:p>
+            <a:pPr algn="ctr"/>
+            <a:r>
+              <a:rPr lang="de-DE" sz="500" dirty="0">
+                <a:latin typeface="Arial" panose="020B0604020202020204" pitchFamily="34" charset="0"/>
+                <a:cs typeface="Arial" panose="020B0604020202020204" pitchFamily="34" charset="0"/>
+              </a:rPr>
+              <a:t>L</a:t>
+            </a:r>
+            <a:r>
+              <a:rPr lang="de-DE" sz="300" dirty="0">
+                <a:latin typeface="Arial" panose="020B0604020202020204" pitchFamily="34" charset="0"/>
+                <a:cs typeface="Arial" panose="020B0604020202020204" pitchFamily="34" charset="0"/>
+              </a:rPr>
+              <a:t>IV</a:t>
+            </a:r>
+            <a:r>
+              <a:rPr lang="de-DE" sz="500" dirty="0">
+                <a:latin typeface="Arial" panose="020B0604020202020204" pitchFamily="34" charset="0"/>
+                <a:cs typeface="Arial" panose="020B0604020202020204" pitchFamily="34" charset="0"/>
+              </a:rPr>
+              <a:t>=65</a:t>
+            </a:r>
+          </a:p>
+        </p:txBody>
+      </p:sp>
+    </p:spTree>
+    <p:extLst>
+      <p:ext uri="{BB962C8B-B14F-4D97-AF65-F5344CB8AC3E}">
+        <p14:creationId xmlns:p14="http://schemas.microsoft.com/office/powerpoint/2010/main" val="2021752976"/>
+      </p:ext>
+    </p:extLst>
+  </p:cSld>
+  <p:clrMapOvr>
+    <a:masterClrMapping/>
+  </p:clrMapOvr>
+</p:sld>
+</file>
+
 <file path=ppt/theme/theme1.xml><?xml version="1.0" encoding="utf-8"?>
 <a:theme xmlns:a="http://schemas.openxmlformats.org/drawingml/2006/main" name="Office">
   <a:themeElements>

--- a/Grafiken.pptx
+++ b/Grafiken.pptx
@@ -263,7 +263,7 @@
           <a:p>
             <a:fld id="{1A473A71-948F-4AE8-AF79-80443CCFF2D0}" type="datetimeFigureOut">
               <a:rPr lang="de-DE" smtClean="0"/>
-              <a:t>29.10.2019</a:t>
+              <a:t>05.11.2019</a:t>
             </a:fld>
             <a:endParaRPr lang="de-DE"/>
           </a:p>
@@ -461,7 +461,7 @@
           <a:p>
             <a:fld id="{1A473A71-948F-4AE8-AF79-80443CCFF2D0}" type="datetimeFigureOut">
               <a:rPr lang="de-DE" smtClean="0"/>
-              <a:t>29.10.2019</a:t>
+              <a:t>05.11.2019</a:t>
             </a:fld>
             <a:endParaRPr lang="de-DE"/>
           </a:p>
@@ -669,7 +669,7 @@
           <a:p>
             <a:fld id="{1A473A71-948F-4AE8-AF79-80443CCFF2D0}" type="datetimeFigureOut">
               <a:rPr lang="de-DE" smtClean="0"/>
-              <a:t>29.10.2019</a:t>
+              <a:t>05.11.2019</a:t>
             </a:fld>
             <a:endParaRPr lang="de-DE"/>
           </a:p>
@@ -867,7 +867,7 @@
           <a:p>
             <a:fld id="{1A473A71-948F-4AE8-AF79-80443CCFF2D0}" type="datetimeFigureOut">
               <a:rPr lang="de-DE" smtClean="0"/>
-              <a:t>29.10.2019</a:t>
+              <a:t>05.11.2019</a:t>
             </a:fld>
             <a:endParaRPr lang="de-DE"/>
           </a:p>
@@ -1142,7 +1142,7 @@
           <a:p>
             <a:fld id="{1A473A71-948F-4AE8-AF79-80443CCFF2D0}" type="datetimeFigureOut">
               <a:rPr lang="de-DE" smtClean="0"/>
-              <a:t>29.10.2019</a:t>
+              <a:t>05.11.2019</a:t>
             </a:fld>
             <a:endParaRPr lang="de-DE"/>
           </a:p>
@@ -1407,7 +1407,7 @@
           <a:p>
             <a:fld id="{1A473A71-948F-4AE8-AF79-80443CCFF2D0}" type="datetimeFigureOut">
               <a:rPr lang="de-DE" smtClean="0"/>
-              <a:t>29.10.2019</a:t>
+              <a:t>05.11.2019</a:t>
             </a:fld>
             <a:endParaRPr lang="de-DE"/>
           </a:p>
@@ -1819,7 +1819,7 @@
           <a:p>
             <a:fld id="{1A473A71-948F-4AE8-AF79-80443CCFF2D0}" type="datetimeFigureOut">
               <a:rPr lang="de-DE" smtClean="0"/>
-              <a:t>29.10.2019</a:t>
+              <a:t>05.11.2019</a:t>
             </a:fld>
             <a:endParaRPr lang="de-DE"/>
           </a:p>
@@ -1960,7 +1960,7 @@
           <a:p>
             <a:fld id="{1A473A71-948F-4AE8-AF79-80443CCFF2D0}" type="datetimeFigureOut">
               <a:rPr lang="de-DE" smtClean="0"/>
-              <a:t>29.10.2019</a:t>
+              <a:t>05.11.2019</a:t>
             </a:fld>
             <a:endParaRPr lang="de-DE"/>
           </a:p>
@@ -2073,7 +2073,7 @@
           <a:p>
             <a:fld id="{1A473A71-948F-4AE8-AF79-80443CCFF2D0}" type="datetimeFigureOut">
               <a:rPr lang="de-DE" smtClean="0"/>
-              <a:t>29.10.2019</a:t>
+              <a:t>05.11.2019</a:t>
             </a:fld>
             <a:endParaRPr lang="de-DE"/>
           </a:p>
@@ -2384,7 +2384,7 @@
           <a:p>
             <a:fld id="{1A473A71-948F-4AE8-AF79-80443CCFF2D0}" type="datetimeFigureOut">
               <a:rPr lang="de-DE" smtClean="0"/>
-              <a:t>29.10.2019</a:t>
+              <a:t>05.11.2019</a:t>
             </a:fld>
             <a:endParaRPr lang="de-DE"/>
           </a:p>
@@ -2672,7 +2672,7 @@
           <a:p>
             <a:fld id="{1A473A71-948F-4AE8-AF79-80443CCFF2D0}" type="datetimeFigureOut">
               <a:rPr lang="de-DE" smtClean="0"/>
-              <a:t>29.10.2019</a:t>
+              <a:t>05.11.2019</a:t>
             </a:fld>
             <a:endParaRPr lang="de-DE"/>
           </a:p>
@@ -2913,7 +2913,7 @@
           <a:p>
             <a:fld id="{1A473A71-948F-4AE8-AF79-80443CCFF2D0}" type="datetimeFigureOut">
               <a:rPr lang="de-DE" smtClean="0"/>
-              <a:t>29.10.2019</a:t>
+              <a:t>05.11.2019</a:t>
             </a:fld>
             <a:endParaRPr lang="de-DE"/>
           </a:p>
@@ -4003,7 +4003,7 @@
                 <a:latin typeface="Arial" panose="020B0604020202020204" pitchFamily="34" charset="0"/>
                 <a:cs typeface="Arial" panose="020B0604020202020204" pitchFamily="34" charset="0"/>
               </a:rPr>
-              <a:t>=180</a:t>
+              <a:t>=160</a:t>
             </a:r>
           </a:p>
         </p:txBody>
@@ -4023,7 +4023,7 @@
         <p:spPr>
           <a:xfrm>
             <a:off x="2173703" y="777678"/>
-            <a:ext cx="778043" cy="369332"/>
+            <a:ext cx="954507" cy="369332"/>
           </a:xfrm>
           <a:prstGeom prst="rect">
             <a:avLst/>
@@ -4056,7 +4056,7 @@
                 <a:latin typeface="Arial" panose="020B0604020202020204" pitchFamily="34" charset="0"/>
                 <a:cs typeface="Arial" panose="020B0604020202020204" pitchFamily="34" charset="0"/>
               </a:rPr>
-              <a:t>=55</a:t>
+              <a:t>=65</a:t>
             </a:r>
           </a:p>
         </p:txBody>
@@ -4075,8 +4075,8 @@
         </p:nvSpPr>
         <p:spPr>
           <a:xfrm>
-            <a:off x="5464331" y="791909"/>
-            <a:ext cx="954507" cy="369332"/>
+            <a:off x="5333965" y="789530"/>
+            <a:ext cx="1084859" cy="369332"/>
           </a:xfrm>
           <a:prstGeom prst="rect">
             <a:avLst/>
@@ -4109,7 +4109,7 @@
                 <a:latin typeface="Arial" panose="020B0604020202020204" pitchFamily="34" charset="0"/>
                 <a:cs typeface="Arial" panose="020B0604020202020204" pitchFamily="34" charset="0"/>
               </a:rPr>
-              <a:t>=55</a:t>
+              <a:t>=65</a:t>
             </a:r>
           </a:p>
         </p:txBody>
@@ -6004,7 +6004,7 @@
                   <a:latin typeface="Arial" panose="020B0604020202020204" pitchFamily="34" charset="0"/>
                   <a:cs typeface="Arial" panose="020B0604020202020204" pitchFamily="34" charset="0"/>
                 </a:rPr>
-                <a:t>=180</a:t>
+                <a:t>=160</a:t>
               </a:r>
             </a:p>
           </p:txBody>
@@ -6024,7 +6024,7 @@
           <p:spPr>
             <a:xfrm>
               <a:off x="2173703" y="777678"/>
-              <a:ext cx="778043" cy="369332"/>
+              <a:ext cx="954507" cy="369332"/>
             </a:xfrm>
             <a:prstGeom prst="rect">
               <a:avLst/>
@@ -6057,7 +6057,7 @@
                   <a:latin typeface="Arial" panose="020B0604020202020204" pitchFamily="34" charset="0"/>
                   <a:cs typeface="Arial" panose="020B0604020202020204" pitchFamily="34" charset="0"/>
                 </a:rPr>
-                <a:t>=55</a:t>
+                <a:t>=65</a:t>
               </a:r>
             </a:p>
           </p:txBody>
@@ -6076,8 +6076,8 @@
           </p:nvSpPr>
           <p:spPr>
             <a:xfrm>
-              <a:off x="5464331" y="791909"/>
-              <a:ext cx="954507" cy="369332"/>
+              <a:off x="5374096" y="792916"/>
+              <a:ext cx="1076829" cy="369332"/>
             </a:xfrm>
             <a:prstGeom prst="rect">
               <a:avLst/>
@@ -6110,7 +6110,7 @@
                   <a:latin typeface="Arial" panose="020B0604020202020204" pitchFamily="34" charset="0"/>
                   <a:cs typeface="Arial" panose="020B0604020202020204" pitchFamily="34" charset="0"/>
                 </a:rPr>
-                <a:t>=55</a:t>
+                <a:t>=65</a:t>
               </a:r>
             </a:p>
           </p:txBody>
@@ -6566,7 +6566,7 @@
         <p:spPr>
           <a:xfrm>
             <a:off x="2736567" y="2687052"/>
-            <a:ext cx="648000" cy="216000"/>
+            <a:ext cx="576000" cy="216000"/>
           </a:xfrm>
           <a:prstGeom prst="rect">
             <a:avLst/>
@@ -6601,7 +6601,7 @@
           <a:lstStyle/>
           <a:p>
             <a:pPr algn="ctr"/>
-            <a:endParaRPr lang="de-DE"/>
+            <a:endParaRPr lang="de-DE" dirty="0"/>
           </a:p>
         </p:txBody>
       </p:sp>
@@ -6619,8 +6619,8 @@
         </p:nvSpPr>
         <p:spPr>
           <a:xfrm>
-            <a:off x="3384567" y="2687053"/>
-            <a:ext cx="396000" cy="432000"/>
+            <a:off x="3312567" y="2687052"/>
+            <a:ext cx="468000" cy="432000"/>
           </a:xfrm>
           <a:prstGeom prst="rect">
             <a:avLst/>
@@ -6714,7 +6714,7 @@
         </p:nvSpPr>
         <p:spPr>
           <a:xfrm>
-            <a:off x="2818267" y="2717826"/>
+            <a:off x="2809967" y="2719954"/>
             <a:ext cx="736600" cy="184666"/>
           </a:xfrm>
           <a:prstGeom prst="rect">
@@ -6901,8 +6901,8 @@
         </p:nvCxnSpPr>
         <p:spPr>
           <a:xfrm>
-            <a:off x="3610267" y="2531079"/>
-            <a:ext cx="170300" cy="0"/>
+            <a:off x="3546567" y="2533103"/>
+            <a:ext cx="234000" cy="0"/>
           </a:xfrm>
           <a:prstGeom prst="straightConnector1">
             <a:avLst/>
@@ -6943,8 +6943,8 @@
         </p:nvCxnSpPr>
         <p:spPr>
           <a:xfrm flipV="1">
-            <a:off x="3412267" y="2531079"/>
-            <a:ext cx="198000" cy="6715"/>
+            <a:off x="3312567" y="2533104"/>
+            <a:ext cx="234000" cy="3357"/>
           </a:xfrm>
           <a:prstGeom prst="straightConnector1">
             <a:avLst/>
@@ -6985,8 +6985,8 @@
         </p:nvCxnSpPr>
         <p:spPr>
           <a:xfrm>
-            <a:off x="2736567" y="2537795"/>
-            <a:ext cx="675700" cy="0"/>
+            <a:off x="2736567" y="2536461"/>
+            <a:ext cx="576000" cy="0"/>
           </a:xfrm>
           <a:prstGeom prst="straightConnector1">
             <a:avLst/>
@@ -7025,7 +7025,7 @@
         </p:nvSpPr>
         <p:spPr>
           <a:xfrm>
-            <a:off x="2600360" y="2362649"/>
+            <a:off x="2583361" y="2379836"/>
             <a:ext cx="954507" cy="169277"/>
           </a:xfrm>
           <a:prstGeom prst="rect">
@@ -7059,7 +7059,7 @@
                 <a:latin typeface="Arial" panose="020B0604020202020204" pitchFamily="34" charset="0"/>
                 <a:cs typeface="Arial" panose="020B0604020202020204" pitchFamily="34" charset="0"/>
               </a:rPr>
-              <a:t>=180</a:t>
+              <a:t>=160</a:t>
             </a:r>
           </a:p>
         </p:txBody>
@@ -7078,7 +7078,7 @@
         </p:nvSpPr>
         <p:spPr>
           <a:xfrm>
-            <a:off x="2230546" y="2374908"/>
+            <a:off x="2230545" y="2378268"/>
             <a:ext cx="778043" cy="169277"/>
           </a:xfrm>
           <a:prstGeom prst="rect">
@@ -7112,7 +7112,7 @@
                 <a:latin typeface="Arial" panose="020B0604020202020204" pitchFamily="34" charset="0"/>
                 <a:cs typeface="Arial" panose="020B0604020202020204" pitchFamily="34" charset="0"/>
               </a:rPr>
-              <a:t>=55</a:t>
+              <a:t>=65</a:t>
             </a:r>
           </a:p>
         </p:txBody>
@@ -7131,8 +7131,8 @@
         </p:nvSpPr>
         <p:spPr>
           <a:xfrm>
-            <a:off x="3312228" y="2362648"/>
-            <a:ext cx="378253" cy="169277"/>
+            <a:off x="3199099" y="2381404"/>
+            <a:ext cx="426335" cy="169277"/>
           </a:xfrm>
           <a:prstGeom prst="rect">
             <a:avLst/>
@@ -7165,7 +7165,7 @@
                 <a:latin typeface="Arial" panose="020B0604020202020204" pitchFamily="34" charset="0"/>
                 <a:cs typeface="Arial" panose="020B0604020202020204" pitchFamily="34" charset="0"/>
               </a:rPr>
-              <a:t>=55</a:t>
+              <a:t>=65</a:t>
             </a:r>
           </a:p>
         </p:txBody>
@@ -7184,7 +7184,7 @@
         </p:nvSpPr>
         <p:spPr>
           <a:xfrm>
-            <a:off x="3511267" y="2361242"/>
+            <a:off x="3474664" y="2381404"/>
             <a:ext cx="377807" cy="169277"/>
           </a:xfrm>
           <a:prstGeom prst="rect">

--- a/Grafiken.pptx
+++ b/Grafiken.pptx
@@ -10,6 +10,7 @@
     <p:sldId id="258" r:id="rId4"/>
     <p:sldId id="259" r:id="rId5"/>
     <p:sldId id="260" r:id="rId6"/>
+    <p:sldId id="261" r:id="rId7"/>
   </p:sldIdLst>
   <p:sldSz cx="12192000" cy="6858000"/>
   <p:notesSz cx="6858000" cy="9144000"/>
@@ -263,7 +264,7 @@
           <a:p>
             <a:fld id="{1A473A71-948F-4AE8-AF79-80443CCFF2D0}" type="datetimeFigureOut">
               <a:rPr lang="de-DE" smtClean="0"/>
-              <a:t>05.11.2019</a:t>
+              <a:t>06.11.2019</a:t>
             </a:fld>
             <a:endParaRPr lang="de-DE"/>
           </a:p>
@@ -461,7 +462,7 @@
           <a:p>
             <a:fld id="{1A473A71-948F-4AE8-AF79-80443CCFF2D0}" type="datetimeFigureOut">
               <a:rPr lang="de-DE" smtClean="0"/>
-              <a:t>05.11.2019</a:t>
+              <a:t>06.11.2019</a:t>
             </a:fld>
             <a:endParaRPr lang="de-DE"/>
           </a:p>
@@ -669,7 +670,7 @@
           <a:p>
             <a:fld id="{1A473A71-948F-4AE8-AF79-80443CCFF2D0}" type="datetimeFigureOut">
               <a:rPr lang="de-DE" smtClean="0"/>
-              <a:t>05.11.2019</a:t>
+              <a:t>06.11.2019</a:t>
             </a:fld>
             <a:endParaRPr lang="de-DE"/>
           </a:p>
@@ -867,7 +868,7 @@
           <a:p>
             <a:fld id="{1A473A71-948F-4AE8-AF79-80443CCFF2D0}" type="datetimeFigureOut">
               <a:rPr lang="de-DE" smtClean="0"/>
-              <a:t>05.11.2019</a:t>
+              <a:t>06.11.2019</a:t>
             </a:fld>
             <a:endParaRPr lang="de-DE"/>
           </a:p>
@@ -1142,7 +1143,7 @@
           <a:p>
             <a:fld id="{1A473A71-948F-4AE8-AF79-80443CCFF2D0}" type="datetimeFigureOut">
               <a:rPr lang="de-DE" smtClean="0"/>
-              <a:t>05.11.2019</a:t>
+              <a:t>06.11.2019</a:t>
             </a:fld>
             <a:endParaRPr lang="de-DE"/>
           </a:p>
@@ -1407,7 +1408,7 @@
           <a:p>
             <a:fld id="{1A473A71-948F-4AE8-AF79-80443CCFF2D0}" type="datetimeFigureOut">
               <a:rPr lang="de-DE" smtClean="0"/>
-              <a:t>05.11.2019</a:t>
+              <a:t>06.11.2019</a:t>
             </a:fld>
             <a:endParaRPr lang="de-DE"/>
           </a:p>
@@ -1819,7 +1820,7 @@
           <a:p>
             <a:fld id="{1A473A71-948F-4AE8-AF79-80443CCFF2D0}" type="datetimeFigureOut">
               <a:rPr lang="de-DE" smtClean="0"/>
-              <a:t>05.11.2019</a:t>
+              <a:t>06.11.2019</a:t>
             </a:fld>
             <a:endParaRPr lang="de-DE"/>
           </a:p>
@@ -1960,7 +1961,7 @@
           <a:p>
             <a:fld id="{1A473A71-948F-4AE8-AF79-80443CCFF2D0}" type="datetimeFigureOut">
               <a:rPr lang="de-DE" smtClean="0"/>
-              <a:t>05.11.2019</a:t>
+              <a:t>06.11.2019</a:t>
             </a:fld>
             <a:endParaRPr lang="de-DE"/>
           </a:p>
@@ -2073,7 +2074,7 @@
           <a:p>
             <a:fld id="{1A473A71-948F-4AE8-AF79-80443CCFF2D0}" type="datetimeFigureOut">
               <a:rPr lang="de-DE" smtClean="0"/>
-              <a:t>05.11.2019</a:t>
+              <a:t>06.11.2019</a:t>
             </a:fld>
             <a:endParaRPr lang="de-DE"/>
           </a:p>
@@ -2384,7 +2385,7 @@
           <a:p>
             <a:fld id="{1A473A71-948F-4AE8-AF79-80443CCFF2D0}" type="datetimeFigureOut">
               <a:rPr lang="de-DE" smtClean="0"/>
-              <a:t>05.11.2019</a:t>
+              <a:t>06.11.2019</a:t>
             </a:fld>
             <a:endParaRPr lang="de-DE"/>
           </a:p>
@@ -2672,7 +2673,7 @@
           <a:p>
             <a:fld id="{1A473A71-948F-4AE8-AF79-80443CCFF2D0}" type="datetimeFigureOut">
               <a:rPr lang="de-DE" smtClean="0"/>
-              <a:t>05.11.2019</a:t>
+              <a:t>06.11.2019</a:t>
             </a:fld>
             <a:endParaRPr lang="de-DE"/>
           </a:p>
@@ -2913,7 +2914,7 @@
           <a:p>
             <a:fld id="{1A473A71-948F-4AE8-AF79-80443CCFF2D0}" type="datetimeFigureOut">
               <a:rPr lang="de-DE" smtClean="0"/>
-              <a:t>05.11.2019</a:t>
+              <a:t>06.11.2019</a:t>
             </a:fld>
             <a:endParaRPr lang="de-DE"/>
           </a:p>
@@ -7236,6 +7237,378 @@
 </p:sld>
 </file>
 
+<file path=ppt/slides/slide6.xml><?xml version="1.0" encoding="utf-8"?>
+<p:sld xmlns:a="http://schemas.openxmlformats.org/drawingml/2006/main" xmlns:r="http://schemas.openxmlformats.org/officeDocument/2006/relationships" xmlns:p="http://schemas.openxmlformats.org/presentationml/2006/main">
+  <p:cSld>
+    <p:spTree>
+      <p:nvGrpSpPr>
+        <p:cNvPr id="1" name=""/>
+        <p:cNvGrpSpPr/>
+        <p:nvPr/>
+      </p:nvGrpSpPr>
+      <p:grpSpPr>
+        <a:xfrm>
+          <a:off x="0" y="0"/>
+          <a:ext cx="0" cy="0"/>
+          <a:chOff x="0" y="0"/>
+          <a:chExt cx="0" cy="0"/>
+        </a:xfrm>
+      </p:grpSpPr>
+      <p:pic>
+        <p:nvPicPr>
+          <p:cNvPr id="2" name="Grafik 1">
+            <a:extLst>
+              <a:ext uri="{FF2B5EF4-FFF2-40B4-BE49-F238E27FC236}">
+                <a16:creationId xmlns:a16="http://schemas.microsoft.com/office/drawing/2014/main" id="{9473062E-2E22-4948-8206-3652FD3AC673}"/>
+              </a:ext>
+            </a:extLst>
+          </p:cNvPr>
+          <p:cNvPicPr>
+            <a:picLocks noChangeAspect="1"/>
+          </p:cNvPicPr>
+          <p:nvPr/>
+        </p:nvPicPr>
+        <p:blipFill>
+          <a:blip r:embed="rId2"/>
+          <a:stretch>
+            <a:fillRect/>
+          </a:stretch>
+        </p:blipFill>
+        <p:spPr>
+          <a:xfrm>
+            <a:off x="1091614" y="865773"/>
+            <a:ext cx="10506075" cy="4829175"/>
+          </a:xfrm>
+          <a:prstGeom prst="rect">
+            <a:avLst/>
+          </a:prstGeom>
+        </p:spPr>
+      </p:pic>
+      <p:sp>
+        <p:nvSpPr>
+          <p:cNvPr id="3" name="Textfeld 2">
+            <a:extLst>
+              <a:ext uri="{FF2B5EF4-FFF2-40B4-BE49-F238E27FC236}">
+                <a16:creationId xmlns:a16="http://schemas.microsoft.com/office/drawing/2014/main" id="{AB3EB1DE-D0DC-4EEE-B387-DE3332E3CAFB}"/>
+              </a:ext>
+            </a:extLst>
+          </p:cNvPr>
+          <p:cNvSpPr txBox="1"/>
+          <p:nvPr/>
+        </p:nvSpPr>
+        <p:spPr>
+          <a:xfrm>
+            <a:off x="1626766" y="1106906"/>
+            <a:ext cx="497305" cy="369332"/>
+          </a:xfrm>
+          <a:prstGeom prst="rect">
+            <a:avLst/>
+          </a:prstGeom>
+          <a:noFill/>
+        </p:spPr>
+        <p:txBody>
+          <a:bodyPr wrap="square" rtlCol="0">
+            <a:spAutoFit/>
+          </a:bodyPr>
+          <a:lstStyle/>
+          <a:p>
+            <a:r>
+              <a:rPr lang="de-DE" dirty="0">
+                <a:solidFill>
+                  <a:srgbClr val="FF0000"/>
+                </a:solidFill>
+              </a:rPr>
+              <a:t>Q1</a:t>
+            </a:r>
+          </a:p>
+        </p:txBody>
+      </p:sp>
+      <p:sp>
+        <p:nvSpPr>
+          <p:cNvPr id="4" name="Textfeld 3">
+            <a:extLst>
+              <a:ext uri="{FF2B5EF4-FFF2-40B4-BE49-F238E27FC236}">
+                <a16:creationId xmlns:a16="http://schemas.microsoft.com/office/drawing/2014/main" id="{C63819E1-C13F-48AC-B690-8E72BF943482}"/>
+              </a:ext>
+            </a:extLst>
+          </p:cNvPr>
+          <p:cNvSpPr txBox="1"/>
+          <p:nvPr/>
+        </p:nvSpPr>
+        <p:spPr>
+          <a:xfrm>
+            <a:off x="2161918" y="1259852"/>
+            <a:ext cx="497305" cy="369332"/>
+          </a:xfrm>
+          <a:prstGeom prst="rect">
+            <a:avLst/>
+          </a:prstGeom>
+          <a:noFill/>
+        </p:spPr>
+        <p:txBody>
+          <a:bodyPr wrap="square" rtlCol="0">
+            <a:spAutoFit/>
+          </a:bodyPr>
+          <a:lstStyle/>
+          <a:p>
+            <a:r>
+              <a:rPr lang="de-DE" dirty="0">
+                <a:solidFill>
+                  <a:srgbClr val="FF0000"/>
+                </a:solidFill>
+              </a:rPr>
+              <a:t>Q2</a:t>
+            </a:r>
+          </a:p>
+        </p:txBody>
+      </p:sp>
+      <p:sp>
+        <p:nvSpPr>
+          <p:cNvPr id="5" name="Textfeld 4">
+            <a:extLst>
+              <a:ext uri="{FF2B5EF4-FFF2-40B4-BE49-F238E27FC236}">
+                <a16:creationId xmlns:a16="http://schemas.microsoft.com/office/drawing/2014/main" id="{A8A013D5-1B4A-4368-AEFD-D7F753EB6A65}"/>
+              </a:ext>
+            </a:extLst>
+          </p:cNvPr>
+          <p:cNvSpPr txBox="1"/>
+          <p:nvPr/>
+        </p:nvSpPr>
+        <p:spPr>
+          <a:xfrm>
+            <a:off x="3344025" y="1572127"/>
+            <a:ext cx="497305" cy="369332"/>
+          </a:xfrm>
+          <a:prstGeom prst="rect">
+            <a:avLst/>
+          </a:prstGeom>
+          <a:noFill/>
+        </p:spPr>
+        <p:txBody>
+          <a:bodyPr wrap="square" rtlCol="0">
+            <a:spAutoFit/>
+          </a:bodyPr>
+          <a:lstStyle/>
+          <a:p>
+            <a:r>
+              <a:rPr lang="de-DE" dirty="0">
+                <a:solidFill>
+                  <a:srgbClr val="FF0000"/>
+                </a:solidFill>
+              </a:rPr>
+              <a:t>Q3</a:t>
+            </a:r>
+          </a:p>
+        </p:txBody>
+      </p:sp>
+      <p:sp>
+        <p:nvSpPr>
+          <p:cNvPr id="6" name="Textfeld 5">
+            <a:extLst>
+              <a:ext uri="{FF2B5EF4-FFF2-40B4-BE49-F238E27FC236}">
+                <a16:creationId xmlns:a16="http://schemas.microsoft.com/office/drawing/2014/main" id="{281BDB18-2C18-4E49-AF4C-182F8C411AE9}"/>
+              </a:ext>
+            </a:extLst>
+          </p:cNvPr>
+          <p:cNvSpPr txBox="1"/>
+          <p:nvPr/>
+        </p:nvSpPr>
+        <p:spPr>
+          <a:xfrm>
+            <a:off x="4965031" y="2005627"/>
+            <a:ext cx="497305" cy="369332"/>
+          </a:xfrm>
+          <a:prstGeom prst="rect">
+            <a:avLst/>
+          </a:prstGeom>
+          <a:noFill/>
+        </p:spPr>
+        <p:txBody>
+          <a:bodyPr wrap="square" rtlCol="0">
+            <a:spAutoFit/>
+          </a:bodyPr>
+          <a:lstStyle/>
+          <a:p>
+            <a:r>
+              <a:rPr lang="de-DE" dirty="0">
+                <a:solidFill>
+                  <a:srgbClr val="FF0000"/>
+                </a:solidFill>
+              </a:rPr>
+              <a:t>Q4</a:t>
+            </a:r>
+          </a:p>
+        </p:txBody>
+      </p:sp>
+      <p:sp>
+        <p:nvSpPr>
+          <p:cNvPr id="7" name="Textfeld 6">
+            <a:extLst>
+              <a:ext uri="{FF2B5EF4-FFF2-40B4-BE49-F238E27FC236}">
+                <a16:creationId xmlns:a16="http://schemas.microsoft.com/office/drawing/2014/main" id="{9897389D-EA2E-4CEF-B250-DC0A64F62AEB}"/>
+              </a:ext>
+            </a:extLst>
+          </p:cNvPr>
+          <p:cNvSpPr txBox="1"/>
+          <p:nvPr/>
+        </p:nvSpPr>
+        <p:spPr>
+          <a:xfrm>
+            <a:off x="6978315" y="2613519"/>
+            <a:ext cx="497305" cy="369332"/>
+          </a:xfrm>
+          <a:prstGeom prst="rect">
+            <a:avLst/>
+          </a:prstGeom>
+          <a:noFill/>
+        </p:spPr>
+        <p:txBody>
+          <a:bodyPr wrap="square" rtlCol="0">
+            <a:spAutoFit/>
+          </a:bodyPr>
+          <a:lstStyle/>
+          <a:p>
+            <a:r>
+              <a:rPr lang="de-DE" dirty="0">
+                <a:solidFill>
+                  <a:srgbClr val="FF0000"/>
+                </a:solidFill>
+              </a:rPr>
+              <a:t>Q5</a:t>
+            </a:r>
+          </a:p>
+        </p:txBody>
+      </p:sp>
+      <p:sp>
+        <p:nvSpPr>
+          <p:cNvPr id="8" name="Textfeld 7">
+            <a:extLst>
+              <a:ext uri="{FF2B5EF4-FFF2-40B4-BE49-F238E27FC236}">
+                <a16:creationId xmlns:a16="http://schemas.microsoft.com/office/drawing/2014/main" id="{EB32411D-4C6B-45CF-9AE8-B23AA21037C8}"/>
+              </a:ext>
+            </a:extLst>
+          </p:cNvPr>
+          <p:cNvSpPr txBox="1"/>
+          <p:nvPr/>
+        </p:nvSpPr>
+        <p:spPr>
+          <a:xfrm>
+            <a:off x="8036717" y="2982851"/>
+            <a:ext cx="497305" cy="369332"/>
+          </a:xfrm>
+          <a:prstGeom prst="rect">
+            <a:avLst/>
+          </a:prstGeom>
+          <a:noFill/>
+        </p:spPr>
+        <p:txBody>
+          <a:bodyPr wrap="square" rtlCol="0">
+            <a:spAutoFit/>
+          </a:bodyPr>
+          <a:lstStyle/>
+          <a:p>
+            <a:r>
+              <a:rPr lang="de-DE" dirty="0">
+                <a:solidFill>
+                  <a:srgbClr val="FF0000"/>
+                </a:solidFill>
+              </a:rPr>
+              <a:t>Q6</a:t>
+            </a:r>
+          </a:p>
+        </p:txBody>
+      </p:sp>
+      <p:sp>
+        <p:nvSpPr>
+          <p:cNvPr id="9" name="Textfeld 8">
+            <a:extLst>
+              <a:ext uri="{FF2B5EF4-FFF2-40B4-BE49-F238E27FC236}">
+                <a16:creationId xmlns:a16="http://schemas.microsoft.com/office/drawing/2014/main" id="{A958E9C8-D4BA-4BAB-A126-4065E1B83B17}"/>
+              </a:ext>
+            </a:extLst>
+          </p:cNvPr>
+          <p:cNvSpPr txBox="1"/>
+          <p:nvPr/>
+        </p:nvSpPr>
+        <p:spPr>
+          <a:xfrm>
+            <a:off x="8678777" y="3244334"/>
+            <a:ext cx="497305" cy="369332"/>
+          </a:xfrm>
+          <a:prstGeom prst="rect">
+            <a:avLst/>
+          </a:prstGeom>
+          <a:noFill/>
+        </p:spPr>
+        <p:txBody>
+          <a:bodyPr wrap="square" rtlCol="0">
+            <a:spAutoFit/>
+          </a:bodyPr>
+          <a:lstStyle/>
+          <a:p>
+            <a:r>
+              <a:rPr lang="de-DE" dirty="0">
+                <a:solidFill>
+                  <a:srgbClr val="FF0000"/>
+                </a:solidFill>
+              </a:rPr>
+              <a:t>Q7</a:t>
+            </a:r>
+          </a:p>
+        </p:txBody>
+      </p:sp>
+      <p:sp>
+        <p:nvSpPr>
+          <p:cNvPr id="10" name="Textfeld 9">
+            <a:extLst>
+              <a:ext uri="{FF2B5EF4-FFF2-40B4-BE49-F238E27FC236}">
+                <a16:creationId xmlns:a16="http://schemas.microsoft.com/office/drawing/2014/main" id="{56821859-5AED-4FA4-8511-37033E6B2DEE}"/>
+              </a:ext>
+            </a:extLst>
+          </p:cNvPr>
+          <p:cNvSpPr txBox="1"/>
+          <p:nvPr/>
+        </p:nvSpPr>
+        <p:spPr>
+          <a:xfrm>
+            <a:off x="9248274" y="3429000"/>
+            <a:ext cx="497305" cy="369332"/>
+          </a:xfrm>
+          <a:prstGeom prst="rect">
+            <a:avLst/>
+          </a:prstGeom>
+          <a:noFill/>
+        </p:spPr>
+        <p:txBody>
+          <a:bodyPr wrap="square" rtlCol="0">
+            <a:spAutoFit/>
+          </a:bodyPr>
+          <a:lstStyle/>
+          <a:p>
+            <a:r>
+              <a:rPr lang="de-DE" dirty="0">
+                <a:solidFill>
+                  <a:srgbClr val="FF0000"/>
+                </a:solidFill>
+              </a:rPr>
+              <a:t>Q8</a:t>
+            </a:r>
+          </a:p>
+        </p:txBody>
+      </p:sp>
+    </p:spTree>
+    <p:extLst>
+      <p:ext uri="{BB962C8B-B14F-4D97-AF65-F5344CB8AC3E}">
+        <p14:creationId xmlns:p14="http://schemas.microsoft.com/office/powerpoint/2010/main" val="2666147700"/>
+      </p:ext>
+    </p:extLst>
+  </p:cSld>
+  <p:clrMapOvr>
+    <a:masterClrMapping/>
+  </p:clrMapOvr>
+</p:sld>
+</file>
+
 <file path=ppt/theme/theme1.xml><?xml version="1.0" encoding="utf-8"?>
 <a:theme xmlns:a="http://schemas.openxmlformats.org/drawingml/2006/main" name="Office">
   <a:themeElements>

--- a/Grafiken.pptx
+++ b/Grafiken.pptx
@@ -11,6 +11,7 @@
     <p:sldId id="259" r:id="rId5"/>
     <p:sldId id="260" r:id="rId6"/>
     <p:sldId id="261" r:id="rId7"/>
+    <p:sldId id="262" r:id="rId8"/>
   </p:sldIdLst>
   <p:sldSz cx="12192000" cy="6858000"/>
   <p:notesSz cx="6858000" cy="9144000"/>
@@ -264,7 +265,7 @@
           <a:p>
             <a:fld id="{1A473A71-948F-4AE8-AF79-80443CCFF2D0}" type="datetimeFigureOut">
               <a:rPr lang="de-DE" smtClean="0"/>
-              <a:t>06.11.2019</a:t>
+              <a:t>13.11.2019</a:t>
             </a:fld>
             <a:endParaRPr lang="de-DE"/>
           </a:p>
@@ -462,7 +463,7 @@
           <a:p>
             <a:fld id="{1A473A71-948F-4AE8-AF79-80443CCFF2D0}" type="datetimeFigureOut">
               <a:rPr lang="de-DE" smtClean="0"/>
-              <a:t>06.11.2019</a:t>
+              <a:t>13.11.2019</a:t>
             </a:fld>
             <a:endParaRPr lang="de-DE"/>
           </a:p>
@@ -670,7 +671,7 @@
           <a:p>
             <a:fld id="{1A473A71-948F-4AE8-AF79-80443CCFF2D0}" type="datetimeFigureOut">
               <a:rPr lang="de-DE" smtClean="0"/>
-              <a:t>06.11.2019</a:t>
+              <a:t>13.11.2019</a:t>
             </a:fld>
             <a:endParaRPr lang="de-DE"/>
           </a:p>
@@ -868,7 +869,7 @@
           <a:p>
             <a:fld id="{1A473A71-948F-4AE8-AF79-80443CCFF2D0}" type="datetimeFigureOut">
               <a:rPr lang="de-DE" smtClean="0"/>
-              <a:t>06.11.2019</a:t>
+              <a:t>13.11.2019</a:t>
             </a:fld>
             <a:endParaRPr lang="de-DE"/>
           </a:p>
@@ -1143,7 +1144,7 @@
           <a:p>
             <a:fld id="{1A473A71-948F-4AE8-AF79-80443CCFF2D0}" type="datetimeFigureOut">
               <a:rPr lang="de-DE" smtClean="0"/>
-              <a:t>06.11.2019</a:t>
+              <a:t>13.11.2019</a:t>
             </a:fld>
             <a:endParaRPr lang="de-DE"/>
           </a:p>
@@ -1408,7 +1409,7 @@
           <a:p>
             <a:fld id="{1A473A71-948F-4AE8-AF79-80443CCFF2D0}" type="datetimeFigureOut">
               <a:rPr lang="de-DE" smtClean="0"/>
-              <a:t>06.11.2019</a:t>
+              <a:t>13.11.2019</a:t>
             </a:fld>
             <a:endParaRPr lang="de-DE"/>
           </a:p>
@@ -1820,7 +1821,7 @@
           <a:p>
             <a:fld id="{1A473A71-948F-4AE8-AF79-80443CCFF2D0}" type="datetimeFigureOut">
               <a:rPr lang="de-DE" smtClean="0"/>
-              <a:t>06.11.2019</a:t>
+              <a:t>13.11.2019</a:t>
             </a:fld>
             <a:endParaRPr lang="de-DE"/>
           </a:p>
@@ -1961,7 +1962,7 @@
           <a:p>
             <a:fld id="{1A473A71-948F-4AE8-AF79-80443CCFF2D0}" type="datetimeFigureOut">
               <a:rPr lang="de-DE" smtClean="0"/>
-              <a:t>06.11.2019</a:t>
+              <a:t>13.11.2019</a:t>
             </a:fld>
             <a:endParaRPr lang="de-DE"/>
           </a:p>
@@ -2074,7 +2075,7 @@
           <a:p>
             <a:fld id="{1A473A71-948F-4AE8-AF79-80443CCFF2D0}" type="datetimeFigureOut">
               <a:rPr lang="de-DE" smtClean="0"/>
-              <a:t>06.11.2019</a:t>
+              <a:t>13.11.2019</a:t>
             </a:fld>
             <a:endParaRPr lang="de-DE"/>
           </a:p>
@@ -2385,7 +2386,7 @@
           <a:p>
             <a:fld id="{1A473A71-948F-4AE8-AF79-80443CCFF2D0}" type="datetimeFigureOut">
               <a:rPr lang="de-DE" smtClean="0"/>
-              <a:t>06.11.2019</a:t>
+              <a:t>13.11.2019</a:t>
             </a:fld>
             <a:endParaRPr lang="de-DE"/>
           </a:p>
@@ -2673,7 +2674,7 @@
           <a:p>
             <a:fld id="{1A473A71-948F-4AE8-AF79-80443CCFF2D0}" type="datetimeFigureOut">
               <a:rPr lang="de-DE" smtClean="0"/>
-              <a:t>06.11.2019</a:t>
+              <a:t>13.11.2019</a:t>
             </a:fld>
             <a:endParaRPr lang="de-DE"/>
           </a:p>
@@ -2914,7 +2915,7 @@
           <a:p>
             <a:fld id="{1A473A71-948F-4AE8-AF79-80443CCFF2D0}" type="datetimeFigureOut">
               <a:rPr lang="de-DE" smtClean="0"/>
-              <a:t>06.11.2019</a:t>
+              <a:t>13.11.2019</a:t>
             </a:fld>
             <a:endParaRPr lang="de-DE"/>
           </a:p>
@@ -7609,6 +7610,397 @@
 </p:sld>
 </file>
 
+<file path=ppt/slides/slide7.xml><?xml version="1.0" encoding="utf-8"?>
+<p:sld xmlns:a="http://schemas.openxmlformats.org/drawingml/2006/main" xmlns:r="http://schemas.openxmlformats.org/officeDocument/2006/relationships" xmlns:p="http://schemas.openxmlformats.org/presentationml/2006/main">
+  <p:cSld>
+    <p:spTree>
+      <p:nvGrpSpPr>
+        <p:cNvPr id="1" name=""/>
+        <p:cNvGrpSpPr/>
+        <p:nvPr/>
+      </p:nvGrpSpPr>
+      <p:grpSpPr>
+        <a:xfrm>
+          <a:off x="0" y="0"/>
+          <a:ext cx="0" cy="0"/>
+          <a:chOff x="0" y="0"/>
+          <a:chExt cx="0" cy="0"/>
+        </a:xfrm>
+      </p:grpSpPr>
+      <p:sp>
+        <p:nvSpPr>
+          <p:cNvPr id="2" name="Ellipse 1">
+            <a:extLst>
+              <a:ext uri="{FF2B5EF4-FFF2-40B4-BE49-F238E27FC236}">
+                <a16:creationId xmlns:a16="http://schemas.microsoft.com/office/drawing/2014/main" id="{A3C97F0F-5EF9-443E-A98B-0F8166DDEC33}"/>
+              </a:ext>
+            </a:extLst>
+          </p:cNvPr>
+          <p:cNvSpPr/>
+          <p:nvPr/>
+        </p:nvSpPr>
+        <p:spPr>
+          <a:xfrm>
+            <a:off x="4082716" y="1556084"/>
+            <a:ext cx="2606842" cy="2606842"/>
+          </a:xfrm>
+          <a:prstGeom prst="ellipse">
+            <a:avLst/>
+          </a:prstGeom>
+          <a:noFill/>
+          <a:ln>
+            <a:solidFill>
+              <a:schemeClr val="tx1"/>
+            </a:solidFill>
+            <a:prstDash val="dashDot"/>
+          </a:ln>
+        </p:spPr>
+        <p:style>
+          <a:lnRef idx="2">
+            <a:schemeClr val="accent1">
+              <a:shade val="50000"/>
+            </a:schemeClr>
+          </a:lnRef>
+          <a:fillRef idx="1">
+            <a:schemeClr val="accent1"/>
+          </a:fillRef>
+          <a:effectRef idx="0">
+            <a:schemeClr val="accent1"/>
+          </a:effectRef>
+          <a:fontRef idx="minor">
+            <a:schemeClr val="lt1"/>
+          </a:fontRef>
+        </p:style>
+        <p:txBody>
+          <a:bodyPr rtlCol="0" anchor="ctr"/>
+          <a:lstStyle/>
+          <a:p>
+            <a:pPr algn="ctr"/>
+            <a:endParaRPr lang="de-DE"/>
+          </a:p>
+        </p:txBody>
+      </p:sp>
+      <p:cxnSp>
+        <p:nvCxnSpPr>
+          <p:cNvPr id="4" name="Gerader Verbinder 3">
+            <a:extLst>
+              <a:ext uri="{FF2B5EF4-FFF2-40B4-BE49-F238E27FC236}">
+                <a16:creationId xmlns:a16="http://schemas.microsoft.com/office/drawing/2014/main" id="{792E453F-31B4-4912-AB8E-13BD6590C2F1}"/>
+              </a:ext>
+            </a:extLst>
+          </p:cNvPr>
+          <p:cNvCxnSpPr>
+            <a:cxnSpLocks/>
+          </p:cNvCxnSpPr>
+          <p:nvPr/>
+        </p:nvCxnSpPr>
+        <p:spPr>
+          <a:xfrm flipH="1">
+            <a:off x="5390148" y="2859505"/>
+            <a:ext cx="1523999" cy="0"/>
+          </a:xfrm>
+          <a:prstGeom prst="line">
+            <a:avLst/>
+          </a:prstGeom>
+        </p:spPr>
+        <p:style>
+          <a:lnRef idx="1">
+            <a:schemeClr val="accent1"/>
+          </a:lnRef>
+          <a:fillRef idx="0">
+            <a:schemeClr val="accent1"/>
+          </a:fillRef>
+          <a:effectRef idx="0">
+            <a:schemeClr val="accent1"/>
+          </a:effectRef>
+          <a:fontRef idx="minor">
+            <a:schemeClr val="tx1"/>
+          </a:fontRef>
+        </p:style>
+      </p:cxnSp>
+      <p:cxnSp>
+        <p:nvCxnSpPr>
+          <p:cNvPr id="7" name="Gerade Verbindung mit Pfeil 6">
+            <a:extLst>
+              <a:ext uri="{FF2B5EF4-FFF2-40B4-BE49-F238E27FC236}">
+                <a16:creationId xmlns:a16="http://schemas.microsoft.com/office/drawing/2014/main" id="{8DB57880-291F-4FE4-8100-4473C538C41C}"/>
+              </a:ext>
+            </a:extLst>
+          </p:cNvPr>
+          <p:cNvCxnSpPr>
+            <a:cxnSpLocks/>
+            <a:stCxn id="2" idx="7"/>
+            <a:endCxn id="2" idx="3"/>
+          </p:cNvCxnSpPr>
+          <p:nvPr/>
+        </p:nvCxnSpPr>
+        <p:spPr>
+          <a:xfrm flipH="1">
+            <a:off x="4464479" y="1937847"/>
+            <a:ext cx="1843316" cy="1843316"/>
+          </a:xfrm>
+          <a:prstGeom prst="straightConnector1">
+            <a:avLst/>
+          </a:prstGeom>
+          <a:ln>
+            <a:headEnd type="triangle"/>
+            <a:tailEnd type="triangle"/>
+          </a:ln>
+        </p:spPr>
+        <p:style>
+          <a:lnRef idx="1">
+            <a:schemeClr val="accent1"/>
+          </a:lnRef>
+          <a:fillRef idx="0">
+            <a:schemeClr val="accent1"/>
+          </a:fillRef>
+          <a:effectRef idx="0">
+            <a:schemeClr val="accent1"/>
+          </a:effectRef>
+          <a:fontRef idx="minor">
+            <a:schemeClr val="tx1"/>
+          </a:fontRef>
+        </p:style>
+      </p:cxnSp>
+      <p:cxnSp>
+        <p:nvCxnSpPr>
+          <p:cNvPr id="11" name="Gerader Verbinder 10">
+            <a:extLst>
+              <a:ext uri="{FF2B5EF4-FFF2-40B4-BE49-F238E27FC236}">
+                <a16:creationId xmlns:a16="http://schemas.microsoft.com/office/drawing/2014/main" id="{CE880E47-4248-406A-8E99-854F14807FF7}"/>
+              </a:ext>
+            </a:extLst>
+          </p:cNvPr>
+          <p:cNvCxnSpPr>
+            <a:cxnSpLocks/>
+          </p:cNvCxnSpPr>
+          <p:nvPr/>
+        </p:nvCxnSpPr>
+        <p:spPr>
+          <a:xfrm flipV="1">
+            <a:off x="5390147" y="2470484"/>
+            <a:ext cx="1524000" cy="389023"/>
+          </a:xfrm>
+          <a:prstGeom prst="line">
+            <a:avLst/>
+          </a:prstGeom>
+        </p:spPr>
+        <p:style>
+          <a:lnRef idx="1">
+            <a:schemeClr val="accent1"/>
+          </a:lnRef>
+          <a:fillRef idx="0">
+            <a:schemeClr val="accent1"/>
+          </a:fillRef>
+          <a:effectRef idx="0">
+            <a:schemeClr val="accent1"/>
+          </a:effectRef>
+          <a:fontRef idx="minor">
+            <a:schemeClr val="tx1"/>
+          </a:fontRef>
+        </p:style>
+      </p:cxnSp>
+      <p:cxnSp>
+        <p:nvCxnSpPr>
+          <p:cNvPr id="18" name="Gerade Verbindung mit Pfeil 17">
+            <a:extLst>
+              <a:ext uri="{FF2B5EF4-FFF2-40B4-BE49-F238E27FC236}">
+                <a16:creationId xmlns:a16="http://schemas.microsoft.com/office/drawing/2014/main" id="{A0EA19DA-BC09-40E5-B0A8-52181B2C0C86}"/>
+              </a:ext>
+            </a:extLst>
+          </p:cNvPr>
+          <p:cNvCxnSpPr/>
+          <p:nvPr/>
+        </p:nvCxnSpPr>
+        <p:spPr>
+          <a:xfrm>
+            <a:off x="6096000" y="2687053"/>
+            <a:ext cx="0" cy="172452"/>
+          </a:xfrm>
+          <a:prstGeom prst="straightConnector1">
+            <a:avLst/>
+          </a:prstGeom>
+          <a:ln>
+            <a:headEnd type="triangle"/>
+            <a:tailEnd type="triangle"/>
+          </a:ln>
+        </p:spPr>
+        <p:style>
+          <a:lnRef idx="1">
+            <a:schemeClr val="accent1"/>
+          </a:lnRef>
+          <a:fillRef idx="0">
+            <a:schemeClr val="accent1"/>
+          </a:fillRef>
+          <a:effectRef idx="0">
+            <a:schemeClr val="accent1"/>
+          </a:effectRef>
+          <a:fontRef idx="minor">
+            <a:schemeClr val="tx1"/>
+          </a:fontRef>
+        </p:style>
+      </p:cxnSp>
+      <p:sp>
+        <p:nvSpPr>
+          <p:cNvPr id="19" name="Textfeld 18">
+            <a:extLst>
+              <a:ext uri="{FF2B5EF4-FFF2-40B4-BE49-F238E27FC236}">
+                <a16:creationId xmlns:a16="http://schemas.microsoft.com/office/drawing/2014/main" id="{E9B19354-B4AA-46F7-A1A7-1E3357F46439}"/>
+              </a:ext>
+            </a:extLst>
+          </p:cNvPr>
+          <p:cNvSpPr txBox="1"/>
+          <p:nvPr/>
+        </p:nvSpPr>
+        <p:spPr>
+          <a:xfrm>
+            <a:off x="5843343" y="2634889"/>
+            <a:ext cx="336871" cy="276999"/>
+          </a:xfrm>
+          <a:prstGeom prst="rect">
+            <a:avLst/>
+          </a:prstGeom>
+          <a:noFill/>
+        </p:spPr>
+        <p:txBody>
+          <a:bodyPr wrap="square" rtlCol="0">
+            <a:spAutoFit/>
+          </a:bodyPr>
+          <a:lstStyle/>
+          <a:p>
+            <a:r>
+              <a:rPr lang="el-GR" sz="1200" dirty="0"/>
+              <a:t>φ</a:t>
+            </a:r>
+            <a:endParaRPr lang="de-DE" sz="1200" dirty="0"/>
+          </a:p>
+        </p:txBody>
+      </p:sp>
+      <p:cxnSp>
+        <p:nvCxnSpPr>
+          <p:cNvPr id="21" name="Gerade Verbindung mit Pfeil 20">
+            <a:extLst>
+              <a:ext uri="{FF2B5EF4-FFF2-40B4-BE49-F238E27FC236}">
+                <a16:creationId xmlns:a16="http://schemas.microsoft.com/office/drawing/2014/main" id="{76133FA3-49E5-4869-9E78-8C98E25DE382}"/>
+              </a:ext>
+            </a:extLst>
+          </p:cNvPr>
+          <p:cNvCxnSpPr>
+            <a:cxnSpLocks/>
+          </p:cNvCxnSpPr>
+          <p:nvPr/>
+        </p:nvCxnSpPr>
+        <p:spPr>
+          <a:xfrm>
+            <a:off x="6760990" y="2526632"/>
+            <a:ext cx="32464" cy="332873"/>
+          </a:xfrm>
+          <a:prstGeom prst="straightConnector1">
+            <a:avLst/>
+          </a:prstGeom>
+          <a:ln>
+            <a:headEnd type="triangle"/>
+            <a:tailEnd type="triangle"/>
+          </a:ln>
+        </p:spPr>
+        <p:style>
+          <a:lnRef idx="1">
+            <a:schemeClr val="accent1"/>
+          </a:lnRef>
+          <a:fillRef idx="0">
+            <a:schemeClr val="accent1"/>
+          </a:fillRef>
+          <a:effectRef idx="0">
+            <a:schemeClr val="accent1"/>
+          </a:effectRef>
+          <a:fontRef idx="minor">
+            <a:schemeClr val="tx1"/>
+          </a:fontRef>
+        </p:style>
+      </p:cxnSp>
+      <p:sp>
+        <p:nvSpPr>
+          <p:cNvPr id="26" name="Textfeld 25">
+            <a:extLst>
+              <a:ext uri="{FF2B5EF4-FFF2-40B4-BE49-F238E27FC236}">
+                <a16:creationId xmlns:a16="http://schemas.microsoft.com/office/drawing/2014/main" id="{83F0955B-6758-40B3-84A3-CB4ABD7131AD}"/>
+              </a:ext>
+            </a:extLst>
+          </p:cNvPr>
+          <p:cNvSpPr txBox="1"/>
+          <p:nvPr/>
+        </p:nvSpPr>
+        <p:spPr>
+          <a:xfrm>
+            <a:off x="6760990" y="2538284"/>
+            <a:ext cx="738360" cy="276999"/>
+          </a:xfrm>
+          <a:prstGeom prst="rect">
+            <a:avLst/>
+          </a:prstGeom>
+          <a:noFill/>
+        </p:spPr>
+        <p:txBody>
+          <a:bodyPr wrap="square" rtlCol="0">
+            <a:spAutoFit/>
+          </a:bodyPr>
+          <a:lstStyle/>
+          <a:p>
+            <a:r>
+              <a:rPr lang="de-DE" sz="1200" dirty="0"/>
+              <a:t>0,25mm</a:t>
+            </a:r>
+          </a:p>
+        </p:txBody>
+      </p:sp>
+      <p:sp>
+        <p:nvSpPr>
+          <p:cNvPr id="27" name="Textfeld 26">
+            <a:extLst>
+              <a:ext uri="{FF2B5EF4-FFF2-40B4-BE49-F238E27FC236}">
+                <a16:creationId xmlns:a16="http://schemas.microsoft.com/office/drawing/2014/main" id="{053DF975-3AA2-4279-82D6-F8980B14928F}"/>
+              </a:ext>
+            </a:extLst>
+          </p:cNvPr>
+          <p:cNvSpPr txBox="1"/>
+          <p:nvPr/>
+        </p:nvSpPr>
+        <p:spPr>
+          <a:xfrm rot="19054114">
+            <a:off x="4993017" y="2634779"/>
+            <a:ext cx="687803" cy="276999"/>
+          </a:xfrm>
+          <a:prstGeom prst="rect">
+            <a:avLst/>
+          </a:prstGeom>
+          <a:noFill/>
+        </p:spPr>
+        <p:txBody>
+          <a:bodyPr wrap="square" rtlCol="0">
+            <a:spAutoFit/>
+          </a:bodyPr>
+          <a:lstStyle/>
+          <a:p>
+            <a:r>
+              <a:rPr lang="de-DE" sz="1200" dirty="0"/>
+              <a:t>80mm</a:t>
+            </a:r>
+          </a:p>
+        </p:txBody>
+      </p:sp>
+    </p:spTree>
+    <p:extLst>
+      <p:ext uri="{BB962C8B-B14F-4D97-AF65-F5344CB8AC3E}">
+        <p14:creationId xmlns:p14="http://schemas.microsoft.com/office/powerpoint/2010/main" val="2268241247"/>
+      </p:ext>
+    </p:extLst>
+  </p:cSld>
+  <p:clrMapOvr>
+    <a:masterClrMapping/>
+  </p:clrMapOvr>
+</p:sld>
+</file>
+
 <file path=ppt/theme/theme1.xml><?xml version="1.0" encoding="utf-8"?>
 <a:theme xmlns:a="http://schemas.openxmlformats.org/drawingml/2006/main" name="Office">
   <a:themeElements>

--- a/Grafiken.pptx
+++ b/Grafiken.pptx
@@ -12,6 +12,9 @@
     <p:sldId id="260" r:id="rId6"/>
     <p:sldId id="261" r:id="rId7"/>
     <p:sldId id="262" r:id="rId8"/>
+    <p:sldId id="263" r:id="rId9"/>
+    <p:sldId id="264" r:id="rId10"/>
+    <p:sldId id="265" r:id="rId11"/>
   </p:sldIdLst>
   <p:sldSz cx="12192000" cy="6858000"/>
   <p:notesSz cx="6858000" cy="9144000"/>
@@ -265,7 +268,7 @@
           <a:p>
             <a:fld id="{1A473A71-948F-4AE8-AF79-80443CCFF2D0}" type="datetimeFigureOut">
               <a:rPr lang="de-DE" smtClean="0"/>
-              <a:t>13.11.2019</a:t>
+              <a:t>20.11.2019</a:t>
             </a:fld>
             <a:endParaRPr lang="de-DE"/>
           </a:p>
@@ -463,7 +466,7 @@
           <a:p>
             <a:fld id="{1A473A71-948F-4AE8-AF79-80443CCFF2D0}" type="datetimeFigureOut">
               <a:rPr lang="de-DE" smtClean="0"/>
-              <a:t>13.11.2019</a:t>
+              <a:t>20.11.2019</a:t>
             </a:fld>
             <a:endParaRPr lang="de-DE"/>
           </a:p>
@@ -671,7 +674,7 @@
           <a:p>
             <a:fld id="{1A473A71-948F-4AE8-AF79-80443CCFF2D0}" type="datetimeFigureOut">
               <a:rPr lang="de-DE" smtClean="0"/>
-              <a:t>13.11.2019</a:t>
+              <a:t>20.11.2019</a:t>
             </a:fld>
             <a:endParaRPr lang="de-DE"/>
           </a:p>
@@ -869,7 +872,7 @@
           <a:p>
             <a:fld id="{1A473A71-948F-4AE8-AF79-80443CCFF2D0}" type="datetimeFigureOut">
               <a:rPr lang="de-DE" smtClean="0"/>
-              <a:t>13.11.2019</a:t>
+              <a:t>20.11.2019</a:t>
             </a:fld>
             <a:endParaRPr lang="de-DE"/>
           </a:p>
@@ -1144,7 +1147,7 @@
           <a:p>
             <a:fld id="{1A473A71-948F-4AE8-AF79-80443CCFF2D0}" type="datetimeFigureOut">
               <a:rPr lang="de-DE" smtClean="0"/>
-              <a:t>13.11.2019</a:t>
+              <a:t>20.11.2019</a:t>
             </a:fld>
             <a:endParaRPr lang="de-DE"/>
           </a:p>
@@ -1409,7 +1412,7 @@
           <a:p>
             <a:fld id="{1A473A71-948F-4AE8-AF79-80443CCFF2D0}" type="datetimeFigureOut">
               <a:rPr lang="de-DE" smtClean="0"/>
-              <a:t>13.11.2019</a:t>
+              <a:t>20.11.2019</a:t>
             </a:fld>
             <a:endParaRPr lang="de-DE"/>
           </a:p>
@@ -1821,7 +1824,7 @@
           <a:p>
             <a:fld id="{1A473A71-948F-4AE8-AF79-80443CCFF2D0}" type="datetimeFigureOut">
               <a:rPr lang="de-DE" smtClean="0"/>
-              <a:t>13.11.2019</a:t>
+              <a:t>20.11.2019</a:t>
             </a:fld>
             <a:endParaRPr lang="de-DE"/>
           </a:p>
@@ -1962,7 +1965,7 @@
           <a:p>
             <a:fld id="{1A473A71-948F-4AE8-AF79-80443CCFF2D0}" type="datetimeFigureOut">
               <a:rPr lang="de-DE" smtClean="0"/>
-              <a:t>13.11.2019</a:t>
+              <a:t>20.11.2019</a:t>
             </a:fld>
             <a:endParaRPr lang="de-DE"/>
           </a:p>
@@ -2075,7 +2078,7 @@
           <a:p>
             <a:fld id="{1A473A71-948F-4AE8-AF79-80443CCFF2D0}" type="datetimeFigureOut">
               <a:rPr lang="de-DE" smtClean="0"/>
-              <a:t>13.11.2019</a:t>
+              <a:t>20.11.2019</a:t>
             </a:fld>
             <a:endParaRPr lang="de-DE"/>
           </a:p>
@@ -2386,7 +2389,7 @@
           <a:p>
             <a:fld id="{1A473A71-948F-4AE8-AF79-80443CCFF2D0}" type="datetimeFigureOut">
               <a:rPr lang="de-DE" smtClean="0"/>
-              <a:t>13.11.2019</a:t>
+              <a:t>20.11.2019</a:t>
             </a:fld>
             <a:endParaRPr lang="de-DE"/>
           </a:p>
@@ -2674,7 +2677,7 @@
           <a:p>
             <a:fld id="{1A473A71-948F-4AE8-AF79-80443CCFF2D0}" type="datetimeFigureOut">
               <a:rPr lang="de-DE" smtClean="0"/>
-              <a:t>13.11.2019</a:t>
+              <a:t>20.11.2019</a:t>
             </a:fld>
             <a:endParaRPr lang="de-DE"/>
           </a:p>
@@ -2915,7 +2918,7 @@
           <a:p>
             <a:fld id="{1A473A71-948F-4AE8-AF79-80443CCFF2D0}" type="datetimeFigureOut">
               <a:rPr lang="de-DE" smtClean="0"/>
-              <a:t>13.11.2019</a:t>
+              <a:t>20.11.2019</a:t>
             </a:fld>
             <a:endParaRPr lang="de-DE"/>
           </a:p>
@@ -3386,6 +3389,825 @@
     <p:extLst>
       <p:ext uri="{BB962C8B-B14F-4D97-AF65-F5344CB8AC3E}">
         <p14:creationId xmlns:p14="http://schemas.microsoft.com/office/powerpoint/2010/main" val="1852605205"/>
+      </p:ext>
+    </p:extLst>
+  </p:cSld>
+  <p:clrMapOvr>
+    <a:masterClrMapping/>
+  </p:clrMapOvr>
+</p:sld>
+</file>
+
+<file path=ppt/slides/slide10.xml><?xml version="1.0" encoding="utf-8"?>
+<p:sld xmlns:a="http://schemas.openxmlformats.org/drawingml/2006/main" xmlns:r="http://schemas.openxmlformats.org/officeDocument/2006/relationships" xmlns:p="http://schemas.openxmlformats.org/presentationml/2006/main">
+  <p:cSld>
+    <p:spTree>
+      <p:nvGrpSpPr>
+        <p:cNvPr id="1" name=""/>
+        <p:cNvGrpSpPr/>
+        <p:nvPr/>
+      </p:nvGrpSpPr>
+      <p:grpSpPr>
+        <a:xfrm>
+          <a:off x="0" y="0"/>
+          <a:ext cx="0" cy="0"/>
+          <a:chOff x="0" y="0"/>
+          <a:chExt cx="0" cy="0"/>
+        </a:xfrm>
+      </p:grpSpPr>
+      <p:sp>
+        <p:nvSpPr>
+          <p:cNvPr id="15" name="Rechteck 14">
+            <a:extLst>
+              <a:ext uri="{FF2B5EF4-FFF2-40B4-BE49-F238E27FC236}">
+                <a16:creationId xmlns:a16="http://schemas.microsoft.com/office/drawing/2014/main" id="{25A20AE4-0783-4A49-BDC7-DCD9BE5B9291}"/>
+              </a:ext>
+            </a:extLst>
+          </p:cNvPr>
+          <p:cNvSpPr/>
+          <p:nvPr/>
+        </p:nvSpPr>
+        <p:spPr>
+          <a:xfrm>
+            <a:off x="2502567" y="2564652"/>
+            <a:ext cx="234000" cy="122400"/>
+          </a:xfrm>
+          <a:prstGeom prst="rect">
+            <a:avLst/>
+          </a:prstGeom>
+          <a:solidFill>
+            <a:schemeClr val="bg1"/>
+          </a:solidFill>
+          <a:ln w="3175">
+            <a:solidFill>
+              <a:schemeClr val="tx1"/>
+            </a:solidFill>
+          </a:ln>
+        </p:spPr>
+        <p:style>
+          <a:lnRef idx="2">
+            <a:schemeClr val="accent1">
+              <a:shade val="50000"/>
+            </a:schemeClr>
+          </a:lnRef>
+          <a:fillRef idx="1">
+            <a:schemeClr val="accent1"/>
+          </a:fillRef>
+          <a:effectRef idx="0">
+            <a:schemeClr val="accent1"/>
+          </a:effectRef>
+          <a:fontRef idx="minor">
+            <a:schemeClr val="lt1"/>
+          </a:fontRef>
+        </p:style>
+        <p:txBody>
+          <a:bodyPr rtlCol="0" anchor="ctr"/>
+          <a:lstStyle/>
+          <a:p>
+            <a:pPr algn="ctr"/>
+            <a:endParaRPr lang="de-DE" dirty="0"/>
+          </a:p>
+        </p:txBody>
+      </p:sp>
+      <p:sp>
+        <p:nvSpPr>
+          <p:cNvPr id="3" name="Rechteck 2">
+            <a:extLst>
+              <a:ext uri="{FF2B5EF4-FFF2-40B4-BE49-F238E27FC236}">
+                <a16:creationId xmlns:a16="http://schemas.microsoft.com/office/drawing/2014/main" id="{A18326DE-694E-4065-B8D1-32F00259EC01}"/>
+              </a:ext>
+            </a:extLst>
+          </p:cNvPr>
+          <p:cNvSpPr/>
+          <p:nvPr/>
+        </p:nvSpPr>
+        <p:spPr>
+          <a:xfrm>
+            <a:off x="3543035" y="2684803"/>
+            <a:ext cx="234000" cy="648000"/>
+          </a:xfrm>
+          <a:prstGeom prst="rect">
+            <a:avLst/>
+          </a:prstGeom>
+          <a:solidFill>
+            <a:schemeClr val="bg1"/>
+          </a:solidFill>
+          <a:ln w="3175">
+            <a:solidFill>
+              <a:schemeClr val="tx1"/>
+            </a:solidFill>
+          </a:ln>
+        </p:spPr>
+        <p:style>
+          <a:lnRef idx="2">
+            <a:schemeClr val="accent1">
+              <a:shade val="50000"/>
+            </a:schemeClr>
+          </a:lnRef>
+          <a:fillRef idx="1">
+            <a:schemeClr val="accent1"/>
+          </a:fillRef>
+          <a:effectRef idx="0">
+            <a:schemeClr val="accent1"/>
+          </a:effectRef>
+          <a:fontRef idx="minor">
+            <a:schemeClr val="lt1"/>
+          </a:fontRef>
+        </p:style>
+        <p:txBody>
+          <a:bodyPr rtlCol="0" anchor="ctr"/>
+          <a:lstStyle/>
+          <a:p>
+            <a:pPr algn="ctr"/>
+            <a:endParaRPr lang="de-DE"/>
+          </a:p>
+        </p:txBody>
+      </p:sp>
+      <p:sp>
+        <p:nvSpPr>
+          <p:cNvPr id="4" name="Rechteck 3">
+            <a:extLst>
+              <a:ext uri="{FF2B5EF4-FFF2-40B4-BE49-F238E27FC236}">
+                <a16:creationId xmlns:a16="http://schemas.microsoft.com/office/drawing/2014/main" id="{AF254BDE-6B62-4383-B804-E87720B49262}"/>
+              </a:ext>
+            </a:extLst>
+          </p:cNvPr>
+          <p:cNvSpPr/>
+          <p:nvPr/>
+        </p:nvSpPr>
+        <p:spPr>
+          <a:xfrm>
+            <a:off x="2736567" y="2543052"/>
+            <a:ext cx="576000" cy="144000"/>
+          </a:xfrm>
+          <a:prstGeom prst="rect">
+            <a:avLst/>
+          </a:prstGeom>
+          <a:solidFill>
+            <a:schemeClr val="bg1"/>
+          </a:solidFill>
+          <a:ln w="3175">
+            <a:solidFill>
+              <a:schemeClr val="tx1"/>
+            </a:solidFill>
+          </a:ln>
+        </p:spPr>
+        <p:style>
+          <a:lnRef idx="2">
+            <a:schemeClr val="accent1">
+              <a:shade val="50000"/>
+            </a:schemeClr>
+          </a:lnRef>
+          <a:fillRef idx="1">
+            <a:schemeClr val="accent1"/>
+          </a:fillRef>
+          <a:effectRef idx="0">
+            <a:schemeClr val="accent1"/>
+          </a:effectRef>
+          <a:fontRef idx="minor">
+            <a:schemeClr val="lt1"/>
+          </a:fontRef>
+        </p:style>
+        <p:txBody>
+          <a:bodyPr rtlCol="0" anchor="ctr"/>
+          <a:lstStyle/>
+          <a:p>
+            <a:pPr algn="ctr"/>
+            <a:endParaRPr lang="de-DE" dirty="0"/>
+          </a:p>
+        </p:txBody>
+      </p:sp>
+      <p:sp>
+        <p:nvSpPr>
+          <p:cNvPr id="5" name="Rechteck 4">
+            <a:extLst>
+              <a:ext uri="{FF2B5EF4-FFF2-40B4-BE49-F238E27FC236}">
+                <a16:creationId xmlns:a16="http://schemas.microsoft.com/office/drawing/2014/main" id="{3286D48C-3185-4076-83E9-32A6AB5809EB}"/>
+              </a:ext>
+            </a:extLst>
+          </p:cNvPr>
+          <p:cNvSpPr/>
+          <p:nvPr/>
+        </p:nvSpPr>
+        <p:spPr>
+          <a:xfrm>
+            <a:off x="3312567" y="2547099"/>
+            <a:ext cx="234000" cy="140400"/>
+          </a:xfrm>
+          <a:prstGeom prst="rect">
+            <a:avLst/>
+          </a:prstGeom>
+          <a:solidFill>
+            <a:schemeClr val="bg1"/>
+          </a:solidFill>
+          <a:ln w="3175">
+            <a:solidFill>
+              <a:schemeClr val="tx1"/>
+            </a:solidFill>
+          </a:ln>
+        </p:spPr>
+        <p:style>
+          <a:lnRef idx="2">
+            <a:schemeClr val="accent1">
+              <a:shade val="50000"/>
+            </a:schemeClr>
+          </a:lnRef>
+          <a:fillRef idx="1">
+            <a:schemeClr val="accent1"/>
+          </a:fillRef>
+          <a:effectRef idx="0">
+            <a:schemeClr val="accent1"/>
+          </a:effectRef>
+          <a:fontRef idx="minor">
+            <a:schemeClr val="lt1"/>
+          </a:fontRef>
+        </p:style>
+        <p:txBody>
+          <a:bodyPr rtlCol="0" anchor="ctr"/>
+          <a:lstStyle/>
+          <a:p>
+            <a:pPr algn="ctr"/>
+            <a:endParaRPr lang="de-DE"/>
+          </a:p>
+        </p:txBody>
+      </p:sp>
+      <p:cxnSp>
+        <p:nvCxnSpPr>
+          <p:cNvPr id="6" name="Gerader Verbinder 5">
+            <a:extLst>
+              <a:ext uri="{FF2B5EF4-FFF2-40B4-BE49-F238E27FC236}">
+                <a16:creationId xmlns:a16="http://schemas.microsoft.com/office/drawing/2014/main" id="{E7430E15-D352-4C86-8AF1-0065E53EEE33}"/>
+              </a:ext>
+            </a:extLst>
+          </p:cNvPr>
+          <p:cNvCxnSpPr/>
+          <p:nvPr/>
+        </p:nvCxnSpPr>
+        <p:spPr>
+          <a:xfrm>
+            <a:off x="2502567" y="2687053"/>
+            <a:ext cx="1278000" cy="0"/>
+          </a:xfrm>
+          <a:prstGeom prst="line">
+            <a:avLst/>
+          </a:prstGeom>
+          <a:ln w="38100">
+            <a:solidFill>
+              <a:schemeClr val="tx1"/>
+            </a:solidFill>
+          </a:ln>
+        </p:spPr>
+        <p:style>
+          <a:lnRef idx="1">
+            <a:schemeClr val="accent1"/>
+          </a:lnRef>
+          <a:fillRef idx="0">
+            <a:schemeClr val="accent1"/>
+          </a:fillRef>
+          <a:effectRef idx="0">
+            <a:schemeClr val="accent1"/>
+          </a:effectRef>
+          <a:fontRef idx="minor">
+            <a:schemeClr val="tx1"/>
+          </a:fontRef>
+        </p:style>
+      </p:cxnSp>
+      <p:cxnSp>
+        <p:nvCxnSpPr>
+          <p:cNvPr id="7" name="Gerade Verbindung mit Pfeil 6">
+            <a:extLst>
+              <a:ext uri="{FF2B5EF4-FFF2-40B4-BE49-F238E27FC236}">
+                <a16:creationId xmlns:a16="http://schemas.microsoft.com/office/drawing/2014/main" id="{FB68236A-375B-42ED-AD43-1FE081B94A65}"/>
+              </a:ext>
+            </a:extLst>
+          </p:cNvPr>
+          <p:cNvCxnSpPr>
+            <a:cxnSpLocks/>
+          </p:cNvCxnSpPr>
+          <p:nvPr/>
+        </p:nvCxnSpPr>
+        <p:spPr>
+          <a:xfrm>
+            <a:off x="2499035" y="2478541"/>
+            <a:ext cx="234000" cy="0"/>
+          </a:xfrm>
+          <a:prstGeom prst="straightConnector1">
+            <a:avLst/>
+          </a:prstGeom>
+          <a:ln>
+            <a:headEnd type="triangle" w="sm" len="sm"/>
+            <a:tailEnd type="triangle" w="sm" len="sm"/>
+          </a:ln>
+        </p:spPr>
+        <p:style>
+          <a:lnRef idx="1">
+            <a:schemeClr val="accent1"/>
+          </a:lnRef>
+          <a:fillRef idx="0">
+            <a:schemeClr val="accent1"/>
+          </a:fillRef>
+          <a:effectRef idx="0">
+            <a:schemeClr val="accent1"/>
+          </a:effectRef>
+          <a:fontRef idx="minor">
+            <a:schemeClr val="tx1"/>
+          </a:fontRef>
+        </p:style>
+      </p:cxnSp>
+      <p:cxnSp>
+        <p:nvCxnSpPr>
+          <p:cNvPr id="8" name="Gerade Verbindung mit Pfeil 7">
+            <a:extLst>
+              <a:ext uri="{FF2B5EF4-FFF2-40B4-BE49-F238E27FC236}">
+                <a16:creationId xmlns:a16="http://schemas.microsoft.com/office/drawing/2014/main" id="{38430546-82CC-4DBA-ACF3-CF025ED12510}"/>
+              </a:ext>
+            </a:extLst>
+          </p:cNvPr>
+          <p:cNvCxnSpPr>
+            <a:cxnSpLocks/>
+          </p:cNvCxnSpPr>
+          <p:nvPr/>
+        </p:nvCxnSpPr>
+        <p:spPr>
+          <a:xfrm>
+            <a:off x="3543035" y="2474715"/>
+            <a:ext cx="234000" cy="0"/>
+          </a:xfrm>
+          <a:prstGeom prst="straightConnector1">
+            <a:avLst/>
+          </a:prstGeom>
+          <a:ln>
+            <a:headEnd type="triangle" w="sm" len="sm"/>
+            <a:tailEnd type="triangle" w="sm" len="sm"/>
+          </a:ln>
+        </p:spPr>
+        <p:style>
+          <a:lnRef idx="1">
+            <a:schemeClr val="accent1"/>
+          </a:lnRef>
+          <a:fillRef idx="0">
+            <a:schemeClr val="accent1"/>
+          </a:fillRef>
+          <a:effectRef idx="0">
+            <a:schemeClr val="accent1"/>
+          </a:effectRef>
+          <a:fontRef idx="minor">
+            <a:schemeClr val="tx1"/>
+          </a:fontRef>
+        </p:style>
+      </p:cxnSp>
+      <p:cxnSp>
+        <p:nvCxnSpPr>
+          <p:cNvPr id="9" name="Gerade Verbindung mit Pfeil 8">
+            <a:extLst>
+              <a:ext uri="{FF2B5EF4-FFF2-40B4-BE49-F238E27FC236}">
+                <a16:creationId xmlns:a16="http://schemas.microsoft.com/office/drawing/2014/main" id="{BFFE1FD8-784B-46BE-BC61-F94305C11CFD}"/>
+              </a:ext>
+            </a:extLst>
+          </p:cNvPr>
+          <p:cNvCxnSpPr>
+            <a:cxnSpLocks/>
+          </p:cNvCxnSpPr>
+          <p:nvPr/>
+        </p:nvCxnSpPr>
+        <p:spPr>
+          <a:xfrm flipV="1">
+            <a:off x="3309035" y="2474716"/>
+            <a:ext cx="234000" cy="3357"/>
+          </a:xfrm>
+          <a:prstGeom prst="straightConnector1">
+            <a:avLst/>
+          </a:prstGeom>
+          <a:ln>
+            <a:headEnd type="triangle" w="sm" len="sm"/>
+            <a:tailEnd type="triangle" w="sm" len="sm"/>
+          </a:ln>
+        </p:spPr>
+        <p:style>
+          <a:lnRef idx="1">
+            <a:schemeClr val="accent1"/>
+          </a:lnRef>
+          <a:fillRef idx="0">
+            <a:schemeClr val="accent1"/>
+          </a:fillRef>
+          <a:effectRef idx="0">
+            <a:schemeClr val="accent1"/>
+          </a:effectRef>
+          <a:fontRef idx="minor">
+            <a:schemeClr val="tx1"/>
+          </a:fontRef>
+        </p:style>
+      </p:cxnSp>
+      <p:cxnSp>
+        <p:nvCxnSpPr>
+          <p:cNvPr id="10" name="Gerade Verbindung mit Pfeil 9">
+            <a:extLst>
+              <a:ext uri="{FF2B5EF4-FFF2-40B4-BE49-F238E27FC236}">
+                <a16:creationId xmlns:a16="http://schemas.microsoft.com/office/drawing/2014/main" id="{4ED042A5-5833-4918-98FB-2102C4155621}"/>
+              </a:ext>
+            </a:extLst>
+          </p:cNvPr>
+          <p:cNvCxnSpPr>
+            <a:cxnSpLocks/>
+          </p:cNvCxnSpPr>
+          <p:nvPr/>
+        </p:nvCxnSpPr>
+        <p:spPr>
+          <a:xfrm>
+            <a:off x="2733035" y="2478073"/>
+            <a:ext cx="576000" cy="0"/>
+          </a:xfrm>
+          <a:prstGeom prst="straightConnector1">
+            <a:avLst/>
+          </a:prstGeom>
+          <a:ln>
+            <a:headEnd type="triangle" w="sm" len="sm"/>
+            <a:tailEnd type="triangle" w="sm" len="sm"/>
+          </a:ln>
+        </p:spPr>
+        <p:style>
+          <a:lnRef idx="1">
+            <a:schemeClr val="accent1"/>
+          </a:lnRef>
+          <a:fillRef idx="0">
+            <a:schemeClr val="accent1"/>
+          </a:fillRef>
+          <a:effectRef idx="0">
+            <a:schemeClr val="accent1"/>
+          </a:effectRef>
+          <a:fontRef idx="minor">
+            <a:schemeClr val="tx1"/>
+          </a:fontRef>
+        </p:style>
+      </p:cxnSp>
+      <p:sp>
+        <p:nvSpPr>
+          <p:cNvPr id="11" name="Textfeld 10">
+            <a:extLst>
+              <a:ext uri="{FF2B5EF4-FFF2-40B4-BE49-F238E27FC236}">
+                <a16:creationId xmlns:a16="http://schemas.microsoft.com/office/drawing/2014/main" id="{A43FD704-C293-47A1-A888-88FA780F8117}"/>
+              </a:ext>
+            </a:extLst>
+          </p:cNvPr>
+          <p:cNvSpPr txBox="1"/>
+          <p:nvPr/>
+        </p:nvSpPr>
+        <p:spPr>
+          <a:xfrm>
+            <a:off x="2588528" y="2284039"/>
+            <a:ext cx="954507" cy="169277"/>
+          </a:xfrm>
+          <a:prstGeom prst="rect">
+            <a:avLst/>
+          </a:prstGeom>
+          <a:noFill/>
+        </p:spPr>
+        <p:txBody>
+          <a:bodyPr wrap="square" rtlCol="0">
+            <a:spAutoFit/>
+          </a:bodyPr>
+          <a:lstStyle/>
+          <a:p>
+            <a:pPr algn="ctr"/>
+            <a:r>
+              <a:rPr lang="de-DE" sz="500" dirty="0">
+                <a:latin typeface="Arial" panose="020B0604020202020204" pitchFamily="34" charset="0"/>
+                <a:cs typeface="Arial" panose="020B0604020202020204" pitchFamily="34" charset="0"/>
+              </a:rPr>
+              <a:t>L</a:t>
+            </a:r>
+            <a:r>
+              <a:rPr lang="de-DE" sz="300" dirty="0">
+                <a:latin typeface="Arial" panose="020B0604020202020204" pitchFamily="34" charset="0"/>
+                <a:cs typeface="Arial" panose="020B0604020202020204" pitchFamily="34" charset="0"/>
+              </a:rPr>
+              <a:t>II</a:t>
+            </a:r>
+            <a:r>
+              <a:rPr lang="de-DE" sz="500" dirty="0">
+                <a:latin typeface="Arial" panose="020B0604020202020204" pitchFamily="34" charset="0"/>
+                <a:cs typeface="Arial" panose="020B0604020202020204" pitchFamily="34" charset="0"/>
+              </a:rPr>
+              <a:t>=160</a:t>
+            </a:r>
+          </a:p>
+        </p:txBody>
+      </p:sp>
+      <p:sp>
+        <p:nvSpPr>
+          <p:cNvPr id="12" name="Textfeld 11">
+            <a:extLst>
+              <a:ext uri="{FF2B5EF4-FFF2-40B4-BE49-F238E27FC236}">
+                <a16:creationId xmlns:a16="http://schemas.microsoft.com/office/drawing/2014/main" id="{6CF65375-5DF2-4A03-8379-3F4B98193192}"/>
+              </a:ext>
+            </a:extLst>
+          </p:cNvPr>
+          <p:cNvSpPr txBox="1"/>
+          <p:nvPr/>
+        </p:nvSpPr>
+        <p:spPr>
+          <a:xfrm>
+            <a:off x="2235712" y="2282471"/>
+            <a:ext cx="778043" cy="169277"/>
+          </a:xfrm>
+          <a:prstGeom prst="rect">
+            <a:avLst/>
+          </a:prstGeom>
+          <a:noFill/>
+        </p:spPr>
+        <p:txBody>
+          <a:bodyPr wrap="square" rtlCol="0">
+            <a:spAutoFit/>
+          </a:bodyPr>
+          <a:lstStyle/>
+          <a:p>
+            <a:pPr algn="ctr"/>
+            <a:r>
+              <a:rPr lang="de-DE" sz="500" dirty="0">
+                <a:latin typeface="Arial" panose="020B0604020202020204" pitchFamily="34" charset="0"/>
+                <a:cs typeface="Arial" panose="020B0604020202020204" pitchFamily="34" charset="0"/>
+              </a:rPr>
+              <a:t>L</a:t>
+            </a:r>
+            <a:r>
+              <a:rPr lang="de-DE" sz="300" dirty="0">
+                <a:latin typeface="Arial" panose="020B0604020202020204" pitchFamily="34" charset="0"/>
+                <a:cs typeface="Arial" panose="020B0604020202020204" pitchFamily="34" charset="0"/>
+              </a:rPr>
+              <a:t>I</a:t>
+            </a:r>
+            <a:r>
+              <a:rPr lang="de-DE" sz="500" dirty="0">
+                <a:latin typeface="Arial" panose="020B0604020202020204" pitchFamily="34" charset="0"/>
+                <a:cs typeface="Arial" panose="020B0604020202020204" pitchFamily="34" charset="0"/>
+              </a:rPr>
+              <a:t>=65</a:t>
+            </a:r>
+          </a:p>
+        </p:txBody>
+      </p:sp>
+      <p:sp>
+        <p:nvSpPr>
+          <p:cNvPr id="13" name="Textfeld 12">
+            <a:extLst>
+              <a:ext uri="{FF2B5EF4-FFF2-40B4-BE49-F238E27FC236}">
+                <a16:creationId xmlns:a16="http://schemas.microsoft.com/office/drawing/2014/main" id="{2ADEC74A-D0F9-49EB-8C17-82840BED410F}"/>
+              </a:ext>
+            </a:extLst>
+          </p:cNvPr>
+          <p:cNvSpPr txBox="1"/>
+          <p:nvPr/>
+        </p:nvSpPr>
+        <p:spPr>
+          <a:xfrm>
+            <a:off x="3204266" y="2285607"/>
+            <a:ext cx="426335" cy="169277"/>
+          </a:xfrm>
+          <a:prstGeom prst="rect">
+            <a:avLst/>
+          </a:prstGeom>
+          <a:noFill/>
+        </p:spPr>
+        <p:txBody>
+          <a:bodyPr wrap="square" rtlCol="0">
+            <a:spAutoFit/>
+          </a:bodyPr>
+          <a:lstStyle/>
+          <a:p>
+            <a:pPr algn="ctr"/>
+            <a:r>
+              <a:rPr lang="de-DE" sz="500" dirty="0">
+                <a:latin typeface="Arial" panose="020B0604020202020204" pitchFamily="34" charset="0"/>
+                <a:cs typeface="Arial" panose="020B0604020202020204" pitchFamily="34" charset="0"/>
+              </a:rPr>
+              <a:t>L</a:t>
+            </a:r>
+            <a:r>
+              <a:rPr lang="de-DE" sz="300" dirty="0">
+                <a:latin typeface="Arial" panose="020B0604020202020204" pitchFamily="34" charset="0"/>
+                <a:cs typeface="Arial" panose="020B0604020202020204" pitchFamily="34" charset="0"/>
+              </a:rPr>
+              <a:t>III</a:t>
+            </a:r>
+            <a:r>
+              <a:rPr lang="de-DE" sz="500" dirty="0">
+                <a:latin typeface="Arial" panose="020B0604020202020204" pitchFamily="34" charset="0"/>
+                <a:cs typeface="Arial" panose="020B0604020202020204" pitchFamily="34" charset="0"/>
+              </a:rPr>
+              <a:t>=65</a:t>
+            </a:r>
+          </a:p>
+        </p:txBody>
+      </p:sp>
+      <p:sp>
+        <p:nvSpPr>
+          <p:cNvPr id="14" name="Textfeld 13">
+            <a:extLst>
+              <a:ext uri="{FF2B5EF4-FFF2-40B4-BE49-F238E27FC236}">
+                <a16:creationId xmlns:a16="http://schemas.microsoft.com/office/drawing/2014/main" id="{ED74EAC5-2314-4BC2-86DE-AC962A7C2D8C}"/>
+              </a:ext>
+            </a:extLst>
+          </p:cNvPr>
+          <p:cNvSpPr txBox="1"/>
+          <p:nvPr/>
+        </p:nvSpPr>
+        <p:spPr>
+          <a:xfrm>
+            <a:off x="3479831" y="2285607"/>
+            <a:ext cx="377807" cy="169277"/>
+          </a:xfrm>
+          <a:prstGeom prst="rect">
+            <a:avLst/>
+          </a:prstGeom>
+          <a:noFill/>
+        </p:spPr>
+        <p:txBody>
+          <a:bodyPr wrap="square" rtlCol="0">
+            <a:spAutoFit/>
+          </a:bodyPr>
+          <a:lstStyle/>
+          <a:p>
+            <a:pPr algn="ctr"/>
+            <a:r>
+              <a:rPr lang="de-DE" sz="500" dirty="0">
+                <a:latin typeface="Arial" panose="020B0604020202020204" pitchFamily="34" charset="0"/>
+                <a:cs typeface="Arial" panose="020B0604020202020204" pitchFamily="34" charset="0"/>
+              </a:rPr>
+              <a:t>L</a:t>
+            </a:r>
+            <a:r>
+              <a:rPr lang="de-DE" sz="300" dirty="0">
+                <a:latin typeface="Arial" panose="020B0604020202020204" pitchFamily="34" charset="0"/>
+                <a:cs typeface="Arial" panose="020B0604020202020204" pitchFamily="34" charset="0"/>
+              </a:rPr>
+              <a:t>IV</a:t>
+            </a:r>
+            <a:r>
+              <a:rPr lang="de-DE" sz="500" dirty="0">
+                <a:latin typeface="Arial" panose="020B0604020202020204" pitchFamily="34" charset="0"/>
+                <a:cs typeface="Arial" panose="020B0604020202020204" pitchFamily="34" charset="0"/>
+              </a:rPr>
+              <a:t>=65</a:t>
+            </a:r>
+          </a:p>
+        </p:txBody>
+      </p:sp>
+      <p:sp>
+        <p:nvSpPr>
+          <p:cNvPr id="16" name="Textfeld 15">
+            <a:extLst>
+              <a:ext uri="{FF2B5EF4-FFF2-40B4-BE49-F238E27FC236}">
+                <a16:creationId xmlns:a16="http://schemas.microsoft.com/office/drawing/2014/main" id="{C5F24A03-4C0C-41E7-B50F-71F46F3A9CF7}"/>
+              </a:ext>
+            </a:extLst>
+          </p:cNvPr>
+          <p:cNvSpPr txBox="1"/>
+          <p:nvPr/>
+        </p:nvSpPr>
+        <p:spPr>
+          <a:xfrm>
+            <a:off x="2528948" y="2530413"/>
+            <a:ext cx="252413" cy="169277"/>
+          </a:xfrm>
+          <a:prstGeom prst="rect">
+            <a:avLst/>
+          </a:prstGeom>
+          <a:noFill/>
+        </p:spPr>
+        <p:txBody>
+          <a:bodyPr wrap="square" rtlCol="0">
+            <a:spAutoFit/>
+          </a:bodyPr>
+          <a:lstStyle/>
+          <a:p>
+            <a:r>
+              <a:rPr lang="de-DE" sz="500" dirty="0">
+                <a:latin typeface="Adobe Ming Std L" panose="02020300000000000000" pitchFamily="18" charset="-128"/>
+                <a:ea typeface="Adobe Ming Std L" panose="02020300000000000000" pitchFamily="18" charset="-128"/>
+              </a:rPr>
+              <a:t>I</a:t>
+            </a:r>
+          </a:p>
+        </p:txBody>
+      </p:sp>
+      <p:sp>
+        <p:nvSpPr>
+          <p:cNvPr id="17" name="Textfeld 16">
+            <a:extLst>
+              <a:ext uri="{FF2B5EF4-FFF2-40B4-BE49-F238E27FC236}">
+                <a16:creationId xmlns:a16="http://schemas.microsoft.com/office/drawing/2014/main" id="{64966012-61BF-45E5-AC6C-68CFE5842F61}"/>
+              </a:ext>
+            </a:extLst>
+          </p:cNvPr>
+          <p:cNvSpPr txBox="1"/>
+          <p:nvPr/>
+        </p:nvSpPr>
+        <p:spPr>
+          <a:xfrm>
+            <a:off x="2894828" y="2519810"/>
+            <a:ext cx="252413" cy="169277"/>
+          </a:xfrm>
+          <a:prstGeom prst="rect">
+            <a:avLst/>
+          </a:prstGeom>
+          <a:noFill/>
+        </p:spPr>
+        <p:txBody>
+          <a:bodyPr wrap="square" rtlCol="0">
+            <a:spAutoFit/>
+          </a:bodyPr>
+          <a:lstStyle/>
+          <a:p>
+            <a:r>
+              <a:rPr lang="de-DE" sz="500" dirty="0">
+                <a:latin typeface="Adobe Ming Std L" panose="02020300000000000000" pitchFamily="18" charset="-128"/>
+                <a:ea typeface="Adobe Ming Std L" panose="02020300000000000000" pitchFamily="18" charset="-128"/>
+              </a:rPr>
+              <a:t>II</a:t>
+            </a:r>
+          </a:p>
+        </p:txBody>
+      </p:sp>
+      <p:sp>
+        <p:nvSpPr>
+          <p:cNvPr id="18" name="Textfeld 17">
+            <a:extLst>
+              <a:ext uri="{FF2B5EF4-FFF2-40B4-BE49-F238E27FC236}">
+                <a16:creationId xmlns:a16="http://schemas.microsoft.com/office/drawing/2014/main" id="{E9B90262-4B8D-4548-A6F8-05878A58635E}"/>
+              </a:ext>
+            </a:extLst>
+          </p:cNvPr>
+          <p:cNvSpPr txBox="1"/>
+          <p:nvPr/>
+        </p:nvSpPr>
+        <p:spPr>
+          <a:xfrm>
+            <a:off x="3307702" y="2527781"/>
+            <a:ext cx="252413" cy="169277"/>
+          </a:xfrm>
+          <a:prstGeom prst="rect">
+            <a:avLst/>
+          </a:prstGeom>
+          <a:noFill/>
+        </p:spPr>
+        <p:txBody>
+          <a:bodyPr wrap="square" rtlCol="0">
+            <a:spAutoFit/>
+          </a:bodyPr>
+          <a:lstStyle/>
+          <a:p>
+            <a:r>
+              <a:rPr lang="de-DE" sz="500" dirty="0">
+                <a:latin typeface="Adobe Ming Std L" panose="02020300000000000000" pitchFamily="18" charset="-128"/>
+                <a:ea typeface="Adobe Ming Std L" panose="02020300000000000000" pitchFamily="18" charset="-128"/>
+              </a:rPr>
+              <a:t>III</a:t>
+            </a:r>
+          </a:p>
+        </p:txBody>
+      </p:sp>
+      <p:sp>
+        <p:nvSpPr>
+          <p:cNvPr id="19" name="Textfeld 18">
+            <a:extLst>
+              <a:ext uri="{FF2B5EF4-FFF2-40B4-BE49-F238E27FC236}">
+                <a16:creationId xmlns:a16="http://schemas.microsoft.com/office/drawing/2014/main" id="{2E6E7BC7-4717-441D-AD6D-ADC925A8E056}"/>
+              </a:ext>
+            </a:extLst>
+          </p:cNvPr>
+          <p:cNvSpPr txBox="1"/>
+          <p:nvPr/>
+        </p:nvSpPr>
+        <p:spPr>
+          <a:xfrm>
+            <a:off x="3539757" y="3006015"/>
+            <a:ext cx="280927" cy="169277"/>
+          </a:xfrm>
+          <a:prstGeom prst="rect">
+            <a:avLst/>
+          </a:prstGeom>
+          <a:noFill/>
+        </p:spPr>
+        <p:txBody>
+          <a:bodyPr wrap="square" rtlCol="0">
+            <a:spAutoFit/>
+          </a:bodyPr>
+          <a:lstStyle/>
+          <a:p>
+            <a:r>
+              <a:rPr lang="de-DE" sz="500" dirty="0">
+                <a:latin typeface="Adobe Ming Std L" panose="02020300000000000000" pitchFamily="18" charset="-128"/>
+                <a:ea typeface="Adobe Ming Std L" panose="02020300000000000000" pitchFamily="18" charset="-128"/>
+              </a:rPr>
+              <a:t>IV</a:t>
+            </a:r>
+          </a:p>
+        </p:txBody>
+      </p:sp>
+    </p:spTree>
+    <p:extLst>
+      <p:ext uri="{BB962C8B-B14F-4D97-AF65-F5344CB8AC3E}">
+        <p14:creationId xmlns:p14="http://schemas.microsoft.com/office/powerpoint/2010/main" val="562262707"/>
       </p:ext>
     </p:extLst>
   </p:cSld>
@@ -7948,7 +8770,7 @@
           <a:p>
             <a:r>
               <a:rPr lang="de-DE" sz="1200" dirty="0"/>
-              <a:t>0,25mm</a:t>
+              <a:t>0,15mm</a:t>
             </a:r>
           </a:p>
         </p:txBody>
@@ -7992,6 +8814,984 @@
     <p:extLst>
       <p:ext uri="{BB962C8B-B14F-4D97-AF65-F5344CB8AC3E}">
         <p14:creationId xmlns:p14="http://schemas.microsoft.com/office/powerpoint/2010/main" val="2268241247"/>
+      </p:ext>
+    </p:extLst>
+  </p:cSld>
+  <p:clrMapOvr>
+    <a:masterClrMapping/>
+  </p:clrMapOvr>
+</p:sld>
+</file>
+
+<file path=ppt/slides/slide8.xml><?xml version="1.0" encoding="utf-8"?>
+<p:sld xmlns:a="http://schemas.openxmlformats.org/drawingml/2006/main" xmlns:r="http://schemas.openxmlformats.org/officeDocument/2006/relationships" xmlns:p="http://schemas.openxmlformats.org/presentationml/2006/main">
+  <p:cSld>
+    <p:spTree>
+      <p:nvGrpSpPr>
+        <p:cNvPr id="1" name=""/>
+        <p:cNvGrpSpPr/>
+        <p:nvPr/>
+      </p:nvGrpSpPr>
+      <p:grpSpPr>
+        <a:xfrm>
+          <a:off x="0" y="0"/>
+          <a:ext cx="0" cy="0"/>
+          <a:chOff x="0" y="0"/>
+          <a:chExt cx="0" cy="0"/>
+        </a:xfrm>
+      </p:grpSpPr>
+      <p:grpSp>
+        <p:nvGrpSpPr>
+          <p:cNvPr id="7" name="Gruppieren 6">
+            <a:extLst>
+              <a:ext uri="{FF2B5EF4-FFF2-40B4-BE49-F238E27FC236}">
+                <a16:creationId xmlns:a16="http://schemas.microsoft.com/office/drawing/2014/main" id="{68A87446-D569-487E-B0CC-233F1B16FF68}"/>
+              </a:ext>
+            </a:extLst>
+          </p:cNvPr>
+          <p:cNvGrpSpPr/>
+          <p:nvPr/>
+        </p:nvGrpSpPr>
+        <p:grpSpPr>
+          <a:xfrm>
+            <a:off x="1419225" y="2176462"/>
+            <a:ext cx="9353550" cy="2505075"/>
+            <a:chOff x="1419225" y="2176462"/>
+            <a:chExt cx="9353550" cy="2505075"/>
+          </a:xfrm>
+        </p:grpSpPr>
+        <p:pic>
+          <p:nvPicPr>
+            <p:cNvPr id="3" name="Grafik 2">
+              <a:extLst>
+                <a:ext uri="{FF2B5EF4-FFF2-40B4-BE49-F238E27FC236}">
+                  <a16:creationId xmlns:a16="http://schemas.microsoft.com/office/drawing/2014/main" id="{5F2D5CB7-9ABE-468F-A058-C20EF2B2D0AC}"/>
+                </a:ext>
+              </a:extLst>
+            </p:cNvPr>
+            <p:cNvPicPr>
+              <a:picLocks noChangeAspect="1"/>
+            </p:cNvPicPr>
+            <p:nvPr/>
+          </p:nvPicPr>
+          <p:blipFill>
+            <a:blip r:embed="rId2"/>
+            <a:stretch>
+              <a:fillRect/>
+            </a:stretch>
+          </p:blipFill>
+          <p:spPr>
+            <a:xfrm>
+              <a:off x="1419225" y="2176462"/>
+              <a:ext cx="9353550" cy="2505075"/>
+            </a:xfrm>
+            <a:prstGeom prst="rect">
+              <a:avLst/>
+            </a:prstGeom>
+          </p:spPr>
+        </p:pic>
+        <p:cxnSp>
+          <p:nvCxnSpPr>
+            <p:cNvPr id="5" name="Gerade Verbindung mit Pfeil 4">
+              <a:extLst>
+                <a:ext uri="{FF2B5EF4-FFF2-40B4-BE49-F238E27FC236}">
+                  <a16:creationId xmlns:a16="http://schemas.microsoft.com/office/drawing/2014/main" id="{050142FC-D712-4F35-80FB-F7DE90FB044A}"/>
+                </a:ext>
+              </a:extLst>
+            </p:cNvPr>
+            <p:cNvCxnSpPr/>
+            <p:nvPr/>
+          </p:nvCxnSpPr>
+          <p:spPr>
+            <a:xfrm flipH="1">
+              <a:off x="8943474" y="2943726"/>
+              <a:ext cx="874294" cy="0"/>
+            </a:xfrm>
+            <a:prstGeom prst="straightConnector1">
+              <a:avLst/>
+            </a:prstGeom>
+            <a:ln w="38100">
+              <a:tailEnd type="triangle"/>
+            </a:ln>
+          </p:spPr>
+          <p:style>
+            <a:lnRef idx="3">
+              <a:schemeClr val="accent2"/>
+            </a:lnRef>
+            <a:fillRef idx="0">
+              <a:schemeClr val="accent2"/>
+            </a:fillRef>
+            <a:effectRef idx="2">
+              <a:schemeClr val="accent2"/>
+            </a:effectRef>
+            <a:fontRef idx="minor">
+              <a:schemeClr val="tx1"/>
+            </a:fontRef>
+          </p:style>
+        </p:cxnSp>
+        <p:sp>
+          <p:nvSpPr>
+            <p:cNvPr id="6" name="Textfeld 5">
+              <a:extLst>
+                <a:ext uri="{FF2B5EF4-FFF2-40B4-BE49-F238E27FC236}">
+                  <a16:creationId xmlns:a16="http://schemas.microsoft.com/office/drawing/2014/main" id="{6D259365-E1CC-4B58-9E32-FB1B56323FAA}"/>
+                </a:ext>
+              </a:extLst>
+            </p:cNvPr>
+            <p:cNvSpPr txBox="1"/>
+            <p:nvPr/>
+          </p:nvSpPr>
+          <p:spPr>
+            <a:xfrm>
+              <a:off x="9677649" y="2574394"/>
+              <a:ext cx="296779" cy="369332"/>
+            </a:xfrm>
+            <a:prstGeom prst="rect">
+              <a:avLst/>
+            </a:prstGeom>
+            <a:noFill/>
+          </p:spPr>
+          <p:txBody>
+            <a:bodyPr wrap="square" rtlCol="0">
+              <a:spAutoFit/>
+            </a:bodyPr>
+            <a:lstStyle/>
+            <a:p>
+              <a:r>
+                <a:rPr lang="de-DE" dirty="0">
+                  <a:solidFill>
+                    <a:schemeClr val="accent2"/>
+                  </a:solidFill>
+                </a:rPr>
+                <a:t>A</a:t>
+              </a:r>
+            </a:p>
+          </p:txBody>
+        </p:sp>
+      </p:grpSp>
+    </p:spTree>
+    <p:extLst>
+      <p:ext uri="{BB962C8B-B14F-4D97-AF65-F5344CB8AC3E}">
+        <p14:creationId xmlns:p14="http://schemas.microsoft.com/office/powerpoint/2010/main" val="3062742812"/>
+      </p:ext>
+    </p:extLst>
+  </p:cSld>
+  <p:clrMapOvr>
+    <a:masterClrMapping/>
+  </p:clrMapOvr>
+</p:sld>
+</file>
+
+<file path=ppt/slides/slide9.xml><?xml version="1.0" encoding="utf-8"?>
+<p:sld xmlns:a="http://schemas.openxmlformats.org/drawingml/2006/main" xmlns:r="http://schemas.openxmlformats.org/officeDocument/2006/relationships" xmlns:p="http://schemas.openxmlformats.org/presentationml/2006/main">
+  <p:cSld>
+    <p:spTree>
+      <p:nvGrpSpPr>
+        <p:cNvPr id="1" name=""/>
+        <p:cNvGrpSpPr/>
+        <p:nvPr/>
+      </p:nvGrpSpPr>
+      <p:grpSpPr>
+        <a:xfrm>
+          <a:off x="0" y="0"/>
+          <a:ext cx="0" cy="0"/>
+          <a:chOff x="0" y="0"/>
+          <a:chExt cx="0" cy="0"/>
+        </a:xfrm>
+      </p:grpSpPr>
+      <p:sp>
+        <p:nvSpPr>
+          <p:cNvPr id="30" name="Rechteck 29">
+            <a:extLst>
+              <a:ext uri="{FF2B5EF4-FFF2-40B4-BE49-F238E27FC236}">
+                <a16:creationId xmlns:a16="http://schemas.microsoft.com/office/drawing/2014/main" id="{E7EC26AA-6ECD-4AB7-8E32-432C72E27EFE}"/>
+              </a:ext>
+            </a:extLst>
+          </p:cNvPr>
+          <p:cNvSpPr/>
+          <p:nvPr/>
+        </p:nvSpPr>
+        <p:spPr>
+          <a:xfrm>
+            <a:off x="3547418" y="2036554"/>
+            <a:ext cx="234000" cy="648000"/>
+          </a:xfrm>
+          <a:prstGeom prst="rect">
+            <a:avLst/>
+          </a:prstGeom>
+          <a:solidFill>
+            <a:schemeClr val="bg1"/>
+          </a:solidFill>
+          <a:ln w="3175">
+            <a:solidFill>
+              <a:schemeClr val="tx1"/>
+            </a:solidFill>
+          </a:ln>
+        </p:spPr>
+        <p:style>
+          <a:lnRef idx="2">
+            <a:schemeClr val="accent1">
+              <a:shade val="50000"/>
+            </a:schemeClr>
+          </a:lnRef>
+          <a:fillRef idx="1">
+            <a:schemeClr val="accent1"/>
+          </a:fillRef>
+          <a:effectRef idx="0">
+            <a:schemeClr val="accent1"/>
+          </a:effectRef>
+          <a:fontRef idx="minor">
+            <a:schemeClr val="lt1"/>
+          </a:fontRef>
+        </p:style>
+        <p:txBody>
+          <a:bodyPr rtlCol="0" anchor="ctr"/>
+          <a:lstStyle/>
+          <a:p>
+            <a:pPr algn="ctr"/>
+            <a:endParaRPr lang="de-DE"/>
+          </a:p>
+        </p:txBody>
+      </p:sp>
+      <p:sp>
+        <p:nvSpPr>
+          <p:cNvPr id="15" name="Rechteck 14">
+            <a:extLst>
+              <a:ext uri="{FF2B5EF4-FFF2-40B4-BE49-F238E27FC236}">
+                <a16:creationId xmlns:a16="http://schemas.microsoft.com/office/drawing/2014/main" id="{C99412C9-8664-4F89-9C2D-F9B6EA499C92}"/>
+              </a:ext>
+            </a:extLst>
+          </p:cNvPr>
+          <p:cNvSpPr/>
+          <p:nvPr/>
+        </p:nvSpPr>
+        <p:spPr>
+          <a:xfrm>
+            <a:off x="2736567" y="2687052"/>
+            <a:ext cx="576000" cy="144000"/>
+          </a:xfrm>
+          <a:prstGeom prst="rect">
+            <a:avLst/>
+          </a:prstGeom>
+          <a:solidFill>
+            <a:schemeClr val="bg1"/>
+          </a:solidFill>
+          <a:ln w="3175">
+            <a:solidFill>
+              <a:schemeClr val="tx1"/>
+            </a:solidFill>
+          </a:ln>
+        </p:spPr>
+        <p:style>
+          <a:lnRef idx="2">
+            <a:schemeClr val="accent1">
+              <a:shade val="50000"/>
+            </a:schemeClr>
+          </a:lnRef>
+          <a:fillRef idx="1">
+            <a:schemeClr val="accent1"/>
+          </a:fillRef>
+          <a:effectRef idx="0">
+            <a:schemeClr val="accent1"/>
+          </a:effectRef>
+          <a:fontRef idx="minor">
+            <a:schemeClr val="lt1"/>
+          </a:fontRef>
+        </p:style>
+        <p:txBody>
+          <a:bodyPr rtlCol="0" anchor="ctr"/>
+          <a:lstStyle/>
+          <a:p>
+            <a:pPr algn="ctr"/>
+            <a:endParaRPr lang="de-DE" dirty="0"/>
+          </a:p>
+        </p:txBody>
+      </p:sp>
+      <p:sp>
+        <p:nvSpPr>
+          <p:cNvPr id="16" name="Rechteck 15">
+            <a:extLst>
+              <a:ext uri="{FF2B5EF4-FFF2-40B4-BE49-F238E27FC236}">
+                <a16:creationId xmlns:a16="http://schemas.microsoft.com/office/drawing/2014/main" id="{964B381D-CFAA-4DEB-B338-C85DBE1D8DFC}"/>
+              </a:ext>
+            </a:extLst>
+          </p:cNvPr>
+          <p:cNvSpPr/>
+          <p:nvPr/>
+        </p:nvSpPr>
+        <p:spPr>
+          <a:xfrm>
+            <a:off x="3312566" y="1928554"/>
+            <a:ext cx="234000" cy="756000"/>
+          </a:xfrm>
+          <a:prstGeom prst="rect">
+            <a:avLst/>
+          </a:prstGeom>
+          <a:solidFill>
+            <a:schemeClr val="bg1"/>
+          </a:solidFill>
+          <a:ln w="3175">
+            <a:solidFill>
+              <a:schemeClr val="tx1"/>
+            </a:solidFill>
+          </a:ln>
+        </p:spPr>
+        <p:style>
+          <a:lnRef idx="2">
+            <a:schemeClr val="accent1">
+              <a:shade val="50000"/>
+            </a:schemeClr>
+          </a:lnRef>
+          <a:fillRef idx="1">
+            <a:schemeClr val="accent1"/>
+          </a:fillRef>
+          <a:effectRef idx="0">
+            <a:schemeClr val="accent1"/>
+          </a:effectRef>
+          <a:fontRef idx="minor">
+            <a:schemeClr val="lt1"/>
+          </a:fontRef>
+        </p:style>
+        <p:txBody>
+          <a:bodyPr rtlCol="0" anchor="ctr"/>
+          <a:lstStyle/>
+          <a:p>
+            <a:pPr algn="ctr"/>
+            <a:endParaRPr lang="de-DE"/>
+          </a:p>
+        </p:txBody>
+      </p:sp>
+      <p:cxnSp>
+        <p:nvCxnSpPr>
+          <p:cNvPr id="17" name="Gerader Verbinder 16">
+            <a:extLst>
+              <a:ext uri="{FF2B5EF4-FFF2-40B4-BE49-F238E27FC236}">
+                <a16:creationId xmlns:a16="http://schemas.microsoft.com/office/drawing/2014/main" id="{8783F356-AD5C-4247-AF68-27E7E9BA5E08}"/>
+              </a:ext>
+            </a:extLst>
+          </p:cNvPr>
+          <p:cNvCxnSpPr/>
+          <p:nvPr/>
+        </p:nvCxnSpPr>
+        <p:spPr>
+          <a:xfrm>
+            <a:off x="2502567" y="2687053"/>
+            <a:ext cx="1278000" cy="0"/>
+          </a:xfrm>
+          <a:prstGeom prst="line">
+            <a:avLst/>
+          </a:prstGeom>
+          <a:ln w="38100">
+            <a:solidFill>
+              <a:schemeClr val="tx1"/>
+            </a:solidFill>
+          </a:ln>
+        </p:spPr>
+        <p:style>
+          <a:lnRef idx="1">
+            <a:schemeClr val="accent1"/>
+          </a:lnRef>
+          <a:fillRef idx="0">
+            <a:schemeClr val="accent1"/>
+          </a:fillRef>
+          <a:effectRef idx="0">
+            <a:schemeClr val="accent1"/>
+          </a:effectRef>
+          <a:fontRef idx="minor">
+            <a:schemeClr val="tx1"/>
+          </a:fontRef>
+        </p:style>
+      </p:cxnSp>
+      <p:cxnSp>
+        <p:nvCxnSpPr>
+          <p:cNvPr id="21" name="Gerade Verbindung mit Pfeil 20">
+            <a:extLst>
+              <a:ext uri="{FF2B5EF4-FFF2-40B4-BE49-F238E27FC236}">
+                <a16:creationId xmlns:a16="http://schemas.microsoft.com/office/drawing/2014/main" id="{8C40DFC0-3C53-4B81-B7BF-E69FBAF7F465}"/>
+              </a:ext>
+            </a:extLst>
+          </p:cNvPr>
+          <p:cNvCxnSpPr>
+            <a:cxnSpLocks/>
+          </p:cNvCxnSpPr>
+          <p:nvPr/>
+        </p:nvCxnSpPr>
+        <p:spPr>
+          <a:xfrm>
+            <a:off x="2497803" y="1803449"/>
+            <a:ext cx="234000" cy="0"/>
+          </a:xfrm>
+          <a:prstGeom prst="straightConnector1">
+            <a:avLst/>
+          </a:prstGeom>
+          <a:ln>
+            <a:headEnd type="triangle" w="sm" len="sm"/>
+            <a:tailEnd type="triangle" w="sm" len="sm"/>
+          </a:ln>
+        </p:spPr>
+        <p:style>
+          <a:lnRef idx="1">
+            <a:schemeClr val="accent1"/>
+          </a:lnRef>
+          <a:fillRef idx="0">
+            <a:schemeClr val="accent1"/>
+          </a:fillRef>
+          <a:effectRef idx="0">
+            <a:schemeClr val="accent1"/>
+          </a:effectRef>
+          <a:fontRef idx="minor">
+            <a:schemeClr val="tx1"/>
+          </a:fontRef>
+        </p:style>
+      </p:cxnSp>
+      <p:cxnSp>
+        <p:nvCxnSpPr>
+          <p:cNvPr id="22" name="Gerade Verbindung mit Pfeil 21">
+            <a:extLst>
+              <a:ext uri="{FF2B5EF4-FFF2-40B4-BE49-F238E27FC236}">
+                <a16:creationId xmlns:a16="http://schemas.microsoft.com/office/drawing/2014/main" id="{A3A12701-F9F9-43F4-ACD7-5BB479B23438}"/>
+              </a:ext>
+            </a:extLst>
+          </p:cNvPr>
+          <p:cNvCxnSpPr>
+            <a:cxnSpLocks/>
+          </p:cNvCxnSpPr>
+          <p:nvPr/>
+        </p:nvCxnSpPr>
+        <p:spPr>
+          <a:xfrm>
+            <a:off x="3541803" y="1799623"/>
+            <a:ext cx="234000" cy="0"/>
+          </a:xfrm>
+          <a:prstGeom prst="straightConnector1">
+            <a:avLst/>
+          </a:prstGeom>
+          <a:ln>
+            <a:headEnd type="triangle" w="sm" len="sm"/>
+            <a:tailEnd type="triangle" w="sm" len="sm"/>
+          </a:ln>
+        </p:spPr>
+        <p:style>
+          <a:lnRef idx="1">
+            <a:schemeClr val="accent1"/>
+          </a:lnRef>
+          <a:fillRef idx="0">
+            <a:schemeClr val="accent1"/>
+          </a:fillRef>
+          <a:effectRef idx="0">
+            <a:schemeClr val="accent1"/>
+          </a:effectRef>
+          <a:fontRef idx="minor">
+            <a:schemeClr val="tx1"/>
+          </a:fontRef>
+        </p:style>
+      </p:cxnSp>
+      <p:cxnSp>
+        <p:nvCxnSpPr>
+          <p:cNvPr id="23" name="Gerade Verbindung mit Pfeil 22">
+            <a:extLst>
+              <a:ext uri="{FF2B5EF4-FFF2-40B4-BE49-F238E27FC236}">
+                <a16:creationId xmlns:a16="http://schemas.microsoft.com/office/drawing/2014/main" id="{82CFA246-C78D-43D2-9D8A-E290F9F2604B}"/>
+              </a:ext>
+            </a:extLst>
+          </p:cNvPr>
+          <p:cNvCxnSpPr>
+            <a:cxnSpLocks/>
+          </p:cNvCxnSpPr>
+          <p:nvPr/>
+        </p:nvCxnSpPr>
+        <p:spPr>
+          <a:xfrm flipV="1">
+            <a:off x="3307803" y="1799624"/>
+            <a:ext cx="234000" cy="3357"/>
+          </a:xfrm>
+          <a:prstGeom prst="straightConnector1">
+            <a:avLst/>
+          </a:prstGeom>
+          <a:ln>
+            <a:headEnd type="triangle" w="sm" len="sm"/>
+            <a:tailEnd type="triangle" w="sm" len="sm"/>
+          </a:ln>
+        </p:spPr>
+        <p:style>
+          <a:lnRef idx="1">
+            <a:schemeClr val="accent1"/>
+          </a:lnRef>
+          <a:fillRef idx="0">
+            <a:schemeClr val="accent1"/>
+          </a:fillRef>
+          <a:effectRef idx="0">
+            <a:schemeClr val="accent1"/>
+          </a:effectRef>
+          <a:fontRef idx="minor">
+            <a:schemeClr val="tx1"/>
+          </a:fontRef>
+        </p:style>
+      </p:cxnSp>
+      <p:cxnSp>
+        <p:nvCxnSpPr>
+          <p:cNvPr id="24" name="Gerade Verbindung mit Pfeil 23">
+            <a:extLst>
+              <a:ext uri="{FF2B5EF4-FFF2-40B4-BE49-F238E27FC236}">
+                <a16:creationId xmlns:a16="http://schemas.microsoft.com/office/drawing/2014/main" id="{E20731B8-1443-4016-9B65-5E4301E8A124}"/>
+              </a:ext>
+            </a:extLst>
+          </p:cNvPr>
+          <p:cNvCxnSpPr>
+            <a:cxnSpLocks/>
+          </p:cNvCxnSpPr>
+          <p:nvPr/>
+        </p:nvCxnSpPr>
+        <p:spPr>
+          <a:xfrm>
+            <a:off x="2731803" y="1802981"/>
+            <a:ext cx="576000" cy="0"/>
+          </a:xfrm>
+          <a:prstGeom prst="straightConnector1">
+            <a:avLst/>
+          </a:prstGeom>
+          <a:ln>
+            <a:headEnd type="triangle" w="sm" len="sm"/>
+            <a:tailEnd type="triangle" w="sm" len="sm"/>
+          </a:ln>
+        </p:spPr>
+        <p:style>
+          <a:lnRef idx="1">
+            <a:schemeClr val="accent1"/>
+          </a:lnRef>
+          <a:fillRef idx="0">
+            <a:schemeClr val="accent1"/>
+          </a:fillRef>
+          <a:effectRef idx="0">
+            <a:schemeClr val="accent1"/>
+          </a:effectRef>
+          <a:fontRef idx="minor">
+            <a:schemeClr val="tx1"/>
+          </a:fontRef>
+        </p:style>
+      </p:cxnSp>
+      <p:sp>
+        <p:nvSpPr>
+          <p:cNvPr id="25" name="Textfeld 24">
+            <a:extLst>
+              <a:ext uri="{FF2B5EF4-FFF2-40B4-BE49-F238E27FC236}">
+                <a16:creationId xmlns:a16="http://schemas.microsoft.com/office/drawing/2014/main" id="{FB756CF0-76E3-43E4-957E-764137DE5C2B}"/>
+              </a:ext>
+            </a:extLst>
+          </p:cNvPr>
+          <p:cNvSpPr txBox="1"/>
+          <p:nvPr/>
+        </p:nvSpPr>
+        <p:spPr>
+          <a:xfrm>
+            <a:off x="2578597" y="1646356"/>
+            <a:ext cx="954507" cy="169277"/>
+          </a:xfrm>
+          <a:prstGeom prst="rect">
+            <a:avLst/>
+          </a:prstGeom>
+          <a:noFill/>
+        </p:spPr>
+        <p:txBody>
+          <a:bodyPr wrap="square" rtlCol="0">
+            <a:spAutoFit/>
+          </a:bodyPr>
+          <a:lstStyle/>
+          <a:p>
+            <a:pPr algn="ctr"/>
+            <a:r>
+              <a:rPr lang="de-DE" sz="500" dirty="0">
+                <a:latin typeface="Arial" panose="020B0604020202020204" pitchFamily="34" charset="0"/>
+                <a:cs typeface="Arial" panose="020B0604020202020204" pitchFamily="34" charset="0"/>
+              </a:rPr>
+              <a:t>L</a:t>
+            </a:r>
+            <a:r>
+              <a:rPr lang="de-DE" sz="300" dirty="0">
+                <a:latin typeface="Arial" panose="020B0604020202020204" pitchFamily="34" charset="0"/>
+                <a:cs typeface="Arial" panose="020B0604020202020204" pitchFamily="34" charset="0"/>
+              </a:rPr>
+              <a:t>II</a:t>
+            </a:r>
+            <a:r>
+              <a:rPr lang="de-DE" sz="500" dirty="0">
+                <a:latin typeface="Arial" panose="020B0604020202020204" pitchFamily="34" charset="0"/>
+                <a:cs typeface="Arial" panose="020B0604020202020204" pitchFamily="34" charset="0"/>
+              </a:rPr>
+              <a:t>=160</a:t>
+            </a:r>
+          </a:p>
+        </p:txBody>
+      </p:sp>
+      <p:sp>
+        <p:nvSpPr>
+          <p:cNvPr id="26" name="Textfeld 25">
+            <a:extLst>
+              <a:ext uri="{FF2B5EF4-FFF2-40B4-BE49-F238E27FC236}">
+                <a16:creationId xmlns:a16="http://schemas.microsoft.com/office/drawing/2014/main" id="{07A66ED2-8414-4505-92A6-AB44C1D1C137}"/>
+              </a:ext>
+            </a:extLst>
+          </p:cNvPr>
+          <p:cNvSpPr txBox="1"/>
+          <p:nvPr/>
+        </p:nvSpPr>
+        <p:spPr>
+          <a:xfrm>
+            <a:off x="2225781" y="1644788"/>
+            <a:ext cx="778043" cy="169277"/>
+          </a:xfrm>
+          <a:prstGeom prst="rect">
+            <a:avLst/>
+          </a:prstGeom>
+          <a:noFill/>
+        </p:spPr>
+        <p:txBody>
+          <a:bodyPr wrap="square" rtlCol="0">
+            <a:spAutoFit/>
+          </a:bodyPr>
+          <a:lstStyle/>
+          <a:p>
+            <a:pPr algn="ctr"/>
+            <a:r>
+              <a:rPr lang="de-DE" sz="500" dirty="0">
+                <a:latin typeface="Arial" panose="020B0604020202020204" pitchFamily="34" charset="0"/>
+                <a:cs typeface="Arial" panose="020B0604020202020204" pitchFamily="34" charset="0"/>
+              </a:rPr>
+              <a:t>L</a:t>
+            </a:r>
+            <a:r>
+              <a:rPr lang="de-DE" sz="300" dirty="0">
+                <a:latin typeface="Arial" panose="020B0604020202020204" pitchFamily="34" charset="0"/>
+                <a:cs typeface="Arial" panose="020B0604020202020204" pitchFamily="34" charset="0"/>
+              </a:rPr>
+              <a:t>I</a:t>
+            </a:r>
+            <a:r>
+              <a:rPr lang="de-DE" sz="500" dirty="0">
+                <a:latin typeface="Arial" panose="020B0604020202020204" pitchFamily="34" charset="0"/>
+                <a:cs typeface="Arial" panose="020B0604020202020204" pitchFamily="34" charset="0"/>
+              </a:rPr>
+              <a:t>=65</a:t>
+            </a:r>
+          </a:p>
+        </p:txBody>
+      </p:sp>
+      <p:sp>
+        <p:nvSpPr>
+          <p:cNvPr id="27" name="Textfeld 26">
+            <a:extLst>
+              <a:ext uri="{FF2B5EF4-FFF2-40B4-BE49-F238E27FC236}">
+                <a16:creationId xmlns:a16="http://schemas.microsoft.com/office/drawing/2014/main" id="{928F0E8A-6A5E-45D5-855A-DF3740E090D2}"/>
+              </a:ext>
+            </a:extLst>
+          </p:cNvPr>
+          <p:cNvSpPr txBox="1"/>
+          <p:nvPr/>
+        </p:nvSpPr>
+        <p:spPr>
+          <a:xfrm>
+            <a:off x="3194335" y="1647924"/>
+            <a:ext cx="426335" cy="169277"/>
+          </a:xfrm>
+          <a:prstGeom prst="rect">
+            <a:avLst/>
+          </a:prstGeom>
+          <a:noFill/>
+        </p:spPr>
+        <p:txBody>
+          <a:bodyPr wrap="square" rtlCol="0">
+            <a:spAutoFit/>
+          </a:bodyPr>
+          <a:lstStyle/>
+          <a:p>
+            <a:pPr algn="ctr"/>
+            <a:r>
+              <a:rPr lang="de-DE" sz="500" dirty="0">
+                <a:latin typeface="Arial" panose="020B0604020202020204" pitchFamily="34" charset="0"/>
+                <a:cs typeface="Arial" panose="020B0604020202020204" pitchFamily="34" charset="0"/>
+              </a:rPr>
+              <a:t>L</a:t>
+            </a:r>
+            <a:r>
+              <a:rPr lang="de-DE" sz="300" dirty="0">
+                <a:latin typeface="Arial" panose="020B0604020202020204" pitchFamily="34" charset="0"/>
+                <a:cs typeface="Arial" panose="020B0604020202020204" pitchFamily="34" charset="0"/>
+              </a:rPr>
+              <a:t>III</a:t>
+            </a:r>
+            <a:r>
+              <a:rPr lang="de-DE" sz="500" dirty="0">
+                <a:latin typeface="Arial" panose="020B0604020202020204" pitchFamily="34" charset="0"/>
+                <a:cs typeface="Arial" panose="020B0604020202020204" pitchFamily="34" charset="0"/>
+              </a:rPr>
+              <a:t>=65</a:t>
+            </a:r>
+          </a:p>
+        </p:txBody>
+      </p:sp>
+      <p:sp>
+        <p:nvSpPr>
+          <p:cNvPr id="28" name="Textfeld 27">
+            <a:extLst>
+              <a:ext uri="{FF2B5EF4-FFF2-40B4-BE49-F238E27FC236}">
+                <a16:creationId xmlns:a16="http://schemas.microsoft.com/office/drawing/2014/main" id="{0780867B-4EFF-4268-A2D6-42C092CBAA0D}"/>
+              </a:ext>
+            </a:extLst>
+          </p:cNvPr>
+          <p:cNvSpPr txBox="1"/>
+          <p:nvPr/>
+        </p:nvSpPr>
+        <p:spPr>
+          <a:xfrm>
+            <a:off x="3469900" y="1647924"/>
+            <a:ext cx="377807" cy="169277"/>
+          </a:xfrm>
+          <a:prstGeom prst="rect">
+            <a:avLst/>
+          </a:prstGeom>
+          <a:noFill/>
+        </p:spPr>
+        <p:txBody>
+          <a:bodyPr wrap="square" rtlCol="0">
+            <a:spAutoFit/>
+          </a:bodyPr>
+          <a:lstStyle/>
+          <a:p>
+            <a:pPr algn="ctr"/>
+            <a:r>
+              <a:rPr lang="de-DE" sz="500" dirty="0">
+                <a:latin typeface="Arial" panose="020B0604020202020204" pitchFamily="34" charset="0"/>
+                <a:cs typeface="Arial" panose="020B0604020202020204" pitchFamily="34" charset="0"/>
+              </a:rPr>
+              <a:t>L</a:t>
+            </a:r>
+            <a:r>
+              <a:rPr lang="de-DE" sz="300" dirty="0">
+                <a:latin typeface="Arial" panose="020B0604020202020204" pitchFamily="34" charset="0"/>
+                <a:cs typeface="Arial" panose="020B0604020202020204" pitchFamily="34" charset="0"/>
+              </a:rPr>
+              <a:t>IV</a:t>
+            </a:r>
+            <a:r>
+              <a:rPr lang="de-DE" sz="500" dirty="0">
+                <a:latin typeface="Arial" panose="020B0604020202020204" pitchFamily="34" charset="0"/>
+                <a:cs typeface="Arial" panose="020B0604020202020204" pitchFamily="34" charset="0"/>
+              </a:rPr>
+              <a:t>=65</a:t>
+            </a:r>
+          </a:p>
+        </p:txBody>
+      </p:sp>
+      <p:sp>
+        <p:nvSpPr>
+          <p:cNvPr id="29" name="Rechteck 28">
+            <a:extLst>
+              <a:ext uri="{FF2B5EF4-FFF2-40B4-BE49-F238E27FC236}">
+                <a16:creationId xmlns:a16="http://schemas.microsoft.com/office/drawing/2014/main" id="{E0DE5B44-DEAE-4DCC-893C-3C7A6A8854C0}"/>
+              </a:ext>
+            </a:extLst>
+          </p:cNvPr>
+          <p:cNvSpPr/>
+          <p:nvPr/>
+        </p:nvSpPr>
+        <p:spPr>
+          <a:xfrm>
+            <a:off x="2502567" y="2702602"/>
+            <a:ext cx="234000" cy="1044000"/>
+          </a:xfrm>
+          <a:prstGeom prst="rect">
+            <a:avLst/>
+          </a:prstGeom>
+          <a:solidFill>
+            <a:schemeClr val="bg1"/>
+          </a:solidFill>
+          <a:ln w="3175">
+            <a:solidFill>
+              <a:schemeClr val="tx1"/>
+            </a:solidFill>
+          </a:ln>
+        </p:spPr>
+        <p:style>
+          <a:lnRef idx="2">
+            <a:schemeClr val="accent1">
+              <a:shade val="50000"/>
+            </a:schemeClr>
+          </a:lnRef>
+          <a:fillRef idx="1">
+            <a:schemeClr val="accent1"/>
+          </a:fillRef>
+          <a:effectRef idx="0">
+            <a:schemeClr val="accent1"/>
+          </a:effectRef>
+          <a:fontRef idx="minor">
+            <a:schemeClr val="lt1"/>
+          </a:fontRef>
+        </p:style>
+        <p:txBody>
+          <a:bodyPr rtlCol="0" anchor="ctr"/>
+          <a:lstStyle/>
+          <a:p>
+            <a:pPr algn="ctr"/>
+            <a:endParaRPr lang="de-DE"/>
+          </a:p>
+        </p:txBody>
+      </p:sp>
+      <p:sp>
+        <p:nvSpPr>
+          <p:cNvPr id="31" name="Textfeld 30">
+            <a:extLst>
+              <a:ext uri="{FF2B5EF4-FFF2-40B4-BE49-F238E27FC236}">
+                <a16:creationId xmlns:a16="http://schemas.microsoft.com/office/drawing/2014/main" id="{0C7FC558-EAD8-4F67-B170-B684A94614B7}"/>
+              </a:ext>
+            </a:extLst>
+          </p:cNvPr>
+          <p:cNvSpPr txBox="1"/>
+          <p:nvPr/>
+        </p:nvSpPr>
+        <p:spPr>
+          <a:xfrm>
+            <a:off x="2521157" y="3091450"/>
+            <a:ext cx="252413" cy="169277"/>
+          </a:xfrm>
+          <a:prstGeom prst="rect">
+            <a:avLst/>
+          </a:prstGeom>
+          <a:noFill/>
+        </p:spPr>
+        <p:txBody>
+          <a:bodyPr wrap="square" rtlCol="0">
+            <a:spAutoFit/>
+          </a:bodyPr>
+          <a:lstStyle/>
+          <a:p>
+            <a:r>
+              <a:rPr lang="de-DE" sz="500" dirty="0">
+                <a:latin typeface="Adobe Ming Std L" panose="02020300000000000000" pitchFamily="18" charset="-128"/>
+                <a:ea typeface="Adobe Ming Std L" panose="02020300000000000000" pitchFamily="18" charset="-128"/>
+              </a:rPr>
+              <a:t>I</a:t>
+            </a:r>
+          </a:p>
+        </p:txBody>
+      </p:sp>
+      <p:sp>
+        <p:nvSpPr>
+          <p:cNvPr id="32" name="Textfeld 31">
+            <a:extLst>
+              <a:ext uri="{FF2B5EF4-FFF2-40B4-BE49-F238E27FC236}">
+                <a16:creationId xmlns:a16="http://schemas.microsoft.com/office/drawing/2014/main" id="{6B28B911-711D-40EF-8137-0EACEA7CCBE2}"/>
+              </a:ext>
+            </a:extLst>
+          </p:cNvPr>
+          <p:cNvSpPr txBox="1"/>
+          <p:nvPr/>
+        </p:nvSpPr>
+        <p:spPr>
+          <a:xfrm>
+            <a:off x="2920139" y="2684554"/>
+            <a:ext cx="252413" cy="169277"/>
+          </a:xfrm>
+          <a:prstGeom prst="rect">
+            <a:avLst/>
+          </a:prstGeom>
+          <a:noFill/>
+        </p:spPr>
+        <p:txBody>
+          <a:bodyPr wrap="square" rtlCol="0">
+            <a:spAutoFit/>
+          </a:bodyPr>
+          <a:lstStyle/>
+          <a:p>
+            <a:r>
+              <a:rPr lang="de-DE" sz="500" dirty="0">
+                <a:latin typeface="Adobe Ming Std L" panose="02020300000000000000" pitchFamily="18" charset="-128"/>
+                <a:ea typeface="Adobe Ming Std L" panose="02020300000000000000" pitchFamily="18" charset="-128"/>
+              </a:rPr>
+              <a:t>II</a:t>
+            </a:r>
+          </a:p>
+        </p:txBody>
+      </p:sp>
+      <p:sp>
+        <p:nvSpPr>
+          <p:cNvPr id="33" name="Textfeld 32">
+            <a:extLst>
+              <a:ext uri="{FF2B5EF4-FFF2-40B4-BE49-F238E27FC236}">
+                <a16:creationId xmlns:a16="http://schemas.microsoft.com/office/drawing/2014/main" id="{5FE8F722-6D1E-43A2-8C6F-FBA788E1F45B}"/>
+              </a:ext>
+            </a:extLst>
+          </p:cNvPr>
+          <p:cNvSpPr txBox="1"/>
+          <p:nvPr/>
+        </p:nvSpPr>
+        <p:spPr>
+          <a:xfrm>
+            <a:off x="3303359" y="2315220"/>
+            <a:ext cx="252413" cy="169277"/>
+          </a:xfrm>
+          <a:prstGeom prst="rect">
+            <a:avLst/>
+          </a:prstGeom>
+          <a:noFill/>
+        </p:spPr>
+        <p:txBody>
+          <a:bodyPr wrap="square" rtlCol="0">
+            <a:spAutoFit/>
+          </a:bodyPr>
+          <a:lstStyle/>
+          <a:p>
+            <a:r>
+              <a:rPr lang="de-DE" sz="500" dirty="0">
+                <a:latin typeface="Adobe Ming Std L" panose="02020300000000000000" pitchFamily="18" charset="-128"/>
+                <a:ea typeface="Adobe Ming Std L" panose="02020300000000000000" pitchFamily="18" charset="-128"/>
+              </a:rPr>
+              <a:t>III</a:t>
+            </a:r>
+          </a:p>
+        </p:txBody>
+      </p:sp>
+      <p:sp>
+        <p:nvSpPr>
+          <p:cNvPr id="34" name="Textfeld 33">
+            <a:extLst>
+              <a:ext uri="{FF2B5EF4-FFF2-40B4-BE49-F238E27FC236}">
+                <a16:creationId xmlns:a16="http://schemas.microsoft.com/office/drawing/2014/main" id="{E06ABCAF-7F59-44EC-98CA-F4756176AC81}"/>
+              </a:ext>
+            </a:extLst>
+          </p:cNvPr>
+          <p:cNvSpPr txBox="1"/>
+          <p:nvPr/>
+        </p:nvSpPr>
+        <p:spPr>
+          <a:xfrm>
+            <a:off x="3555772" y="2312583"/>
+            <a:ext cx="289416" cy="169277"/>
+          </a:xfrm>
+          <a:prstGeom prst="rect">
+            <a:avLst/>
+          </a:prstGeom>
+          <a:noFill/>
+        </p:spPr>
+        <p:txBody>
+          <a:bodyPr wrap="square" rtlCol="0">
+            <a:spAutoFit/>
+          </a:bodyPr>
+          <a:lstStyle/>
+          <a:p>
+            <a:r>
+              <a:rPr lang="de-DE" sz="500" dirty="0">
+                <a:latin typeface="Adobe Ming Std L" panose="02020300000000000000" pitchFamily="18" charset="-128"/>
+                <a:ea typeface="Adobe Ming Std L" panose="02020300000000000000" pitchFamily="18" charset="-128"/>
+              </a:rPr>
+              <a:t>IV</a:t>
+            </a:r>
+          </a:p>
+        </p:txBody>
+      </p:sp>
+    </p:spTree>
+    <p:extLst>
+      <p:ext uri="{BB962C8B-B14F-4D97-AF65-F5344CB8AC3E}">
+        <p14:creationId xmlns:p14="http://schemas.microsoft.com/office/powerpoint/2010/main" val="4102030816"/>
       </p:ext>
     </p:extLst>
   </p:cSld>

--- a/Grafiken.pptx
+++ b/Grafiken.pptx
@@ -15,6 +15,7 @@
     <p:sldId id="263" r:id="rId9"/>
     <p:sldId id="264" r:id="rId10"/>
     <p:sldId id="265" r:id="rId11"/>
+    <p:sldId id="266" r:id="rId12"/>
   </p:sldIdLst>
   <p:sldSz cx="12192000" cy="6858000"/>
   <p:notesSz cx="6858000" cy="9144000"/>
@@ -121,6 +122,4266 @@
 </p:presentation>
 </file>
 
+<file path=ppt/diagrams/colors1.xml><?xml version="1.0" encoding="utf-8"?>
+<dgm:colorsDef xmlns:dgm="http://schemas.openxmlformats.org/drawingml/2006/diagram" xmlns:a="http://schemas.openxmlformats.org/drawingml/2006/main" uniqueId="urn:microsoft.com/office/officeart/2005/8/colors/accent0_1">
+  <dgm:title val=""/>
+  <dgm:desc val=""/>
+  <dgm:catLst>
+    <dgm:cat type="mainScheme" pri="10100"/>
+  </dgm:catLst>
+  <dgm:styleLbl name="node0">
+    <dgm:fillClrLst meth="repeat">
+      <a:schemeClr val="lt1"/>
+    </dgm:fillClrLst>
+    <dgm:linClrLst meth="repeat">
+      <a:schemeClr val="dk1">
+        <a:shade val="80000"/>
+      </a:schemeClr>
+    </dgm:linClrLst>
+    <dgm:effectClrLst/>
+    <dgm:txLinClrLst/>
+    <dgm:txFillClrLst meth="repeat">
+      <a:schemeClr val="dk1"/>
+    </dgm:txFillClrLst>
+    <dgm:txEffectClrLst/>
+  </dgm:styleLbl>
+  <dgm:styleLbl name="node1">
+    <dgm:fillClrLst meth="repeat">
+      <a:schemeClr val="lt1"/>
+    </dgm:fillClrLst>
+    <dgm:linClrLst meth="repeat">
+      <a:schemeClr val="dk1">
+        <a:shade val="80000"/>
+      </a:schemeClr>
+    </dgm:linClrLst>
+    <dgm:effectClrLst/>
+    <dgm:txLinClrLst/>
+    <dgm:txFillClrLst meth="repeat">
+      <a:schemeClr val="dk1"/>
+    </dgm:txFillClrLst>
+    <dgm:txEffectClrLst/>
+  </dgm:styleLbl>
+  <dgm:styleLbl name="alignNode1">
+    <dgm:fillClrLst meth="repeat">
+      <a:schemeClr val="lt1"/>
+    </dgm:fillClrLst>
+    <dgm:linClrLst meth="repeat">
+      <a:schemeClr val="dk1">
+        <a:shade val="80000"/>
+      </a:schemeClr>
+    </dgm:linClrLst>
+    <dgm:effectClrLst/>
+    <dgm:txLinClrLst/>
+    <dgm:txFillClrLst meth="repeat">
+      <a:schemeClr val="dk1"/>
+    </dgm:txFillClrLst>
+    <dgm:txEffectClrLst/>
+  </dgm:styleLbl>
+  <dgm:styleLbl name="lnNode1">
+    <dgm:fillClrLst meth="repeat">
+      <a:schemeClr val="lt1"/>
+    </dgm:fillClrLst>
+    <dgm:linClrLst meth="repeat">
+      <a:schemeClr val="dk1">
+        <a:shade val="80000"/>
+      </a:schemeClr>
+    </dgm:linClrLst>
+    <dgm:effectClrLst/>
+    <dgm:txLinClrLst/>
+    <dgm:txFillClrLst meth="repeat">
+      <a:schemeClr val="dk1"/>
+    </dgm:txFillClrLst>
+    <dgm:txEffectClrLst/>
+  </dgm:styleLbl>
+  <dgm:styleLbl name="vennNode1">
+    <dgm:fillClrLst meth="repeat">
+      <a:schemeClr val="lt1">
+        <a:alpha val="50000"/>
+      </a:schemeClr>
+    </dgm:fillClrLst>
+    <dgm:linClrLst meth="repeat">
+      <a:schemeClr val="dk1">
+        <a:shade val="80000"/>
+      </a:schemeClr>
+    </dgm:linClrLst>
+    <dgm:effectClrLst/>
+    <dgm:txLinClrLst/>
+    <dgm:txFillClrLst/>
+    <dgm:txEffectClrLst/>
+  </dgm:styleLbl>
+  <dgm:styleLbl name="node2">
+    <dgm:fillClrLst meth="repeat">
+      <a:schemeClr val="lt1"/>
+    </dgm:fillClrLst>
+    <dgm:linClrLst meth="repeat">
+      <a:schemeClr val="dk1">
+        <a:shade val="80000"/>
+      </a:schemeClr>
+    </dgm:linClrLst>
+    <dgm:effectClrLst/>
+    <dgm:txLinClrLst/>
+    <dgm:txFillClrLst meth="repeat">
+      <a:schemeClr val="dk1"/>
+    </dgm:txFillClrLst>
+    <dgm:txEffectClrLst/>
+  </dgm:styleLbl>
+  <dgm:styleLbl name="node3">
+    <dgm:fillClrLst meth="repeat">
+      <a:schemeClr val="lt1"/>
+    </dgm:fillClrLst>
+    <dgm:linClrLst meth="repeat">
+      <a:schemeClr val="dk1">
+        <a:shade val="80000"/>
+      </a:schemeClr>
+    </dgm:linClrLst>
+    <dgm:effectClrLst/>
+    <dgm:txLinClrLst/>
+    <dgm:txFillClrLst meth="repeat">
+      <a:schemeClr val="dk1"/>
+    </dgm:txFillClrLst>
+    <dgm:txEffectClrLst/>
+  </dgm:styleLbl>
+  <dgm:styleLbl name="node4">
+    <dgm:fillClrLst meth="repeat">
+      <a:schemeClr val="lt1"/>
+    </dgm:fillClrLst>
+    <dgm:linClrLst meth="repeat">
+      <a:schemeClr val="dk1">
+        <a:shade val="80000"/>
+      </a:schemeClr>
+    </dgm:linClrLst>
+    <dgm:effectClrLst/>
+    <dgm:txLinClrLst/>
+    <dgm:txFillClrLst meth="repeat">
+      <a:schemeClr val="dk1"/>
+    </dgm:txFillClrLst>
+    <dgm:txEffectClrLst/>
+  </dgm:styleLbl>
+  <dgm:styleLbl name="fgImgPlace1">
+    <dgm:fillClrLst meth="repeat">
+      <a:schemeClr val="dk1">
+        <a:tint val="40000"/>
+      </a:schemeClr>
+    </dgm:fillClrLst>
+    <dgm:linClrLst meth="repeat">
+      <a:schemeClr val="dk1">
+        <a:shade val="80000"/>
+      </a:schemeClr>
+    </dgm:linClrLst>
+    <dgm:effectClrLst/>
+    <dgm:txLinClrLst/>
+    <dgm:txFillClrLst meth="repeat">
+      <a:schemeClr val="lt1"/>
+    </dgm:txFillClrLst>
+    <dgm:txEffectClrLst/>
+  </dgm:styleLbl>
+  <dgm:styleLbl name="alignImgPlace1">
+    <dgm:fillClrLst meth="repeat">
+      <a:schemeClr val="dk1">
+        <a:tint val="40000"/>
+      </a:schemeClr>
+    </dgm:fillClrLst>
+    <dgm:linClrLst meth="repeat">
+      <a:schemeClr val="dk1">
+        <a:shade val="80000"/>
+      </a:schemeClr>
+    </dgm:linClrLst>
+    <dgm:effectClrLst/>
+    <dgm:txLinClrLst/>
+    <dgm:txFillClrLst meth="repeat">
+      <a:schemeClr val="lt1"/>
+    </dgm:txFillClrLst>
+    <dgm:txEffectClrLst/>
+  </dgm:styleLbl>
+  <dgm:styleLbl name="bgImgPlace1">
+    <dgm:fillClrLst meth="repeat">
+      <a:schemeClr val="dk1">
+        <a:tint val="40000"/>
+      </a:schemeClr>
+    </dgm:fillClrLst>
+    <dgm:linClrLst meth="repeat">
+      <a:schemeClr val="dk1">
+        <a:shade val="80000"/>
+      </a:schemeClr>
+    </dgm:linClrLst>
+    <dgm:effectClrLst/>
+    <dgm:txLinClrLst/>
+    <dgm:txFillClrLst meth="repeat">
+      <a:schemeClr val="lt1"/>
+    </dgm:txFillClrLst>
+    <dgm:txEffectClrLst/>
+  </dgm:styleLbl>
+  <dgm:styleLbl name="sibTrans2D1">
+    <dgm:fillClrLst meth="repeat">
+      <a:schemeClr val="dk1">
+        <a:tint val="60000"/>
+      </a:schemeClr>
+    </dgm:fillClrLst>
+    <dgm:linClrLst meth="repeat">
+      <a:schemeClr val="dk1">
+        <a:tint val="60000"/>
+      </a:schemeClr>
+    </dgm:linClrLst>
+    <dgm:effectClrLst/>
+    <dgm:txLinClrLst/>
+    <dgm:txFillClrLst meth="repeat">
+      <a:schemeClr val="dk1"/>
+    </dgm:txFillClrLst>
+    <dgm:txEffectClrLst/>
+  </dgm:styleLbl>
+  <dgm:styleLbl name="fgSibTrans2D1">
+    <dgm:fillClrLst meth="repeat">
+      <a:schemeClr val="dk1">
+        <a:tint val="60000"/>
+      </a:schemeClr>
+    </dgm:fillClrLst>
+    <dgm:linClrLst meth="repeat">
+      <a:schemeClr val="dk1">
+        <a:tint val="60000"/>
+      </a:schemeClr>
+    </dgm:linClrLst>
+    <dgm:effectClrLst/>
+    <dgm:txLinClrLst/>
+    <dgm:txFillClrLst meth="repeat">
+      <a:schemeClr val="dk1"/>
+    </dgm:txFillClrLst>
+    <dgm:txEffectClrLst/>
+  </dgm:styleLbl>
+  <dgm:styleLbl name="bgSibTrans2D1">
+    <dgm:fillClrLst meth="repeat">
+      <a:schemeClr val="dk1">
+        <a:tint val="60000"/>
+      </a:schemeClr>
+    </dgm:fillClrLst>
+    <dgm:linClrLst meth="repeat">
+      <a:schemeClr val="dk1">
+        <a:tint val="60000"/>
+      </a:schemeClr>
+    </dgm:linClrLst>
+    <dgm:effectClrLst/>
+    <dgm:txLinClrLst/>
+    <dgm:txFillClrLst meth="repeat">
+      <a:schemeClr val="dk1"/>
+    </dgm:txFillClrLst>
+    <dgm:txEffectClrLst/>
+  </dgm:styleLbl>
+  <dgm:styleLbl name="sibTrans1D1">
+    <dgm:fillClrLst meth="repeat">
+      <a:schemeClr val="dk1"/>
+    </dgm:fillClrLst>
+    <dgm:linClrLst meth="repeat">
+      <a:schemeClr val="dk1"/>
+    </dgm:linClrLst>
+    <dgm:effectClrLst/>
+    <dgm:txLinClrLst/>
+    <dgm:txFillClrLst meth="repeat">
+      <a:schemeClr val="tx1"/>
+    </dgm:txFillClrLst>
+    <dgm:txEffectClrLst/>
+  </dgm:styleLbl>
+  <dgm:styleLbl name="callout">
+    <dgm:fillClrLst meth="repeat">
+      <a:schemeClr val="dk1"/>
+    </dgm:fillClrLst>
+    <dgm:linClrLst meth="repeat">
+      <a:schemeClr val="dk1"/>
+    </dgm:linClrLst>
+    <dgm:effectClrLst/>
+    <dgm:txLinClrLst/>
+    <dgm:txFillClrLst meth="repeat">
+      <a:schemeClr val="tx1"/>
+    </dgm:txFillClrLst>
+    <dgm:txEffectClrLst/>
+  </dgm:styleLbl>
+  <dgm:styleLbl name="asst0">
+    <dgm:fillClrLst meth="repeat">
+      <a:schemeClr val="lt1"/>
+    </dgm:fillClrLst>
+    <dgm:linClrLst meth="repeat">
+      <a:schemeClr val="dk1">
+        <a:shade val="80000"/>
+      </a:schemeClr>
+    </dgm:linClrLst>
+    <dgm:effectClrLst/>
+    <dgm:txLinClrLst/>
+    <dgm:txFillClrLst meth="repeat">
+      <a:schemeClr val="dk1"/>
+    </dgm:txFillClrLst>
+    <dgm:txEffectClrLst/>
+  </dgm:styleLbl>
+  <dgm:styleLbl name="asst1">
+    <dgm:fillClrLst meth="repeat">
+      <a:schemeClr val="lt1"/>
+    </dgm:fillClrLst>
+    <dgm:linClrLst meth="repeat">
+      <a:schemeClr val="dk1">
+        <a:shade val="80000"/>
+      </a:schemeClr>
+    </dgm:linClrLst>
+    <dgm:effectClrLst/>
+    <dgm:txLinClrLst/>
+    <dgm:txFillClrLst meth="repeat">
+      <a:schemeClr val="dk1"/>
+    </dgm:txFillClrLst>
+    <dgm:txEffectClrLst/>
+  </dgm:styleLbl>
+  <dgm:styleLbl name="asst2">
+    <dgm:fillClrLst meth="repeat">
+      <a:schemeClr val="lt1"/>
+    </dgm:fillClrLst>
+    <dgm:linClrLst meth="repeat">
+      <a:schemeClr val="dk1">
+        <a:shade val="80000"/>
+      </a:schemeClr>
+    </dgm:linClrLst>
+    <dgm:effectClrLst/>
+    <dgm:txLinClrLst/>
+    <dgm:txFillClrLst meth="repeat">
+      <a:schemeClr val="dk1"/>
+    </dgm:txFillClrLst>
+    <dgm:txEffectClrLst/>
+  </dgm:styleLbl>
+  <dgm:styleLbl name="asst3">
+    <dgm:fillClrLst meth="repeat">
+      <a:schemeClr val="lt1"/>
+    </dgm:fillClrLst>
+    <dgm:linClrLst meth="repeat">
+      <a:schemeClr val="dk1">
+        <a:shade val="80000"/>
+      </a:schemeClr>
+    </dgm:linClrLst>
+    <dgm:effectClrLst/>
+    <dgm:txLinClrLst/>
+    <dgm:txFillClrLst meth="repeat">
+      <a:schemeClr val="dk1"/>
+    </dgm:txFillClrLst>
+    <dgm:txEffectClrLst/>
+  </dgm:styleLbl>
+  <dgm:styleLbl name="asst4">
+    <dgm:fillClrLst meth="repeat">
+      <a:schemeClr val="lt1"/>
+    </dgm:fillClrLst>
+    <dgm:linClrLst meth="repeat">
+      <a:schemeClr val="dk1">
+        <a:shade val="80000"/>
+      </a:schemeClr>
+    </dgm:linClrLst>
+    <dgm:effectClrLst/>
+    <dgm:txLinClrLst/>
+    <dgm:txFillClrLst meth="repeat">
+      <a:schemeClr val="dk1"/>
+    </dgm:txFillClrLst>
+    <dgm:txEffectClrLst/>
+  </dgm:styleLbl>
+  <dgm:styleLbl name="parChTrans2D1">
+    <dgm:fillClrLst meth="repeat">
+      <a:schemeClr val="dk1">
+        <a:tint val="60000"/>
+      </a:schemeClr>
+    </dgm:fillClrLst>
+    <dgm:linClrLst meth="repeat">
+      <a:schemeClr val="dk1">
+        <a:tint val="60000"/>
+      </a:schemeClr>
+    </dgm:linClrLst>
+    <dgm:effectClrLst/>
+    <dgm:txLinClrLst/>
+    <dgm:txFillClrLst/>
+    <dgm:txEffectClrLst/>
+  </dgm:styleLbl>
+  <dgm:styleLbl name="parChTrans2D2">
+    <dgm:fillClrLst meth="repeat">
+      <a:schemeClr val="dk1"/>
+    </dgm:fillClrLst>
+    <dgm:linClrLst meth="repeat">
+      <a:schemeClr val="dk1"/>
+    </dgm:linClrLst>
+    <dgm:effectClrLst/>
+    <dgm:txLinClrLst/>
+    <dgm:txFillClrLst/>
+    <dgm:txEffectClrLst/>
+  </dgm:styleLbl>
+  <dgm:styleLbl name="parChTrans2D3">
+    <dgm:fillClrLst meth="repeat">
+      <a:schemeClr val="dk1"/>
+    </dgm:fillClrLst>
+    <dgm:linClrLst meth="repeat">
+      <a:schemeClr val="dk1"/>
+    </dgm:linClrLst>
+    <dgm:effectClrLst/>
+    <dgm:txLinClrLst/>
+    <dgm:txFillClrLst/>
+    <dgm:txEffectClrLst/>
+  </dgm:styleLbl>
+  <dgm:styleLbl name="parChTrans2D4">
+    <dgm:fillClrLst meth="repeat">
+      <a:schemeClr val="dk1"/>
+    </dgm:fillClrLst>
+    <dgm:linClrLst meth="repeat">
+      <a:schemeClr val="dk1"/>
+    </dgm:linClrLst>
+    <dgm:effectClrLst/>
+    <dgm:txLinClrLst/>
+    <dgm:txFillClrLst meth="repeat">
+      <a:schemeClr val="lt1"/>
+    </dgm:txFillClrLst>
+    <dgm:txEffectClrLst/>
+  </dgm:styleLbl>
+  <dgm:styleLbl name="parChTrans1D1">
+    <dgm:fillClrLst meth="repeat">
+      <a:schemeClr val="dk1"/>
+    </dgm:fillClrLst>
+    <dgm:linClrLst meth="repeat">
+      <a:schemeClr val="dk1">
+        <a:shade val="60000"/>
+      </a:schemeClr>
+    </dgm:linClrLst>
+    <dgm:effectClrLst/>
+    <dgm:txLinClrLst/>
+    <dgm:txFillClrLst meth="repeat">
+      <a:schemeClr val="tx1"/>
+    </dgm:txFillClrLst>
+    <dgm:txEffectClrLst/>
+  </dgm:styleLbl>
+  <dgm:styleLbl name="parChTrans1D2">
+    <dgm:fillClrLst meth="repeat">
+      <a:schemeClr val="dk1"/>
+    </dgm:fillClrLst>
+    <dgm:linClrLst meth="repeat">
+      <a:schemeClr val="dk1">
+        <a:shade val="60000"/>
+      </a:schemeClr>
+    </dgm:linClrLst>
+    <dgm:effectClrLst/>
+    <dgm:txLinClrLst/>
+    <dgm:txFillClrLst meth="repeat">
+      <a:schemeClr val="tx1"/>
+    </dgm:txFillClrLst>
+    <dgm:txEffectClrLst/>
+  </dgm:styleLbl>
+  <dgm:styleLbl name="parChTrans1D3">
+    <dgm:fillClrLst meth="repeat">
+      <a:schemeClr val="dk1"/>
+    </dgm:fillClrLst>
+    <dgm:linClrLst meth="repeat">
+      <a:schemeClr val="dk1">
+        <a:shade val="80000"/>
+      </a:schemeClr>
+    </dgm:linClrLst>
+    <dgm:effectClrLst/>
+    <dgm:txLinClrLst/>
+    <dgm:txFillClrLst meth="repeat">
+      <a:schemeClr val="tx1"/>
+    </dgm:txFillClrLst>
+    <dgm:txEffectClrLst/>
+  </dgm:styleLbl>
+  <dgm:styleLbl name="parChTrans1D4">
+    <dgm:fillClrLst meth="repeat">
+      <a:schemeClr val="dk1"/>
+    </dgm:fillClrLst>
+    <dgm:linClrLst meth="repeat">
+      <a:schemeClr val="dk1">
+        <a:shade val="80000"/>
+      </a:schemeClr>
+    </dgm:linClrLst>
+    <dgm:effectClrLst/>
+    <dgm:txLinClrLst/>
+    <dgm:txFillClrLst meth="repeat">
+      <a:schemeClr val="tx1"/>
+    </dgm:txFillClrLst>
+    <dgm:txEffectClrLst/>
+  </dgm:styleLbl>
+  <dgm:styleLbl name="fgAcc1">
+    <dgm:fillClrLst meth="repeat">
+      <a:schemeClr val="dk1">
+        <a:alpha val="90000"/>
+        <a:tint val="40000"/>
+      </a:schemeClr>
+    </dgm:fillClrLst>
+    <dgm:linClrLst meth="repeat">
+      <a:schemeClr val="dk1"/>
+    </dgm:linClrLst>
+    <dgm:effectClrLst/>
+    <dgm:txLinClrLst/>
+    <dgm:txFillClrLst meth="repeat">
+      <a:schemeClr val="dk1"/>
+    </dgm:txFillClrLst>
+    <dgm:txEffectClrLst/>
+  </dgm:styleLbl>
+  <dgm:styleLbl name="conFgAcc1">
+    <dgm:fillClrLst meth="repeat">
+      <a:schemeClr val="dk1">
+        <a:alpha val="90000"/>
+        <a:tint val="40000"/>
+      </a:schemeClr>
+    </dgm:fillClrLst>
+    <dgm:linClrLst meth="repeat">
+      <a:schemeClr val="dk1"/>
+    </dgm:linClrLst>
+    <dgm:effectClrLst/>
+    <dgm:txLinClrLst/>
+    <dgm:txFillClrLst meth="repeat">
+      <a:schemeClr val="dk1"/>
+    </dgm:txFillClrLst>
+    <dgm:txEffectClrLst/>
+  </dgm:styleLbl>
+  <dgm:styleLbl name="alignAcc1">
+    <dgm:fillClrLst meth="repeat">
+      <a:schemeClr val="dk1">
+        <a:alpha val="90000"/>
+        <a:tint val="40000"/>
+      </a:schemeClr>
+    </dgm:fillClrLst>
+    <dgm:linClrLst meth="repeat">
+      <a:schemeClr val="dk1"/>
+    </dgm:linClrLst>
+    <dgm:effectClrLst/>
+    <dgm:txLinClrLst/>
+    <dgm:txFillClrLst meth="repeat">
+      <a:schemeClr val="dk1"/>
+    </dgm:txFillClrLst>
+    <dgm:txEffectClrLst/>
+  </dgm:styleLbl>
+  <dgm:styleLbl name="trAlignAcc1">
+    <dgm:fillClrLst meth="repeat">
+      <a:schemeClr val="dk1">
+        <a:alpha val="40000"/>
+        <a:tint val="40000"/>
+      </a:schemeClr>
+    </dgm:fillClrLst>
+    <dgm:linClrLst meth="repeat">
+      <a:schemeClr val="dk1"/>
+    </dgm:linClrLst>
+    <dgm:effectClrLst/>
+    <dgm:txLinClrLst/>
+    <dgm:txFillClrLst meth="repeat">
+      <a:schemeClr val="dk1"/>
+    </dgm:txFillClrLst>
+    <dgm:txEffectClrLst/>
+  </dgm:styleLbl>
+  <dgm:styleLbl name="bgAcc1">
+    <dgm:fillClrLst meth="repeat">
+      <a:schemeClr val="dk1">
+        <a:alpha val="90000"/>
+        <a:tint val="40000"/>
+      </a:schemeClr>
+    </dgm:fillClrLst>
+    <dgm:linClrLst meth="repeat">
+      <a:schemeClr val="dk1"/>
+    </dgm:linClrLst>
+    <dgm:effectClrLst/>
+    <dgm:txLinClrLst/>
+    <dgm:txFillClrLst meth="repeat">
+      <a:schemeClr val="dk1"/>
+    </dgm:txFillClrLst>
+    <dgm:txEffectClrLst/>
+  </dgm:styleLbl>
+  <dgm:styleLbl name="solidFgAcc1">
+    <dgm:fillClrLst meth="repeat">
+      <a:schemeClr val="lt1"/>
+    </dgm:fillClrLst>
+    <dgm:linClrLst meth="repeat">
+      <a:schemeClr val="dk1"/>
+    </dgm:linClrLst>
+    <dgm:effectClrLst/>
+    <dgm:txLinClrLst/>
+    <dgm:txFillClrLst meth="repeat">
+      <a:schemeClr val="dk1"/>
+    </dgm:txFillClrLst>
+    <dgm:txEffectClrLst/>
+  </dgm:styleLbl>
+  <dgm:styleLbl name="solidAlignAcc1">
+    <dgm:fillClrLst meth="repeat">
+      <a:schemeClr val="lt1"/>
+    </dgm:fillClrLst>
+    <dgm:linClrLst meth="repeat">
+      <a:schemeClr val="dk1"/>
+    </dgm:linClrLst>
+    <dgm:effectClrLst/>
+    <dgm:txLinClrLst/>
+    <dgm:txFillClrLst meth="repeat">
+      <a:schemeClr val="dk1"/>
+    </dgm:txFillClrLst>
+    <dgm:txEffectClrLst/>
+  </dgm:styleLbl>
+  <dgm:styleLbl name="solidBgAcc1">
+    <dgm:fillClrLst meth="repeat">
+      <a:schemeClr val="lt1"/>
+    </dgm:fillClrLst>
+    <dgm:linClrLst meth="repeat">
+      <a:schemeClr val="dk1"/>
+    </dgm:linClrLst>
+    <dgm:effectClrLst/>
+    <dgm:txLinClrLst/>
+    <dgm:txFillClrLst meth="repeat">
+      <a:schemeClr val="dk1"/>
+    </dgm:txFillClrLst>
+    <dgm:txEffectClrLst/>
+  </dgm:styleLbl>
+  <dgm:styleLbl name="fgAccFollowNode1">
+    <dgm:fillClrLst meth="repeat">
+      <a:schemeClr val="lt1">
+        <a:alpha val="90000"/>
+        <a:tint val="40000"/>
+      </a:schemeClr>
+    </dgm:fillClrLst>
+    <dgm:linClrLst meth="repeat">
+      <a:schemeClr val="dk1">
+        <a:alpha val="90000"/>
+      </a:schemeClr>
+    </dgm:linClrLst>
+    <dgm:effectClrLst/>
+    <dgm:txLinClrLst/>
+    <dgm:txFillClrLst meth="repeat">
+      <a:schemeClr val="dk1"/>
+    </dgm:txFillClrLst>
+    <dgm:txEffectClrLst/>
+  </dgm:styleLbl>
+  <dgm:styleLbl name="alignAccFollowNode1">
+    <dgm:fillClrLst meth="repeat">
+      <a:schemeClr val="lt1">
+        <a:alpha val="90000"/>
+        <a:tint val="40000"/>
+      </a:schemeClr>
+    </dgm:fillClrLst>
+    <dgm:linClrLst meth="repeat">
+      <a:schemeClr val="dk1">
+        <a:alpha val="90000"/>
+      </a:schemeClr>
+    </dgm:linClrLst>
+    <dgm:effectClrLst/>
+    <dgm:txLinClrLst/>
+    <dgm:txFillClrLst meth="repeat">
+      <a:schemeClr val="dk1"/>
+    </dgm:txFillClrLst>
+    <dgm:txEffectClrLst/>
+  </dgm:styleLbl>
+  <dgm:styleLbl name="bgAccFollowNode1">
+    <dgm:fillClrLst meth="repeat">
+      <a:schemeClr val="lt1">
+        <a:alpha val="90000"/>
+        <a:tint val="40000"/>
+      </a:schemeClr>
+    </dgm:fillClrLst>
+    <dgm:linClrLst meth="repeat">
+      <a:schemeClr val="dk1">
+        <a:alpha val="90000"/>
+      </a:schemeClr>
+    </dgm:linClrLst>
+    <dgm:effectClrLst/>
+    <dgm:txLinClrLst/>
+    <dgm:txFillClrLst meth="repeat">
+      <a:schemeClr val="dk1"/>
+    </dgm:txFillClrLst>
+    <dgm:txEffectClrLst/>
+  </dgm:styleLbl>
+  <dgm:styleLbl name="fgAcc0">
+    <dgm:fillClrLst meth="repeat">
+      <a:schemeClr val="dk1">
+        <a:alpha val="90000"/>
+        <a:tint val="40000"/>
+      </a:schemeClr>
+    </dgm:fillClrLst>
+    <dgm:linClrLst meth="repeat">
+      <a:schemeClr val="dk1"/>
+    </dgm:linClrLst>
+    <dgm:effectClrLst/>
+    <dgm:txLinClrLst/>
+    <dgm:txFillClrLst meth="repeat">
+      <a:schemeClr val="dk1"/>
+    </dgm:txFillClrLst>
+    <dgm:txEffectClrLst/>
+  </dgm:styleLbl>
+  <dgm:styleLbl name="fgAcc2">
+    <dgm:fillClrLst meth="repeat">
+      <a:schemeClr val="dk1">
+        <a:alpha val="90000"/>
+        <a:tint val="40000"/>
+      </a:schemeClr>
+    </dgm:fillClrLst>
+    <dgm:linClrLst meth="repeat">
+      <a:schemeClr val="dk1"/>
+    </dgm:linClrLst>
+    <dgm:effectClrLst/>
+    <dgm:txLinClrLst/>
+    <dgm:txFillClrLst meth="repeat">
+      <a:schemeClr val="dk1"/>
+    </dgm:txFillClrLst>
+    <dgm:txEffectClrLst/>
+  </dgm:styleLbl>
+  <dgm:styleLbl name="fgAcc3">
+    <dgm:fillClrLst meth="repeat">
+      <a:schemeClr val="dk1">
+        <a:alpha val="90000"/>
+        <a:tint val="40000"/>
+      </a:schemeClr>
+    </dgm:fillClrLst>
+    <dgm:linClrLst meth="repeat">
+      <a:schemeClr val="dk1"/>
+    </dgm:linClrLst>
+    <dgm:effectClrLst/>
+    <dgm:txLinClrLst/>
+    <dgm:txFillClrLst meth="repeat">
+      <a:schemeClr val="dk1"/>
+    </dgm:txFillClrLst>
+    <dgm:txEffectClrLst/>
+  </dgm:styleLbl>
+  <dgm:styleLbl name="fgAcc4">
+    <dgm:fillClrLst meth="repeat">
+      <a:schemeClr val="dk1">
+        <a:alpha val="90000"/>
+        <a:tint val="40000"/>
+      </a:schemeClr>
+    </dgm:fillClrLst>
+    <dgm:linClrLst meth="repeat">
+      <a:schemeClr val="dk1"/>
+    </dgm:linClrLst>
+    <dgm:effectClrLst/>
+    <dgm:txLinClrLst/>
+    <dgm:txFillClrLst meth="repeat">
+      <a:schemeClr val="dk1"/>
+    </dgm:txFillClrLst>
+    <dgm:txEffectClrLst/>
+  </dgm:styleLbl>
+  <dgm:styleLbl name="bgShp">
+    <dgm:fillClrLst meth="repeat">
+      <a:schemeClr val="dk1">
+        <a:tint val="40000"/>
+      </a:schemeClr>
+    </dgm:fillClrLst>
+    <dgm:linClrLst meth="repeat">
+      <a:schemeClr val="dk1"/>
+    </dgm:linClrLst>
+    <dgm:effectClrLst/>
+    <dgm:txLinClrLst/>
+    <dgm:txFillClrLst meth="repeat">
+      <a:schemeClr val="dk1"/>
+    </dgm:txFillClrLst>
+    <dgm:txEffectClrLst/>
+  </dgm:styleLbl>
+  <dgm:styleLbl name="dkBgShp">
+    <dgm:fillClrLst meth="repeat">
+      <a:schemeClr val="dk1">
+        <a:shade val="80000"/>
+      </a:schemeClr>
+    </dgm:fillClrLst>
+    <dgm:linClrLst meth="repeat">
+      <a:schemeClr val="dk1"/>
+    </dgm:linClrLst>
+    <dgm:effectClrLst/>
+    <dgm:txLinClrLst/>
+    <dgm:txFillClrLst meth="repeat">
+      <a:schemeClr val="lt1"/>
+    </dgm:txFillClrLst>
+    <dgm:txEffectClrLst/>
+  </dgm:styleLbl>
+  <dgm:styleLbl name="trBgShp">
+    <dgm:fillClrLst meth="repeat">
+      <a:schemeClr val="dk1">
+        <a:tint val="50000"/>
+        <a:alpha val="40000"/>
+      </a:schemeClr>
+    </dgm:fillClrLst>
+    <dgm:linClrLst meth="repeat">
+      <a:schemeClr val="dk1"/>
+    </dgm:linClrLst>
+    <dgm:effectClrLst/>
+    <dgm:txLinClrLst/>
+    <dgm:txFillClrLst meth="repeat">
+      <a:schemeClr val="lt1"/>
+    </dgm:txFillClrLst>
+    <dgm:txEffectClrLst/>
+  </dgm:styleLbl>
+  <dgm:styleLbl name="fgShp">
+    <dgm:fillClrLst meth="repeat">
+      <a:schemeClr val="dk1">
+        <a:tint val="60000"/>
+      </a:schemeClr>
+    </dgm:fillClrLst>
+    <dgm:linClrLst meth="repeat">
+      <a:schemeClr val="lt1"/>
+    </dgm:linClrLst>
+    <dgm:effectClrLst/>
+    <dgm:txLinClrLst/>
+    <dgm:txFillClrLst meth="repeat">
+      <a:schemeClr val="dk1"/>
+    </dgm:txFillClrLst>
+    <dgm:txEffectClrLst/>
+  </dgm:styleLbl>
+  <dgm:styleLbl name="revTx">
+    <dgm:fillClrLst meth="repeat">
+      <a:schemeClr val="lt1">
+        <a:alpha val="0"/>
+      </a:schemeClr>
+    </dgm:fillClrLst>
+    <dgm:linClrLst meth="repeat">
+      <a:schemeClr val="dk1">
+        <a:alpha val="0"/>
+      </a:schemeClr>
+    </dgm:linClrLst>
+    <dgm:effectClrLst/>
+    <dgm:txLinClrLst/>
+    <dgm:txFillClrLst meth="repeat">
+      <a:schemeClr val="tx1"/>
+    </dgm:txFillClrLst>
+    <dgm:txEffectClrLst/>
+  </dgm:styleLbl>
+</dgm:colorsDef>
+</file>
+
+<file path=ppt/diagrams/data1.xml><?xml version="1.0" encoding="utf-8"?>
+<dgm:dataModel xmlns:dgm="http://schemas.openxmlformats.org/drawingml/2006/diagram" xmlns:a="http://schemas.openxmlformats.org/drawingml/2006/main">
+  <dgm:ptLst>
+    <dgm:pt modelId="{5548BC6F-A0FA-4967-BC06-6D65037F1634}" type="doc">
+      <dgm:prSet loTypeId="urn:microsoft.com/office/officeart/2005/8/layout/process5" loCatId="process" qsTypeId="urn:microsoft.com/office/officeart/2005/8/quickstyle/simple1" qsCatId="simple" csTypeId="urn:microsoft.com/office/officeart/2005/8/colors/accent0_1" csCatId="mainScheme" phldr="1"/>
+      <dgm:spPr/>
+      <dgm:t>
+        <a:bodyPr/>
+        <a:lstStyle/>
+        <a:p>
+          <a:endParaRPr lang="de-DE"/>
+        </a:p>
+      </dgm:t>
+    </dgm:pt>
+    <dgm:pt modelId="{7E9C752F-D371-4E33-8520-25EA04A3181C}">
+      <dgm:prSet phldrT="[Text]"/>
+      <dgm:spPr/>
+      <dgm:t>
+        <a:bodyPr/>
+        <a:lstStyle/>
+        <a:p>
+          <a:r>
+            <a:rPr lang="de-DE">
+              <a:latin typeface="Arial" panose="020B0604020202020204" pitchFamily="34" charset="0"/>
+              <a:cs typeface="Arial" panose="020B0604020202020204" pitchFamily="34" charset="0"/>
+            </a:rPr>
+            <a:t>Motorwelle</a:t>
+          </a:r>
+          <a:endParaRPr lang="de-DE" dirty="0">
+            <a:latin typeface="Arial" panose="020B0604020202020204" pitchFamily="34" charset="0"/>
+            <a:cs typeface="Arial" panose="020B0604020202020204" pitchFamily="34" charset="0"/>
+          </a:endParaRPr>
+        </a:p>
+      </dgm:t>
+    </dgm:pt>
+    <dgm:pt modelId="{7F983274-4FC2-4E64-A418-CC805A15DA63}" type="parTrans" cxnId="{7C2E663A-AD52-42C4-9B34-333C8E880CAE}">
+      <dgm:prSet/>
+      <dgm:spPr/>
+      <dgm:t>
+        <a:bodyPr/>
+        <a:lstStyle/>
+        <a:p>
+          <a:endParaRPr lang="de-DE">
+            <a:latin typeface="Arial" panose="020B0604020202020204" pitchFamily="34" charset="0"/>
+            <a:cs typeface="Arial" panose="020B0604020202020204" pitchFamily="34" charset="0"/>
+          </a:endParaRPr>
+        </a:p>
+      </dgm:t>
+    </dgm:pt>
+    <dgm:pt modelId="{7C3BA9A9-9A2F-45A8-B94F-A7C49E634DF8}" type="sibTrans" cxnId="{7C2E663A-AD52-42C4-9B34-333C8E880CAE}">
+      <dgm:prSet/>
+      <dgm:spPr/>
+      <dgm:t>
+        <a:bodyPr/>
+        <a:lstStyle/>
+        <a:p>
+          <a:endParaRPr lang="de-DE">
+            <a:latin typeface="Arial" panose="020B0604020202020204" pitchFamily="34" charset="0"/>
+            <a:cs typeface="Arial" panose="020B0604020202020204" pitchFamily="34" charset="0"/>
+          </a:endParaRPr>
+        </a:p>
+      </dgm:t>
+    </dgm:pt>
+    <dgm:pt modelId="{6AF2FC89-BB19-4BEE-800C-0DCF360F233E}">
+      <dgm:prSet phldrT="[Text]"/>
+      <dgm:spPr/>
+      <dgm:t>
+        <a:bodyPr/>
+        <a:lstStyle/>
+        <a:p>
+          <a:r>
+            <a:rPr lang="de-DE">
+              <a:latin typeface="Arial" panose="020B0604020202020204" pitchFamily="34" charset="0"/>
+              <a:cs typeface="Arial" panose="020B0604020202020204" pitchFamily="34" charset="0"/>
+            </a:rPr>
+            <a:t>Passfeder</a:t>
+          </a:r>
+        </a:p>
+      </dgm:t>
+    </dgm:pt>
+    <dgm:pt modelId="{C85358D8-DBCC-4D16-BC1F-705E8D31DA48}" type="parTrans" cxnId="{5147A3F8-6103-41AD-84D7-0706B98D28EA}">
+      <dgm:prSet/>
+      <dgm:spPr/>
+      <dgm:t>
+        <a:bodyPr/>
+        <a:lstStyle/>
+        <a:p>
+          <a:endParaRPr lang="de-DE">
+            <a:latin typeface="Arial" panose="020B0604020202020204" pitchFamily="34" charset="0"/>
+            <a:cs typeface="Arial" panose="020B0604020202020204" pitchFamily="34" charset="0"/>
+          </a:endParaRPr>
+        </a:p>
+      </dgm:t>
+    </dgm:pt>
+    <dgm:pt modelId="{DE8892FA-B991-40C5-8F6F-D1F124423914}" type="sibTrans" cxnId="{5147A3F8-6103-41AD-84D7-0706B98D28EA}">
+      <dgm:prSet/>
+      <dgm:spPr/>
+      <dgm:t>
+        <a:bodyPr/>
+        <a:lstStyle/>
+        <a:p>
+          <a:endParaRPr lang="de-DE">
+            <a:latin typeface="Arial" panose="020B0604020202020204" pitchFamily="34" charset="0"/>
+            <a:cs typeface="Arial" panose="020B0604020202020204" pitchFamily="34" charset="0"/>
+          </a:endParaRPr>
+        </a:p>
+      </dgm:t>
+    </dgm:pt>
+    <dgm:pt modelId="{2F2E8368-E66A-4658-AC1B-9B2430B328FA}">
+      <dgm:prSet phldrT="[Text]"/>
+      <dgm:spPr/>
+      <dgm:t>
+        <a:bodyPr/>
+        <a:lstStyle/>
+        <a:p>
+          <a:r>
+            <a:rPr lang="de-DE">
+              <a:latin typeface="Arial" panose="020B0604020202020204" pitchFamily="34" charset="0"/>
+              <a:cs typeface="Arial" panose="020B0604020202020204" pitchFamily="34" charset="0"/>
+            </a:rPr>
+            <a:t>Motorkettenrad</a:t>
+          </a:r>
+        </a:p>
+      </dgm:t>
+    </dgm:pt>
+    <dgm:pt modelId="{9E3F9EE0-6989-4065-B6B5-CED4F35791D3}" type="parTrans" cxnId="{1CF34927-432B-49FE-9431-BAC82614279D}">
+      <dgm:prSet/>
+      <dgm:spPr/>
+      <dgm:t>
+        <a:bodyPr/>
+        <a:lstStyle/>
+        <a:p>
+          <a:endParaRPr lang="de-DE">
+            <a:latin typeface="Arial" panose="020B0604020202020204" pitchFamily="34" charset="0"/>
+            <a:cs typeface="Arial" panose="020B0604020202020204" pitchFamily="34" charset="0"/>
+          </a:endParaRPr>
+        </a:p>
+      </dgm:t>
+    </dgm:pt>
+    <dgm:pt modelId="{6D052C14-AED3-449E-B6B5-7EEB45D00312}" type="sibTrans" cxnId="{1CF34927-432B-49FE-9431-BAC82614279D}">
+      <dgm:prSet/>
+      <dgm:spPr/>
+      <dgm:t>
+        <a:bodyPr/>
+        <a:lstStyle/>
+        <a:p>
+          <a:endParaRPr lang="de-DE">
+            <a:latin typeface="Arial" panose="020B0604020202020204" pitchFamily="34" charset="0"/>
+            <a:cs typeface="Arial" panose="020B0604020202020204" pitchFamily="34" charset="0"/>
+          </a:endParaRPr>
+        </a:p>
+      </dgm:t>
+    </dgm:pt>
+    <dgm:pt modelId="{2FE79735-C4FE-46D9-8129-82259B69227A}">
+      <dgm:prSet phldrT="[Text]"/>
+      <dgm:spPr/>
+      <dgm:t>
+        <a:bodyPr/>
+        <a:lstStyle/>
+        <a:p>
+          <a:r>
+            <a:rPr lang="de-DE">
+              <a:latin typeface="Arial" panose="020B0604020202020204" pitchFamily="34" charset="0"/>
+              <a:cs typeface="Arial" panose="020B0604020202020204" pitchFamily="34" charset="0"/>
+            </a:rPr>
+            <a:t>Dreifachrollenkette</a:t>
+          </a:r>
+        </a:p>
+      </dgm:t>
+    </dgm:pt>
+    <dgm:pt modelId="{6CB7ED75-F020-4D40-AAEB-2C39CF7EEB0A}" type="parTrans" cxnId="{ACD48FFF-C241-40D7-8DC3-81F94D8AC39D}">
+      <dgm:prSet/>
+      <dgm:spPr/>
+      <dgm:t>
+        <a:bodyPr/>
+        <a:lstStyle/>
+        <a:p>
+          <a:endParaRPr lang="de-DE">
+            <a:latin typeface="Arial" panose="020B0604020202020204" pitchFamily="34" charset="0"/>
+            <a:cs typeface="Arial" panose="020B0604020202020204" pitchFamily="34" charset="0"/>
+          </a:endParaRPr>
+        </a:p>
+      </dgm:t>
+    </dgm:pt>
+    <dgm:pt modelId="{D8F7DEA6-422A-4458-8FA4-87B2B4252F21}" type="sibTrans" cxnId="{ACD48FFF-C241-40D7-8DC3-81F94D8AC39D}">
+      <dgm:prSet/>
+      <dgm:spPr/>
+      <dgm:t>
+        <a:bodyPr/>
+        <a:lstStyle/>
+        <a:p>
+          <a:endParaRPr lang="de-DE">
+            <a:latin typeface="Arial" panose="020B0604020202020204" pitchFamily="34" charset="0"/>
+            <a:cs typeface="Arial" panose="020B0604020202020204" pitchFamily="34" charset="0"/>
+          </a:endParaRPr>
+        </a:p>
+      </dgm:t>
+    </dgm:pt>
+    <dgm:pt modelId="{3D673D41-6EEB-4F54-B8DF-341C1C80AB89}">
+      <dgm:prSet phldrT="[Text]"/>
+      <dgm:spPr/>
+      <dgm:t>
+        <a:bodyPr/>
+        <a:lstStyle/>
+        <a:p>
+          <a:r>
+            <a:rPr lang="de-DE">
+              <a:latin typeface="Arial" panose="020B0604020202020204" pitchFamily="34" charset="0"/>
+              <a:cs typeface="Arial" panose="020B0604020202020204" pitchFamily="34" charset="0"/>
+            </a:rPr>
+            <a:t>Wellenkettenrad</a:t>
+          </a:r>
+        </a:p>
+      </dgm:t>
+    </dgm:pt>
+    <dgm:pt modelId="{B2522A1D-8A64-44AB-8637-162F98CF4334}" type="parTrans" cxnId="{55638318-8C15-425E-9117-C94329E7160F}">
+      <dgm:prSet/>
+      <dgm:spPr/>
+      <dgm:t>
+        <a:bodyPr/>
+        <a:lstStyle/>
+        <a:p>
+          <a:endParaRPr lang="de-DE">
+            <a:latin typeface="Arial" panose="020B0604020202020204" pitchFamily="34" charset="0"/>
+            <a:cs typeface="Arial" panose="020B0604020202020204" pitchFamily="34" charset="0"/>
+          </a:endParaRPr>
+        </a:p>
+      </dgm:t>
+    </dgm:pt>
+    <dgm:pt modelId="{BED08684-68B7-40A8-AA8C-51B90BF84CBB}" type="sibTrans" cxnId="{55638318-8C15-425E-9117-C94329E7160F}">
+      <dgm:prSet/>
+      <dgm:spPr/>
+      <dgm:t>
+        <a:bodyPr/>
+        <a:lstStyle/>
+        <a:p>
+          <a:endParaRPr lang="de-DE">
+            <a:latin typeface="Arial" panose="020B0604020202020204" pitchFamily="34" charset="0"/>
+            <a:cs typeface="Arial" panose="020B0604020202020204" pitchFamily="34" charset="0"/>
+          </a:endParaRPr>
+        </a:p>
+      </dgm:t>
+    </dgm:pt>
+    <dgm:pt modelId="{378E96DE-2840-44B1-9383-F79F4705C9CE}">
+      <dgm:prSet phldrT="[Text]"/>
+      <dgm:spPr/>
+      <dgm:t>
+        <a:bodyPr/>
+        <a:lstStyle/>
+        <a:p>
+          <a:r>
+            <a:rPr lang="de-DE">
+              <a:latin typeface="Arial" panose="020B0604020202020204" pitchFamily="34" charset="0"/>
+              <a:cs typeface="Arial" panose="020B0604020202020204" pitchFamily="34" charset="0"/>
+            </a:rPr>
+            <a:t>Keilwelle</a:t>
+          </a:r>
+        </a:p>
+      </dgm:t>
+    </dgm:pt>
+    <dgm:pt modelId="{7A2F330F-0A68-4CF2-8747-A70F37006AD4}" type="parTrans" cxnId="{5585E744-2925-44B9-A2B8-E81F83F0EC9A}">
+      <dgm:prSet/>
+      <dgm:spPr/>
+      <dgm:t>
+        <a:bodyPr/>
+        <a:lstStyle/>
+        <a:p>
+          <a:endParaRPr lang="de-DE">
+            <a:latin typeface="Arial" panose="020B0604020202020204" pitchFamily="34" charset="0"/>
+            <a:cs typeface="Arial" panose="020B0604020202020204" pitchFamily="34" charset="0"/>
+          </a:endParaRPr>
+        </a:p>
+      </dgm:t>
+    </dgm:pt>
+    <dgm:pt modelId="{D5791BD1-AB3C-4C32-8116-59C2F331BC84}" type="sibTrans" cxnId="{5585E744-2925-44B9-A2B8-E81F83F0EC9A}">
+      <dgm:prSet/>
+      <dgm:spPr/>
+      <dgm:t>
+        <a:bodyPr/>
+        <a:lstStyle/>
+        <a:p>
+          <a:endParaRPr lang="de-DE">
+            <a:latin typeface="Arial" panose="020B0604020202020204" pitchFamily="34" charset="0"/>
+            <a:cs typeface="Arial" panose="020B0604020202020204" pitchFamily="34" charset="0"/>
+          </a:endParaRPr>
+        </a:p>
+      </dgm:t>
+    </dgm:pt>
+    <dgm:pt modelId="{F4DEAB5C-D010-4220-B8EC-3CAA89F3039F}">
+      <dgm:prSet phldrT="[Text]"/>
+      <dgm:spPr/>
+      <dgm:t>
+        <a:bodyPr/>
+        <a:lstStyle/>
+        <a:p>
+          <a:r>
+            <a:rPr lang="de-DE">
+              <a:latin typeface="Arial" panose="020B0604020202020204" pitchFamily="34" charset="0"/>
+              <a:cs typeface="Arial" panose="020B0604020202020204" pitchFamily="34" charset="0"/>
+            </a:rPr>
+            <a:t>Welle</a:t>
+          </a:r>
+        </a:p>
+      </dgm:t>
+    </dgm:pt>
+    <dgm:pt modelId="{B7C47D2B-7B85-4152-BD6C-ACB26474D24E}" type="parTrans" cxnId="{689DBC57-80AA-4498-8AF5-C7759CF4DA0B}">
+      <dgm:prSet/>
+      <dgm:spPr/>
+      <dgm:t>
+        <a:bodyPr/>
+        <a:lstStyle/>
+        <a:p>
+          <a:endParaRPr lang="de-DE">
+            <a:latin typeface="Arial" panose="020B0604020202020204" pitchFamily="34" charset="0"/>
+            <a:cs typeface="Arial" panose="020B0604020202020204" pitchFamily="34" charset="0"/>
+          </a:endParaRPr>
+        </a:p>
+      </dgm:t>
+    </dgm:pt>
+    <dgm:pt modelId="{7E24A202-B17E-410F-B7CE-0704FC10E587}" type="sibTrans" cxnId="{689DBC57-80AA-4498-8AF5-C7759CF4DA0B}">
+      <dgm:prSet/>
+      <dgm:spPr/>
+      <dgm:t>
+        <a:bodyPr/>
+        <a:lstStyle/>
+        <a:p>
+          <a:endParaRPr lang="de-DE">
+            <a:latin typeface="Arial" panose="020B0604020202020204" pitchFamily="34" charset="0"/>
+            <a:cs typeface="Arial" panose="020B0604020202020204" pitchFamily="34" charset="0"/>
+          </a:endParaRPr>
+        </a:p>
+      </dgm:t>
+    </dgm:pt>
+    <dgm:pt modelId="{81C6249F-272B-4578-8F9C-BB9530D9002E}">
+      <dgm:prSet phldrT="[Text]"/>
+      <dgm:spPr/>
+      <dgm:t>
+        <a:bodyPr/>
+        <a:lstStyle/>
+        <a:p>
+          <a:r>
+            <a:rPr lang="de-DE">
+              <a:latin typeface="Arial" panose="020B0604020202020204" pitchFamily="34" charset="0"/>
+              <a:cs typeface="Arial" panose="020B0604020202020204" pitchFamily="34" charset="0"/>
+            </a:rPr>
+            <a:t>Schweißverbindung</a:t>
+          </a:r>
+          <a:br>
+            <a:rPr lang="de-DE">
+              <a:latin typeface="Arial" panose="020B0604020202020204" pitchFamily="34" charset="0"/>
+              <a:cs typeface="Arial" panose="020B0604020202020204" pitchFamily="34" charset="0"/>
+            </a:rPr>
+          </a:br>
+          <a:r>
+            <a:rPr lang="de-DE">
+              <a:latin typeface="Arial" panose="020B0604020202020204" pitchFamily="34" charset="0"/>
+              <a:cs typeface="Arial" panose="020B0604020202020204" pitchFamily="34" charset="0"/>
+            </a:rPr>
+            <a:t>Spannpressverband</a:t>
+          </a:r>
+        </a:p>
+      </dgm:t>
+    </dgm:pt>
+    <dgm:pt modelId="{55068D17-695A-40F5-908E-5DA45DCD29F6}" type="parTrans" cxnId="{35E578C9-C981-4A4F-93B5-4EB8ABCC1BD3}">
+      <dgm:prSet/>
+      <dgm:spPr/>
+      <dgm:t>
+        <a:bodyPr/>
+        <a:lstStyle/>
+        <a:p>
+          <a:endParaRPr lang="de-DE">
+            <a:latin typeface="Arial" panose="020B0604020202020204" pitchFamily="34" charset="0"/>
+            <a:cs typeface="Arial" panose="020B0604020202020204" pitchFamily="34" charset="0"/>
+          </a:endParaRPr>
+        </a:p>
+      </dgm:t>
+    </dgm:pt>
+    <dgm:pt modelId="{4B0742DA-5665-4E60-AED3-12C0D85014C5}" type="sibTrans" cxnId="{35E578C9-C981-4A4F-93B5-4EB8ABCC1BD3}">
+      <dgm:prSet/>
+      <dgm:spPr/>
+      <dgm:t>
+        <a:bodyPr/>
+        <a:lstStyle/>
+        <a:p>
+          <a:endParaRPr lang="de-DE">
+            <a:latin typeface="Arial" panose="020B0604020202020204" pitchFamily="34" charset="0"/>
+            <a:cs typeface="Arial" panose="020B0604020202020204" pitchFamily="34" charset="0"/>
+          </a:endParaRPr>
+        </a:p>
+      </dgm:t>
+    </dgm:pt>
+    <dgm:pt modelId="{AFE4D107-1F63-4414-8179-8914AFCF3291}">
+      <dgm:prSet phldrT="[Text]"/>
+      <dgm:spPr/>
+      <dgm:t>
+        <a:bodyPr/>
+        <a:lstStyle/>
+        <a:p>
+          <a:r>
+            <a:rPr lang="de-DE">
+              <a:latin typeface="Arial" panose="020B0604020202020204" pitchFamily="34" charset="0"/>
+              <a:cs typeface="Arial" panose="020B0604020202020204" pitchFamily="34" charset="0"/>
+            </a:rPr>
+            <a:t>äußere Schweißnaht</a:t>
+          </a:r>
+        </a:p>
+      </dgm:t>
+    </dgm:pt>
+    <dgm:pt modelId="{64FC7D5B-6C54-4181-BD24-E4BD80485E89}" type="parTrans" cxnId="{3F4279FF-59D5-4C91-9FFF-DA7D5010C020}">
+      <dgm:prSet/>
+      <dgm:spPr/>
+      <dgm:t>
+        <a:bodyPr/>
+        <a:lstStyle/>
+        <a:p>
+          <a:endParaRPr lang="de-DE">
+            <a:latin typeface="Arial" panose="020B0604020202020204" pitchFamily="34" charset="0"/>
+            <a:cs typeface="Arial" panose="020B0604020202020204" pitchFamily="34" charset="0"/>
+          </a:endParaRPr>
+        </a:p>
+      </dgm:t>
+    </dgm:pt>
+    <dgm:pt modelId="{7491B161-594F-47DB-A38E-5C367495C4D7}" type="sibTrans" cxnId="{3F4279FF-59D5-4C91-9FFF-DA7D5010C020}">
+      <dgm:prSet/>
+      <dgm:spPr/>
+      <dgm:t>
+        <a:bodyPr/>
+        <a:lstStyle/>
+        <a:p>
+          <a:endParaRPr lang="de-DE">
+            <a:latin typeface="Arial" panose="020B0604020202020204" pitchFamily="34" charset="0"/>
+            <a:cs typeface="Arial" panose="020B0604020202020204" pitchFamily="34" charset="0"/>
+          </a:endParaRPr>
+        </a:p>
+      </dgm:t>
+    </dgm:pt>
+    <dgm:pt modelId="{458DE422-7182-49FA-AC63-603F6BA963CD}">
+      <dgm:prSet phldrT="[Text]"/>
+      <dgm:spPr/>
+      <dgm:t>
+        <a:bodyPr/>
+        <a:lstStyle/>
+        <a:p>
+          <a:r>
+            <a:rPr lang="de-DE">
+              <a:latin typeface="Arial" panose="020B0604020202020204" pitchFamily="34" charset="0"/>
+              <a:cs typeface="Arial" panose="020B0604020202020204" pitchFamily="34" charset="0"/>
+            </a:rPr>
+            <a:t>Trommel</a:t>
+          </a:r>
+        </a:p>
+      </dgm:t>
+    </dgm:pt>
+    <dgm:pt modelId="{9B366C5A-5D50-4783-90F9-FD04A9F0D301}" type="parTrans" cxnId="{5315617D-C841-49BB-AB64-F6DFAA751D40}">
+      <dgm:prSet/>
+      <dgm:spPr/>
+      <dgm:t>
+        <a:bodyPr/>
+        <a:lstStyle/>
+        <a:p>
+          <a:endParaRPr lang="de-DE">
+            <a:latin typeface="Arial" panose="020B0604020202020204" pitchFamily="34" charset="0"/>
+            <a:cs typeface="Arial" panose="020B0604020202020204" pitchFamily="34" charset="0"/>
+          </a:endParaRPr>
+        </a:p>
+      </dgm:t>
+    </dgm:pt>
+    <dgm:pt modelId="{156C0B40-12AE-4D70-ABF5-B4F9647F4BEE}" type="sibTrans" cxnId="{5315617D-C841-49BB-AB64-F6DFAA751D40}">
+      <dgm:prSet/>
+      <dgm:spPr/>
+      <dgm:t>
+        <a:bodyPr/>
+        <a:lstStyle/>
+        <a:p>
+          <a:endParaRPr lang="de-DE">
+            <a:latin typeface="Arial" panose="020B0604020202020204" pitchFamily="34" charset="0"/>
+            <a:cs typeface="Arial" panose="020B0604020202020204" pitchFamily="34" charset="0"/>
+          </a:endParaRPr>
+        </a:p>
+      </dgm:t>
+    </dgm:pt>
+    <dgm:pt modelId="{49313AA9-5442-4423-BC16-40F7249AED6A}" type="pres">
+      <dgm:prSet presAssocID="{5548BC6F-A0FA-4967-BC06-6D65037F1634}" presName="diagram" presStyleCnt="0">
+        <dgm:presLayoutVars>
+          <dgm:dir/>
+          <dgm:resizeHandles val="exact"/>
+        </dgm:presLayoutVars>
+      </dgm:prSet>
+      <dgm:spPr/>
+    </dgm:pt>
+    <dgm:pt modelId="{7E48BE7F-F1B5-43E9-8E70-B11FA01AF673}" type="pres">
+      <dgm:prSet presAssocID="{7E9C752F-D371-4E33-8520-25EA04A3181C}" presName="node" presStyleLbl="node1" presStyleIdx="0" presStyleCnt="10">
+        <dgm:presLayoutVars>
+          <dgm:bulletEnabled val="1"/>
+        </dgm:presLayoutVars>
+      </dgm:prSet>
+      <dgm:spPr/>
+    </dgm:pt>
+    <dgm:pt modelId="{42988CB7-9E6C-480C-A58B-F61C9D2EEEAA}" type="pres">
+      <dgm:prSet presAssocID="{7C3BA9A9-9A2F-45A8-B94F-A7C49E634DF8}" presName="sibTrans" presStyleLbl="sibTrans2D1" presStyleIdx="0" presStyleCnt="9"/>
+      <dgm:spPr/>
+    </dgm:pt>
+    <dgm:pt modelId="{1638E9F8-3568-4DE7-A502-CE8438BCE3FF}" type="pres">
+      <dgm:prSet presAssocID="{7C3BA9A9-9A2F-45A8-B94F-A7C49E634DF8}" presName="connectorText" presStyleLbl="sibTrans2D1" presStyleIdx="0" presStyleCnt="9"/>
+      <dgm:spPr/>
+    </dgm:pt>
+    <dgm:pt modelId="{64C113E3-79D8-4900-89B7-0D5AB3F7BA83}" type="pres">
+      <dgm:prSet presAssocID="{6AF2FC89-BB19-4BEE-800C-0DCF360F233E}" presName="node" presStyleLbl="node1" presStyleIdx="1" presStyleCnt="10">
+        <dgm:presLayoutVars>
+          <dgm:bulletEnabled val="1"/>
+        </dgm:presLayoutVars>
+      </dgm:prSet>
+      <dgm:spPr/>
+    </dgm:pt>
+    <dgm:pt modelId="{092AC577-5B19-489A-89E0-C78BF39B273C}" type="pres">
+      <dgm:prSet presAssocID="{DE8892FA-B991-40C5-8F6F-D1F124423914}" presName="sibTrans" presStyleLbl="sibTrans2D1" presStyleIdx="1" presStyleCnt="9"/>
+      <dgm:spPr/>
+    </dgm:pt>
+    <dgm:pt modelId="{9E6EBE29-0086-4FBB-B664-60EE8EBAE83E}" type="pres">
+      <dgm:prSet presAssocID="{DE8892FA-B991-40C5-8F6F-D1F124423914}" presName="connectorText" presStyleLbl="sibTrans2D1" presStyleIdx="1" presStyleCnt="9"/>
+      <dgm:spPr/>
+    </dgm:pt>
+    <dgm:pt modelId="{0C356950-761A-478D-95BF-61E5BB22A6E0}" type="pres">
+      <dgm:prSet presAssocID="{2F2E8368-E66A-4658-AC1B-9B2430B328FA}" presName="node" presStyleLbl="node1" presStyleIdx="2" presStyleCnt="10">
+        <dgm:presLayoutVars>
+          <dgm:bulletEnabled val="1"/>
+        </dgm:presLayoutVars>
+      </dgm:prSet>
+      <dgm:spPr/>
+    </dgm:pt>
+    <dgm:pt modelId="{84A341A3-9833-460A-85B7-924699C5D6A5}" type="pres">
+      <dgm:prSet presAssocID="{6D052C14-AED3-449E-B6B5-7EEB45D00312}" presName="sibTrans" presStyleLbl="sibTrans2D1" presStyleIdx="2" presStyleCnt="9"/>
+      <dgm:spPr/>
+    </dgm:pt>
+    <dgm:pt modelId="{FBBA705E-CBD5-4535-B5C2-04A958881B11}" type="pres">
+      <dgm:prSet presAssocID="{6D052C14-AED3-449E-B6B5-7EEB45D00312}" presName="connectorText" presStyleLbl="sibTrans2D1" presStyleIdx="2" presStyleCnt="9"/>
+      <dgm:spPr/>
+    </dgm:pt>
+    <dgm:pt modelId="{86147A43-7AF4-456F-B699-FC92C05E46E0}" type="pres">
+      <dgm:prSet presAssocID="{2FE79735-C4FE-46D9-8129-82259B69227A}" presName="node" presStyleLbl="node1" presStyleIdx="3" presStyleCnt="10">
+        <dgm:presLayoutVars>
+          <dgm:bulletEnabled val="1"/>
+        </dgm:presLayoutVars>
+      </dgm:prSet>
+      <dgm:spPr/>
+    </dgm:pt>
+    <dgm:pt modelId="{2515F097-7BA6-460D-A3FC-E82F72415E60}" type="pres">
+      <dgm:prSet presAssocID="{D8F7DEA6-422A-4458-8FA4-87B2B4252F21}" presName="sibTrans" presStyleLbl="sibTrans2D1" presStyleIdx="3" presStyleCnt="9" custAng="0" custFlipHor="1" custScaleX="93330" custScaleY="78558" custLinFactNeighborX="8264" custLinFactNeighborY="-4625"/>
+      <dgm:spPr/>
+    </dgm:pt>
+    <dgm:pt modelId="{4376FA62-8237-4E29-BDC5-AA36946A2F6A}" type="pres">
+      <dgm:prSet presAssocID="{D8F7DEA6-422A-4458-8FA4-87B2B4252F21}" presName="connectorText" presStyleLbl="sibTrans2D1" presStyleIdx="3" presStyleCnt="9"/>
+      <dgm:spPr/>
+    </dgm:pt>
+    <dgm:pt modelId="{D90DF5CD-6A3F-46C5-BEF3-3131562523F3}" type="pres">
+      <dgm:prSet presAssocID="{3D673D41-6EEB-4F54-B8DF-341C1C80AB89}" presName="node" presStyleLbl="node1" presStyleIdx="4" presStyleCnt="10">
+        <dgm:presLayoutVars>
+          <dgm:bulletEnabled val="1"/>
+        </dgm:presLayoutVars>
+      </dgm:prSet>
+      <dgm:spPr/>
+    </dgm:pt>
+    <dgm:pt modelId="{5ECFB207-70DA-4BCC-A3F4-EEB0BF7ED763}" type="pres">
+      <dgm:prSet presAssocID="{BED08684-68B7-40A8-AA8C-51B90BF84CBB}" presName="sibTrans" presStyleLbl="sibTrans2D1" presStyleIdx="4" presStyleCnt="9"/>
+      <dgm:spPr/>
+    </dgm:pt>
+    <dgm:pt modelId="{EC85DCC7-A2A0-4A37-B02D-12F6F6A99043}" type="pres">
+      <dgm:prSet presAssocID="{BED08684-68B7-40A8-AA8C-51B90BF84CBB}" presName="connectorText" presStyleLbl="sibTrans2D1" presStyleIdx="4" presStyleCnt="9"/>
+      <dgm:spPr/>
+    </dgm:pt>
+    <dgm:pt modelId="{508B679C-1548-4AC4-AE7F-F43C31C58C75}" type="pres">
+      <dgm:prSet presAssocID="{378E96DE-2840-44B1-9383-F79F4705C9CE}" presName="node" presStyleLbl="node1" presStyleIdx="5" presStyleCnt="10">
+        <dgm:presLayoutVars>
+          <dgm:bulletEnabled val="1"/>
+        </dgm:presLayoutVars>
+      </dgm:prSet>
+      <dgm:spPr/>
+    </dgm:pt>
+    <dgm:pt modelId="{FE8B2BF6-340B-4353-A9FC-97979E8A3BEE}" type="pres">
+      <dgm:prSet presAssocID="{D5791BD1-AB3C-4C32-8116-59C2F331BC84}" presName="sibTrans" presStyleLbl="sibTrans2D1" presStyleIdx="5" presStyleCnt="9"/>
+      <dgm:spPr/>
+    </dgm:pt>
+    <dgm:pt modelId="{5B68E46A-439A-4DB1-929C-84D3E51EE5B4}" type="pres">
+      <dgm:prSet presAssocID="{D5791BD1-AB3C-4C32-8116-59C2F331BC84}" presName="connectorText" presStyleLbl="sibTrans2D1" presStyleIdx="5" presStyleCnt="9"/>
+      <dgm:spPr/>
+    </dgm:pt>
+    <dgm:pt modelId="{81446A5D-7275-463B-B813-719E5109EE4A}" type="pres">
+      <dgm:prSet presAssocID="{F4DEAB5C-D010-4220-B8EC-3CAA89F3039F}" presName="node" presStyleLbl="node1" presStyleIdx="6" presStyleCnt="10">
+        <dgm:presLayoutVars>
+          <dgm:bulletEnabled val="1"/>
+        </dgm:presLayoutVars>
+      </dgm:prSet>
+      <dgm:spPr/>
+    </dgm:pt>
+    <dgm:pt modelId="{CDF87EE7-6E3D-4758-B26D-0C01D8D1013C}" type="pres">
+      <dgm:prSet presAssocID="{7E24A202-B17E-410F-B7CE-0704FC10E587}" presName="sibTrans" presStyleLbl="sibTrans2D1" presStyleIdx="6" presStyleCnt="9"/>
+      <dgm:spPr/>
+    </dgm:pt>
+    <dgm:pt modelId="{93C3EC49-6AA8-4708-A1A9-9DB8455CEE57}" type="pres">
+      <dgm:prSet presAssocID="{7E24A202-B17E-410F-B7CE-0704FC10E587}" presName="connectorText" presStyleLbl="sibTrans2D1" presStyleIdx="6" presStyleCnt="9"/>
+      <dgm:spPr/>
+    </dgm:pt>
+    <dgm:pt modelId="{A445CBA9-0AF7-47A4-A8F6-96C8670363D5}" type="pres">
+      <dgm:prSet presAssocID="{81C6249F-272B-4578-8F9C-BB9530D9002E}" presName="node" presStyleLbl="node1" presStyleIdx="7" presStyleCnt="10">
+        <dgm:presLayoutVars>
+          <dgm:bulletEnabled val="1"/>
+        </dgm:presLayoutVars>
+      </dgm:prSet>
+      <dgm:spPr/>
+    </dgm:pt>
+    <dgm:pt modelId="{FDA0C10D-E718-436E-B7BD-A98799EB7CE8}" type="pres">
+      <dgm:prSet presAssocID="{4B0742DA-5665-4E60-AED3-12C0D85014C5}" presName="sibTrans" presStyleLbl="sibTrans2D1" presStyleIdx="7" presStyleCnt="9"/>
+      <dgm:spPr/>
+    </dgm:pt>
+    <dgm:pt modelId="{5EFB34DE-DEE5-4D28-8A84-CF2EB844CB06}" type="pres">
+      <dgm:prSet presAssocID="{4B0742DA-5665-4E60-AED3-12C0D85014C5}" presName="connectorText" presStyleLbl="sibTrans2D1" presStyleIdx="7" presStyleCnt="9"/>
+      <dgm:spPr/>
+    </dgm:pt>
+    <dgm:pt modelId="{F7B89015-C7AE-42B1-B65E-295EB5916715}" type="pres">
+      <dgm:prSet presAssocID="{AFE4D107-1F63-4414-8179-8914AFCF3291}" presName="node" presStyleLbl="node1" presStyleIdx="8" presStyleCnt="10">
+        <dgm:presLayoutVars>
+          <dgm:bulletEnabled val="1"/>
+        </dgm:presLayoutVars>
+      </dgm:prSet>
+      <dgm:spPr/>
+    </dgm:pt>
+    <dgm:pt modelId="{884773BF-3EEC-4E2C-BD90-BE967D29767E}" type="pres">
+      <dgm:prSet presAssocID="{7491B161-594F-47DB-A38E-5C367495C4D7}" presName="sibTrans" presStyleLbl="sibTrans2D1" presStyleIdx="8" presStyleCnt="9"/>
+      <dgm:spPr/>
+    </dgm:pt>
+    <dgm:pt modelId="{31D99CCD-19EE-414C-9D26-B08849B6578A}" type="pres">
+      <dgm:prSet presAssocID="{7491B161-594F-47DB-A38E-5C367495C4D7}" presName="connectorText" presStyleLbl="sibTrans2D1" presStyleIdx="8" presStyleCnt="9"/>
+      <dgm:spPr/>
+    </dgm:pt>
+    <dgm:pt modelId="{085112AC-EF81-4A27-AB3B-018D64C9BC48}" type="pres">
+      <dgm:prSet presAssocID="{458DE422-7182-49FA-AC63-603F6BA963CD}" presName="node" presStyleLbl="node1" presStyleIdx="9" presStyleCnt="10">
+        <dgm:presLayoutVars>
+          <dgm:bulletEnabled val="1"/>
+        </dgm:presLayoutVars>
+      </dgm:prSet>
+      <dgm:spPr/>
+    </dgm:pt>
+  </dgm:ptLst>
+  <dgm:cxnLst>
+    <dgm:cxn modelId="{DA1B9F0C-7B17-482C-ABE1-8E2CAB817CD3}" type="presOf" srcId="{2F2E8368-E66A-4658-AC1B-9B2430B328FA}" destId="{0C356950-761A-478D-95BF-61E5BB22A6E0}" srcOrd="0" destOrd="0" presId="urn:microsoft.com/office/officeart/2005/8/layout/process5"/>
+    <dgm:cxn modelId="{F1D4D811-4AE8-49F7-A369-8623A1B78FD0}" type="presOf" srcId="{D8F7DEA6-422A-4458-8FA4-87B2B4252F21}" destId="{2515F097-7BA6-460D-A3FC-E82F72415E60}" srcOrd="0" destOrd="0" presId="urn:microsoft.com/office/officeart/2005/8/layout/process5"/>
+    <dgm:cxn modelId="{3A12B012-269A-4C70-8F16-5C77931D2DD3}" type="presOf" srcId="{AFE4D107-1F63-4414-8179-8914AFCF3291}" destId="{F7B89015-C7AE-42B1-B65E-295EB5916715}" srcOrd="0" destOrd="0" presId="urn:microsoft.com/office/officeart/2005/8/layout/process5"/>
+    <dgm:cxn modelId="{DC2ECF14-2E0F-4C60-BC80-CFE699C1F4AC}" type="presOf" srcId="{D8F7DEA6-422A-4458-8FA4-87B2B4252F21}" destId="{4376FA62-8237-4E29-BDC5-AA36946A2F6A}" srcOrd="1" destOrd="0" presId="urn:microsoft.com/office/officeart/2005/8/layout/process5"/>
+    <dgm:cxn modelId="{55638318-8C15-425E-9117-C94329E7160F}" srcId="{5548BC6F-A0FA-4967-BC06-6D65037F1634}" destId="{3D673D41-6EEB-4F54-B8DF-341C1C80AB89}" srcOrd="4" destOrd="0" parTransId="{B2522A1D-8A64-44AB-8637-162F98CF4334}" sibTransId="{BED08684-68B7-40A8-AA8C-51B90BF84CBB}"/>
+    <dgm:cxn modelId="{CA138119-4865-4491-9271-B2E274F93C6D}" type="presOf" srcId="{6D052C14-AED3-449E-B6B5-7EEB45D00312}" destId="{FBBA705E-CBD5-4535-B5C2-04A958881B11}" srcOrd="1" destOrd="0" presId="urn:microsoft.com/office/officeart/2005/8/layout/process5"/>
+    <dgm:cxn modelId="{2464D821-056C-4C7F-8885-2DDDCB58E8E6}" type="presOf" srcId="{7C3BA9A9-9A2F-45A8-B94F-A7C49E634DF8}" destId="{1638E9F8-3568-4DE7-A502-CE8438BCE3FF}" srcOrd="1" destOrd="0" presId="urn:microsoft.com/office/officeart/2005/8/layout/process5"/>
+    <dgm:cxn modelId="{1CF34927-432B-49FE-9431-BAC82614279D}" srcId="{5548BC6F-A0FA-4967-BC06-6D65037F1634}" destId="{2F2E8368-E66A-4658-AC1B-9B2430B328FA}" srcOrd="2" destOrd="0" parTransId="{9E3F9EE0-6989-4065-B6B5-CED4F35791D3}" sibTransId="{6D052C14-AED3-449E-B6B5-7EEB45D00312}"/>
+    <dgm:cxn modelId="{0956E333-4E0B-4505-A9AB-5ECA52156E3E}" type="presOf" srcId="{7E24A202-B17E-410F-B7CE-0704FC10E587}" destId="{93C3EC49-6AA8-4708-A1A9-9DB8455CEE57}" srcOrd="1" destOrd="0" presId="urn:microsoft.com/office/officeart/2005/8/layout/process5"/>
+    <dgm:cxn modelId="{7C2E663A-AD52-42C4-9B34-333C8E880CAE}" srcId="{5548BC6F-A0FA-4967-BC06-6D65037F1634}" destId="{7E9C752F-D371-4E33-8520-25EA04A3181C}" srcOrd="0" destOrd="0" parTransId="{7F983274-4FC2-4E64-A418-CC805A15DA63}" sibTransId="{7C3BA9A9-9A2F-45A8-B94F-A7C49E634DF8}"/>
+    <dgm:cxn modelId="{1C192E3D-DC3F-4FE1-8A85-348D1AFA904E}" type="presOf" srcId="{BED08684-68B7-40A8-AA8C-51B90BF84CBB}" destId="{EC85DCC7-A2A0-4A37-B02D-12F6F6A99043}" srcOrd="1" destOrd="0" presId="urn:microsoft.com/office/officeart/2005/8/layout/process5"/>
+    <dgm:cxn modelId="{B3274444-1AB6-42F8-97CB-7936D873F718}" type="presOf" srcId="{6D052C14-AED3-449E-B6B5-7EEB45D00312}" destId="{84A341A3-9833-460A-85B7-924699C5D6A5}" srcOrd="0" destOrd="0" presId="urn:microsoft.com/office/officeart/2005/8/layout/process5"/>
+    <dgm:cxn modelId="{5585E744-2925-44B9-A2B8-E81F83F0EC9A}" srcId="{5548BC6F-A0FA-4967-BC06-6D65037F1634}" destId="{378E96DE-2840-44B1-9383-F79F4705C9CE}" srcOrd="5" destOrd="0" parTransId="{7A2F330F-0A68-4CF2-8747-A70F37006AD4}" sibTransId="{D5791BD1-AB3C-4C32-8116-59C2F331BC84}"/>
+    <dgm:cxn modelId="{9E3CA04B-3941-479D-8E1A-66F6DD509DC7}" type="presOf" srcId="{F4DEAB5C-D010-4220-B8EC-3CAA89F3039F}" destId="{81446A5D-7275-463B-B813-719E5109EE4A}" srcOrd="0" destOrd="0" presId="urn:microsoft.com/office/officeart/2005/8/layout/process5"/>
+    <dgm:cxn modelId="{F8B7CE6D-AB31-4B7E-BF75-F0D9E7F7F1C6}" type="presOf" srcId="{DE8892FA-B991-40C5-8F6F-D1F124423914}" destId="{092AC577-5B19-489A-89E0-C78BF39B273C}" srcOrd="0" destOrd="0" presId="urn:microsoft.com/office/officeart/2005/8/layout/process5"/>
+    <dgm:cxn modelId="{48080E71-2201-425A-8CCB-1335425185A6}" type="presOf" srcId="{DE8892FA-B991-40C5-8F6F-D1F124423914}" destId="{9E6EBE29-0086-4FBB-B664-60EE8EBAE83E}" srcOrd="1" destOrd="0" presId="urn:microsoft.com/office/officeart/2005/8/layout/process5"/>
+    <dgm:cxn modelId="{5FF63473-93F6-43CC-92F7-4936A0295D4E}" type="presOf" srcId="{3D673D41-6EEB-4F54-B8DF-341C1C80AB89}" destId="{D90DF5CD-6A3F-46C5-BEF3-3131562523F3}" srcOrd="0" destOrd="0" presId="urn:microsoft.com/office/officeart/2005/8/layout/process5"/>
+    <dgm:cxn modelId="{689DBC57-80AA-4498-8AF5-C7759CF4DA0B}" srcId="{5548BC6F-A0FA-4967-BC06-6D65037F1634}" destId="{F4DEAB5C-D010-4220-B8EC-3CAA89F3039F}" srcOrd="6" destOrd="0" parTransId="{B7C47D2B-7B85-4152-BD6C-ACB26474D24E}" sibTransId="{7E24A202-B17E-410F-B7CE-0704FC10E587}"/>
+    <dgm:cxn modelId="{85F30A59-EE06-4908-8C96-349A7D6B9F19}" type="presOf" srcId="{4B0742DA-5665-4E60-AED3-12C0D85014C5}" destId="{5EFB34DE-DEE5-4D28-8A84-CF2EB844CB06}" srcOrd="1" destOrd="0" presId="urn:microsoft.com/office/officeart/2005/8/layout/process5"/>
+    <dgm:cxn modelId="{5315617D-C841-49BB-AB64-F6DFAA751D40}" srcId="{5548BC6F-A0FA-4967-BC06-6D65037F1634}" destId="{458DE422-7182-49FA-AC63-603F6BA963CD}" srcOrd="9" destOrd="0" parTransId="{9B366C5A-5D50-4783-90F9-FD04A9F0D301}" sibTransId="{156C0B40-12AE-4D70-ABF5-B4F9647F4BEE}"/>
+    <dgm:cxn modelId="{7A09808A-0DEB-4C28-B62D-8467C97F3238}" type="presOf" srcId="{2FE79735-C4FE-46D9-8129-82259B69227A}" destId="{86147A43-7AF4-456F-B699-FC92C05E46E0}" srcOrd="0" destOrd="0" presId="urn:microsoft.com/office/officeart/2005/8/layout/process5"/>
+    <dgm:cxn modelId="{594FF295-FFD4-47D8-86A6-144DEC4A342F}" type="presOf" srcId="{81C6249F-272B-4578-8F9C-BB9530D9002E}" destId="{A445CBA9-0AF7-47A4-A8F6-96C8670363D5}" srcOrd="0" destOrd="0" presId="urn:microsoft.com/office/officeart/2005/8/layout/process5"/>
+    <dgm:cxn modelId="{C7D66D9C-5C82-4C8A-A58C-6447419EEDE8}" type="presOf" srcId="{7491B161-594F-47DB-A38E-5C367495C4D7}" destId="{31D99CCD-19EE-414C-9D26-B08849B6578A}" srcOrd="1" destOrd="0" presId="urn:microsoft.com/office/officeart/2005/8/layout/process5"/>
+    <dgm:cxn modelId="{6DEFF7A6-02DD-4D73-99D3-1683B961A3E9}" type="presOf" srcId="{7E24A202-B17E-410F-B7CE-0704FC10E587}" destId="{CDF87EE7-6E3D-4758-B26D-0C01D8D1013C}" srcOrd="0" destOrd="0" presId="urn:microsoft.com/office/officeart/2005/8/layout/process5"/>
+    <dgm:cxn modelId="{32C5CAA9-06C5-45CA-8C02-538FE8498B42}" type="presOf" srcId="{D5791BD1-AB3C-4C32-8116-59C2F331BC84}" destId="{FE8B2BF6-340B-4353-A9FC-97979E8A3BEE}" srcOrd="0" destOrd="0" presId="urn:microsoft.com/office/officeart/2005/8/layout/process5"/>
+    <dgm:cxn modelId="{47C42AB5-BB8A-493E-B73B-66E069EF0316}" type="presOf" srcId="{6AF2FC89-BB19-4BEE-800C-0DCF360F233E}" destId="{64C113E3-79D8-4900-89B7-0D5AB3F7BA83}" srcOrd="0" destOrd="0" presId="urn:microsoft.com/office/officeart/2005/8/layout/process5"/>
+    <dgm:cxn modelId="{32CE9FB5-EC47-4DB6-8B8C-DF58EC531178}" type="presOf" srcId="{4B0742DA-5665-4E60-AED3-12C0D85014C5}" destId="{FDA0C10D-E718-436E-B7BD-A98799EB7CE8}" srcOrd="0" destOrd="0" presId="urn:microsoft.com/office/officeart/2005/8/layout/process5"/>
+    <dgm:cxn modelId="{5EF6B7B5-1ABB-43D8-8164-18CF8A1B00F8}" type="presOf" srcId="{D5791BD1-AB3C-4C32-8116-59C2F331BC84}" destId="{5B68E46A-439A-4DB1-929C-84D3E51EE5B4}" srcOrd="1" destOrd="0" presId="urn:microsoft.com/office/officeart/2005/8/layout/process5"/>
+    <dgm:cxn modelId="{3B89ABC1-D4CD-4313-BEFA-DB3C057061C5}" type="presOf" srcId="{5548BC6F-A0FA-4967-BC06-6D65037F1634}" destId="{49313AA9-5442-4423-BC16-40F7249AED6A}" srcOrd="0" destOrd="0" presId="urn:microsoft.com/office/officeart/2005/8/layout/process5"/>
+    <dgm:cxn modelId="{592A19C9-14EC-4896-94EE-FD487F175F0D}" type="presOf" srcId="{378E96DE-2840-44B1-9383-F79F4705C9CE}" destId="{508B679C-1548-4AC4-AE7F-F43C31C58C75}" srcOrd="0" destOrd="0" presId="urn:microsoft.com/office/officeart/2005/8/layout/process5"/>
+    <dgm:cxn modelId="{35E578C9-C981-4A4F-93B5-4EB8ABCC1BD3}" srcId="{5548BC6F-A0FA-4967-BC06-6D65037F1634}" destId="{81C6249F-272B-4578-8F9C-BB9530D9002E}" srcOrd="7" destOrd="0" parTransId="{55068D17-695A-40F5-908E-5DA45DCD29F6}" sibTransId="{4B0742DA-5665-4E60-AED3-12C0D85014C5}"/>
+    <dgm:cxn modelId="{32BD25D3-7235-41FA-A44C-F4296C810D0A}" type="presOf" srcId="{458DE422-7182-49FA-AC63-603F6BA963CD}" destId="{085112AC-EF81-4A27-AB3B-018D64C9BC48}" srcOrd="0" destOrd="0" presId="urn:microsoft.com/office/officeart/2005/8/layout/process5"/>
+    <dgm:cxn modelId="{B23685EB-28E0-4B53-B86D-4AE989A26D8A}" type="presOf" srcId="{7491B161-594F-47DB-A38E-5C367495C4D7}" destId="{884773BF-3EEC-4E2C-BD90-BE967D29767E}" srcOrd="0" destOrd="0" presId="urn:microsoft.com/office/officeart/2005/8/layout/process5"/>
+    <dgm:cxn modelId="{F7DCC1F3-5F8F-4FC5-BB4C-3871ECDE34A8}" type="presOf" srcId="{BED08684-68B7-40A8-AA8C-51B90BF84CBB}" destId="{5ECFB207-70DA-4BCC-A3F4-EEB0BF7ED763}" srcOrd="0" destOrd="0" presId="urn:microsoft.com/office/officeart/2005/8/layout/process5"/>
+    <dgm:cxn modelId="{B32C0EF8-B25D-49DF-AA2F-364D73DF4BDF}" type="presOf" srcId="{7C3BA9A9-9A2F-45A8-B94F-A7C49E634DF8}" destId="{42988CB7-9E6C-480C-A58B-F61C9D2EEEAA}" srcOrd="0" destOrd="0" presId="urn:microsoft.com/office/officeart/2005/8/layout/process5"/>
+    <dgm:cxn modelId="{5147A3F8-6103-41AD-84D7-0706B98D28EA}" srcId="{5548BC6F-A0FA-4967-BC06-6D65037F1634}" destId="{6AF2FC89-BB19-4BEE-800C-0DCF360F233E}" srcOrd="1" destOrd="0" parTransId="{C85358D8-DBCC-4D16-BC1F-705E8D31DA48}" sibTransId="{DE8892FA-B991-40C5-8F6F-D1F124423914}"/>
+    <dgm:cxn modelId="{F18270FC-F414-47FA-A594-9792E91EB69B}" type="presOf" srcId="{7E9C752F-D371-4E33-8520-25EA04A3181C}" destId="{7E48BE7F-F1B5-43E9-8E70-B11FA01AF673}" srcOrd="0" destOrd="0" presId="urn:microsoft.com/office/officeart/2005/8/layout/process5"/>
+    <dgm:cxn modelId="{3F4279FF-59D5-4C91-9FFF-DA7D5010C020}" srcId="{5548BC6F-A0FA-4967-BC06-6D65037F1634}" destId="{AFE4D107-1F63-4414-8179-8914AFCF3291}" srcOrd="8" destOrd="0" parTransId="{64FC7D5B-6C54-4181-BD24-E4BD80485E89}" sibTransId="{7491B161-594F-47DB-A38E-5C367495C4D7}"/>
+    <dgm:cxn modelId="{ACD48FFF-C241-40D7-8DC3-81F94D8AC39D}" srcId="{5548BC6F-A0FA-4967-BC06-6D65037F1634}" destId="{2FE79735-C4FE-46D9-8129-82259B69227A}" srcOrd="3" destOrd="0" parTransId="{6CB7ED75-F020-4D40-AAEB-2C39CF7EEB0A}" sibTransId="{D8F7DEA6-422A-4458-8FA4-87B2B4252F21}"/>
+    <dgm:cxn modelId="{9BCCFEC7-1A9E-4FDD-B3A7-9AD0D99681D8}" type="presParOf" srcId="{49313AA9-5442-4423-BC16-40F7249AED6A}" destId="{7E48BE7F-F1B5-43E9-8E70-B11FA01AF673}" srcOrd="0" destOrd="0" presId="urn:microsoft.com/office/officeart/2005/8/layout/process5"/>
+    <dgm:cxn modelId="{C3F1F460-A9E9-4851-BBD6-5003E996EE90}" type="presParOf" srcId="{49313AA9-5442-4423-BC16-40F7249AED6A}" destId="{42988CB7-9E6C-480C-A58B-F61C9D2EEEAA}" srcOrd="1" destOrd="0" presId="urn:microsoft.com/office/officeart/2005/8/layout/process5"/>
+    <dgm:cxn modelId="{008FF466-7EE1-497D-AA44-DA58C641288D}" type="presParOf" srcId="{42988CB7-9E6C-480C-A58B-F61C9D2EEEAA}" destId="{1638E9F8-3568-4DE7-A502-CE8438BCE3FF}" srcOrd="0" destOrd="0" presId="urn:microsoft.com/office/officeart/2005/8/layout/process5"/>
+    <dgm:cxn modelId="{23F0AFFD-B08E-4706-8D43-E80A7E07E4C2}" type="presParOf" srcId="{49313AA9-5442-4423-BC16-40F7249AED6A}" destId="{64C113E3-79D8-4900-89B7-0D5AB3F7BA83}" srcOrd="2" destOrd="0" presId="urn:microsoft.com/office/officeart/2005/8/layout/process5"/>
+    <dgm:cxn modelId="{FD4C61FD-8F4D-46CB-B6C1-10CC4D2B2A38}" type="presParOf" srcId="{49313AA9-5442-4423-BC16-40F7249AED6A}" destId="{092AC577-5B19-489A-89E0-C78BF39B273C}" srcOrd="3" destOrd="0" presId="urn:microsoft.com/office/officeart/2005/8/layout/process5"/>
+    <dgm:cxn modelId="{9EDE670E-C50A-4C16-BEA7-AEAE7574E599}" type="presParOf" srcId="{092AC577-5B19-489A-89E0-C78BF39B273C}" destId="{9E6EBE29-0086-4FBB-B664-60EE8EBAE83E}" srcOrd="0" destOrd="0" presId="urn:microsoft.com/office/officeart/2005/8/layout/process5"/>
+    <dgm:cxn modelId="{FFFBB9E5-ED13-45C1-8C67-8EE0E4498EEA}" type="presParOf" srcId="{49313AA9-5442-4423-BC16-40F7249AED6A}" destId="{0C356950-761A-478D-95BF-61E5BB22A6E0}" srcOrd="4" destOrd="0" presId="urn:microsoft.com/office/officeart/2005/8/layout/process5"/>
+    <dgm:cxn modelId="{479F1CC8-5B36-4333-BBC8-F59FB67D5425}" type="presParOf" srcId="{49313AA9-5442-4423-BC16-40F7249AED6A}" destId="{84A341A3-9833-460A-85B7-924699C5D6A5}" srcOrd="5" destOrd="0" presId="urn:microsoft.com/office/officeart/2005/8/layout/process5"/>
+    <dgm:cxn modelId="{D5945D8C-2E11-4373-9244-B601F973B962}" type="presParOf" srcId="{84A341A3-9833-460A-85B7-924699C5D6A5}" destId="{FBBA705E-CBD5-4535-B5C2-04A958881B11}" srcOrd="0" destOrd="0" presId="urn:microsoft.com/office/officeart/2005/8/layout/process5"/>
+    <dgm:cxn modelId="{38E37CEB-24FC-4C95-878D-BE4524608BFC}" type="presParOf" srcId="{49313AA9-5442-4423-BC16-40F7249AED6A}" destId="{86147A43-7AF4-456F-B699-FC92C05E46E0}" srcOrd="6" destOrd="0" presId="urn:microsoft.com/office/officeart/2005/8/layout/process5"/>
+    <dgm:cxn modelId="{FEB44895-5090-4388-8AB3-0DB8F006E33A}" type="presParOf" srcId="{49313AA9-5442-4423-BC16-40F7249AED6A}" destId="{2515F097-7BA6-460D-A3FC-E82F72415E60}" srcOrd="7" destOrd="0" presId="urn:microsoft.com/office/officeart/2005/8/layout/process5"/>
+    <dgm:cxn modelId="{8F6D273C-DC45-4968-8BF3-5CE8360FB4C3}" type="presParOf" srcId="{2515F097-7BA6-460D-A3FC-E82F72415E60}" destId="{4376FA62-8237-4E29-BDC5-AA36946A2F6A}" srcOrd="0" destOrd="0" presId="urn:microsoft.com/office/officeart/2005/8/layout/process5"/>
+    <dgm:cxn modelId="{22C9C78A-9500-4981-877F-771B088A3A86}" type="presParOf" srcId="{49313AA9-5442-4423-BC16-40F7249AED6A}" destId="{D90DF5CD-6A3F-46C5-BEF3-3131562523F3}" srcOrd="8" destOrd="0" presId="urn:microsoft.com/office/officeart/2005/8/layout/process5"/>
+    <dgm:cxn modelId="{DF3356E9-DDF7-4552-A912-B007794C647A}" type="presParOf" srcId="{49313AA9-5442-4423-BC16-40F7249AED6A}" destId="{5ECFB207-70DA-4BCC-A3F4-EEB0BF7ED763}" srcOrd="9" destOrd="0" presId="urn:microsoft.com/office/officeart/2005/8/layout/process5"/>
+    <dgm:cxn modelId="{265B8BC9-8846-4B8F-8010-9407F88E2907}" type="presParOf" srcId="{5ECFB207-70DA-4BCC-A3F4-EEB0BF7ED763}" destId="{EC85DCC7-A2A0-4A37-B02D-12F6F6A99043}" srcOrd="0" destOrd="0" presId="urn:microsoft.com/office/officeart/2005/8/layout/process5"/>
+    <dgm:cxn modelId="{8630E762-B110-4E8A-85A0-3344EB0ABF60}" type="presParOf" srcId="{49313AA9-5442-4423-BC16-40F7249AED6A}" destId="{508B679C-1548-4AC4-AE7F-F43C31C58C75}" srcOrd="10" destOrd="0" presId="urn:microsoft.com/office/officeart/2005/8/layout/process5"/>
+    <dgm:cxn modelId="{803A2559-0ECF-40C6-B2AF-968F32B68E2B}" type="presParOf" srcId="{49313AA9-5442-4423-BC16-40F7249AED6A}" destId="{FE8B2BF6-340B-4353-A9FC-97979E8A3BEE}" srcOrd="11" destOrd="0" presId="urn:microsoft.com/office/officeart/2005/8/layout/process5"/>
+    <dgm:cxn modelId="{D739117E-5DB4-44C9-AA44-90E1CB963D18}" type="presParOf" srcId="{FE8B2BF6-340B-4353-A9FC-97979E8A3BEE}" destId="{5B68E46A-439A-4DB1-929C-84D3E51EE5B4}" srcOrd="0" destOrd="0" presId="urn:microsoft.com/office/officeart/2005/8/layout/process5"/>
+    <dgm:cxn modelId="{E912582E-68F8-4752-B766-E4771A5EBC0C}" type="presParOf" srcId="{49313AA9-5442-4423-BC16-40F7249AED6A}" destId="{81446A5D-7275-463B-B813-719E5109EE4A}" srcOrd="12" destOrd="0" presId="urn:microsoft.com/office/officeart/2005/8/layout/process5"/>
+    <dgm:cxn modelId="{250F9BB7-43FE-4818-A83F-9B5B3BDDF2AB}" type="presParOf" srcId="{49313AA9-5442-4423-BC16-40F7249AED6A}" destId="{CDF87EE7-6E3D-4758-B26D-0C01D8D1013C}" srcOrd="13" destOrd="0" presId="urn:microsoft.com/office/officeart/2005/8/layout/process5"/>
+    <dgm:cxn modelId="{A5E27134-55E3-47CA-A894-9EF949F06963}" type="presParOf" srcId="{CDF87EE7-6E3D-4758-B26D-0C01D8D1013C}" destId="{93C3EC49-6AA8-4708-A1A9-9DB8455CEE57}" srcOrd="0" destOrd="0" presId="urn:microsoft.com/office/officeart/2005/8/layout/process5"/>
+    <dgm:cxn modelId="{9E9582DD-621F-49C6-8047-1E20419412BA}" type="presParOf" srcId="{49313AA9-5442-4423-BC16-40F7249AED6A}" destId="{A445CBA9-0AF7-47A4-A8F6-96C8670363D5}" srcOrd="14" destOrd="0" presId="urn:microsoft.com/office/officeart/2005/8/layout/process5"/>
+    <dgm:cxn modelId="{3DDB0F68-FFB0-41FA-B1C1-75D0092039C1}" type="presParOf" srcId="{49313AA9-5442-4423-BC16-40F7249AED6A}" destId="{FDA0C10D-E718-436E-B7BD-A98799EB7CE8}" srcOrd="15" destOrd="0" presId="urn:microsoft.com/office/officeart/2005/8/layout/process5"/>
+    <dgm:cxn modelId="{04E7C97C-5975-4CA5-8140-E97E486E8BD5}" type="presParOf" srcId="{FDA0C10D-E718-436E-B7BD-A98799EB7CE8}" destId="{5EFB34DE-DEE5-4D28-8A84-CF2EB844CB06}" srcOrd="0" destOrd="0" presId="urn:microsoft.com/office/officeart/2005/8/layout/process5"/>
+    <dgm:cxn modelId="{33393F1B-4EF5-423B-A9C9-13EBA1F6B5E8}" type="presParOf" srcId="{49313AA9-5442-4423-BC16-40F7249AED6A}" destId="{F7B89015-C7AE-42B1-B65E-295EB5916715}" srcOrd="16" destOrd="0" presId="urn:microsoft.com/office/officeart/2005/8/layout/process5"/>
+    <dgm:cxn modelId="{A1A44DA4-7DFA-4F7D-95B3-1711B863CEB6}" type="presParOf" srcId="{49313AA9-5442-4423-BC16-40F7249AED6A}" destId="{884773BF-3EEC-4E2C-BD90-BE967D29767E}" srcOrd="17" destOrd="0" presId="urn:microsoft.com/office/officeart/2005/8/layout/process5"/>
+    <dgm:cxn modelId="{3A5C7303-AF65-4CCA-8E67-01B3DE6E6618}" type="presParOf" srcId="{884773BF-3EEC-4E2C-BD90-BE967D29767E}" destId="{31D99CCD-19EE-414C-9D26-B08849B6578A}" srcOrd="0" destOrd="0" presId="urn:microsoft.com/office/officeart/2005/8/layout/process5"/>
+    <dgm:cxn modelId="{D4CF7444-718D-4262-8123-41D6B2A050BB}" type="presParOf" srcId="{49313AA9-5442-4423-BC16-40F7249AED6A}" destId="{085112AC-EF81-4A27-AB3B-018D64C9BC48}" srcOrd="18" destOrd="0" presId="urn:microsoft.com/office/officeart/2005/8/layout/process5"/>
+  </dgm:cxnLst>
+  <dgm:bg/>
+  <dgm:whole/>
+  <dgm:extLst>
+    <a:ext uri="http://schemas.microsoft.com/office/drawing/2008/diagram">
+      <dsp:dataModelExt xmlns:dsp="http://schemas.microsoft.com/office/drawing/2008/diagram" relId="rId6" minVer="http://schemas.openxmlformats.org/drawingml/2006/diagram"/>
+    </a:ext>
+  </dgm:extLst>
+</dgm:dataModel>
+</file>
+
+<file path=ppt/diagrams/drawing1.xml><?xml version="1.0" encoding="utf-8"?>
+<dsp:drawing xmlns:dgm="http://schemas.openxmlformats.org/drawingml/2006/diagram" xmlns:dsp="http://schemas.microsoft.com/office/drawing/2008/diagram" xmlns:a="http://schemas.openxmlformats.org/drawingml/2006/main">
+  <dsp:spTree>
+    <dsp:nvGrpSpPr>
+      <dsp:cNvPr id="0" name=""/>
+      <dsp:cNvGrpSpPr/>
+    </dsp:nvGrpSpPr>
+    <dsp:grpSpPr/>
+    <dsp:sp modelId="{7E48BE7F-F1B5-43E9-8E70-B11FA01AF673}">
+      <dsp:nvSpPr>
+        <dsp:cNvPr id="0" name=""/>
+        <dsp:cNvSpPr/>
+      </dsp:nvSpPr>
+      <dsp:spPr>
+        <a:xfrm>
+          <a:off x="3571" y="679119"/>
+          <a:ext cx="1561703" cy="937021"/>
+        </a:xfrm>
+        <a:prstGeom prst="roundRect">
+          <a:avLst>
+            <a:gd name="adj" fmla="val 10000"/>
+          </a:avLst>
+        </a:prstGeom>
+        <a:solidFill>
+          <a:schemeClr val="lt1">
+            <a:hueOff val="0"/>
+            <a:satOff val="0"/>
+            <a:lumOff val="0"/>
+            <a:alphaOff val="0"/>
+          </a:schemeClr>
+        </a:solidFill>
+        <a:ln w="12700" cap="flat" cmpd="sng" algn="ctr">
+          <a:solidFill>
+            <a:schemeClr val="dk1">
+              <a:shade val="80000"/>
+              <a:hueOff val="0"/>
+              <a:satOff val="0"/>
+              <a:lumOff val="0"/>
+              <a:alphaOff val="0"/>
+            </a:schemeClr>
+          </a:solidFill>
+          <a:prstDash val="solid"/>
+          <a:miter lim="800000"/>
+        </a:ln>
+        <a:effectLst/>
+      </dsp:spPr>
+      <dsp:style>
+        <a:lnRef idx="2">
+          <a:scrgbClr r="0" g="0" b="0"/>
+        </a:lnRef>
+        <a:fillRef idx="1">
+          <a:scrgbClr r="0" g="0" b="0"/>
+        </a:fillRef>
+        <a:effectRef idx="0">
+          <a:scrgbClr r="0" g="0" b="0"/>
+        </a:effectRef>
+        <a:fontRef idx="minor">
+          <a:schemeClr val="lt1"/>
+        </a:fontRef>
+      </dsp:style>
+      <dsp:txBody>
+        <a:bodyPr spcFirstLastPara="0" vert="horz" wrap="square" lIns="45720" tIns="45720" rIns="45720" bIns="45720" numCol="1" spcCol="1270" anchor="ctr" anchorCtr="0">
+          <a:noAutofit/>
+        </a:bodyPr>
+        <a:lstStyle/>
+        <a:p>
+          <a:pPr marL="0" lvl="0" indent="0" algn="ctr" defTabSz="533400">
+            <a:lnSpc>
+              <a:spcPct val="90000"/>
+            </a:lnSpc>
+            <a:spcBef>
+              <a:spcPct val="0"/>
+            </a:spcBef>
+            <a:spcAft>
+              <a:spcPct val="35000"/>
+            </a:spcAft>
+            <a:buNone/>
+          </a:pPr>
+          <a:r>
+            <a:rPr lang="de-DE" sz="1200" kern="1200">
+              <a:latin typeface="Arial" panose="020B0604020202020204" pitchFamily="34" charset="0"/>
+              <a:cs typeface="Arial" panose="020B0604020202020204" pitchFamily="34" charset="0"/>
+            </a:rPr>
+            <a:t>Motorwelle</a:t>
+          </a:r>
+          <a:endParaRPr lang="de-DE" sz="1200" kern="1200" dirty="0">
+            <a:latin typeface="Arial" panose="020B0604020202020204" pitchFamily="34" charset="0"/>
+            <a:cs typeface="Arial" panose="020B0604020202020204" pitchFamily="34" charset="0"/>
+          </a:endParaRPr>
+        </a:p>
+      </dsp:txBody>
+      <dsp:txXfrm>
+        <a:off x="31015" y="706563"/>
+        <a:ext cx="1506815" cy="882133"/>
+      </dsp:txXfrm>
+    </dsp:sp>
+    <dsp:sp modelId="{42988CB7-9E6C-480C-A58B-F61C9D2EEEAA}">
+      <dsp:nvSpPr>
+        <dsp:cNvPr id="0" name=""/>
+        <dsp:cNvSpPr/>
+      </dsp:nvSpPr>
+      <dsp:spPr>
+        <a:xfrm>
+          <a:off x="1702704" y="953979"/>
+          <a:ext cx="331081" cy="387302"/>
+        </a:xfrm>
+        <a:prstGeom prst="rightArrow">
+          <a:avLst>
+            <a:gd name="adj1" fmla="val 60000"/>
+            <a:gd name="adj2" fmla="val 50000"/>
+          </a:avLst>
+        </a:prstGeom>
+        <a:solidFill>
+          <a:schemeClr val="dk1">
+            <a:tint val="60000"/>
+            <a:hueOff val="0"/>
+            <a:satOff val="0"/>
+            <a:lumOff val="0"/>
+            <a:alphaOff val="0"/>
+          </a:schemeClr>
+        </a:solidFill>
+        <a:ln>
+          <a:noFill/>
+        </a:ln>
+        <a:effectLst/>
+      </dsp:spPr>
+      <dsp:style>
+        <a:lnRef idx="0">
+          <a:scrgbClr r="0" g="0" b="0"/>
+        </a:lnRef>
+        <a:fillRef idx="1">
+          <a:scrgbClr r="0" g="0" b="0"/>
+        </a:fillRef>
+        <a:effectRef idx="0">
+          <a:scrgbClr r="0" g="0" b="0"/>
+        </a:effectRef>
+        <a:fontRef idx="minor">
+          <a:schemeClr val="lt1"/>
+        </a:fontRef>
+      </dsp:style>
+      <dsp:txBody>
+        <a:bodyPr spcFirstLastPara="0" vert="horz" wrap="square" lIns="0" tIns="0" rIns="0" bIns="0" numCol="1" spcCol="1270" anchor="ctr" anchorCtr="0">
+          <a:noAutofit/>
+        </a:bodyPr>
+        <a:lstStyle/>
+        <a:p>
+          <a:pPr marL="0" lvl="0" indent="0" algn="ctr" defTabSz="444500">
+            <a:lnSpc>
+              <a:spcPct val="90000"/>
+            </a:lnSpc>
+            <a:spcBef>
+              <a:spcPct val="0"/>
+            </a:spcBef>
+            <a:spcAft>
+              <a:spcPct val="35000"/>
+            </a:spcAft>
+            <a:buNone/>
+          </a:pPr>
+          <a:endParaRPr lang="de-DE" sz="1000" kern="1200">
+            <a:latin typeface="Arial" panose="020B0604020202020204" pitchFamily="34" charset="0"/>
+            <a:cs typeface="Arial" panose="020B0604020202020204" pitchFamily="34" charset="0"/>
+          </a:endParaRPr>
+        </a:p>
+      </dsp:txBody>
+      <dsp:txXfrm>
+        <a:off x="1702704" y="1031439"/>
+        <a:ext cx="231757" cy="232382"/>
+      </dsp:txXfrm>
+    </dsp:sp>
+    <dsp:sp modelId="{64C113E3-79D8-4900-89B7-0D5AB3F7BA83}">
+      <dsp:nvSpPr>
+        <dsp:cNvPr id="0" name=""/>
+        <dsp:cNvSpPr/>
+      </dsp:nvSpPr>
+      <dsp:spPr>
+        <a:xfrm>
+          <a:off x="2189956" y="679119"/>
+          <a:ext cx="1561703" cy="937021"/>
+        </a:xfrm>
+        <a:prstGeom prst="roundRect">
+          <a:avLst>
+            <a:gd name="adj" fmla="val 10000"/>
+          </a:avLst>
+        </a:prstGeom>
+        <a:solidFill>
+          <a:schemeClr val="lt1">
+            <a:hueOff val="0"/>
+            <a:satOff val="0"/>
+            <a:lumOff val="0"/>
+            <a:alphaOff val="0"/>
+          </a:schemeClr>
+        </a:solidFill>
+        <a:ln w="12700" cap="flat" cmpd="sng" algn="ctr">
+          <a:solidFill>
+            <a:schemeClr val="dk1">
+              <a:shade val="80000"/>
+              <a:hueOff val="0"/>
+              <a:satOff val="0"/>
+              <a:lumOff val="0"/>
+              <a:alphaOff val="0"/>
+            </a:schemeClr>
+          </a:solidFill>
+          <a:prstDash val="solid"/>
+          <a:miter lim="800000"/>
+        </a:ln>
+        <a:effectLst/>
+      </dsp:spPr>
+      <dsp:style>
+        <a:lnRef idx="2">
+          <a:scrgbClr r="0" g="0" b="0"/>
+        </a:lnRef>
+        <a:fillRef idx="1">
+          <a:scrgbClr r="0" g="0" b="0"/>
+        </a:fillRef>
+        <a:effectRef idx="0">
+          <a:scrgbClr r="0" g="0" b="0"/>
+        </a:effectRef>
+        <a:fontRef idx="minor">
+          <a:schemeClr val="lt1"/>
+        </a:fontRef>
+      </dsp:style>
+      <dsp:txBody>
+        <a:bodyPr spcFirstLastPara="0" vert="horz" wrap="square" lIns="45720" tIns="45720" rIns="45720" bIns="45720" numCol="1" spcCol="1270" anchor="ctr" anchorCtr="0">
+          <a:noAutofit/>
+        </a:bodyPr>
+        <a:lstStyle/>
+        <a:p>
+          <a:pPr marL="0" lvl="0" indent="0" algn="ctr" defTabSz="533400">
+            <a:lnSpc>
+              <a:spcPct val="90000"/>
+            </a:lnSpc>
+            <a:spcBef>
+              <a:spcPct val="0"/>
+            </a:spcBef>
+            <a:spcAft>
+              <a:spcPct val="35000"/>
+            </a:spcAft>
+            <a:buNone/>
+          </a:pPr>
+          <a:r>
+            <a:rPr lang="de-DE" sz="1200" kern="1200">
+              <a:latin typeface="Arial" panose="020B0604020202020204" pitchFamily="34" charset="0"/>
+              <a:cs typeface="Arial" panose="020B0604020202020204" pitchFamily="34" charset="0"/>
+            </a:rPr>
+            <a:t>Passfeder</a:t>
+          </a:r>
+        </a:p>
+      </dsp:txBody>
+      <dsp:txXfrm>
+        <a:off x="2217400" y="706563"/>
+        <a:ext cx="1506815" cy="882133"/>
+      </dsp:txXfrm>
+    </dsp:sp>
+    <dsp:sp modelId="{092AC577-5B19-489A-89E0-C78BF39B273C}">
+      <dsp:nvSpPr>
+        <dsp:cNvPr id="0" name=""/>
+        <dsp:cNvSpPr/>
+      </dsp:nvSpPr>
+      <dsp:spPr>
+        <a:xfrm>
+          <a:off x="3889089" y="953979"/>
+          <a:ext cx="331081" cy="387302"/>
+        </a:xfrm>
+        <a:prstGeom prst="rightArrow">
+          <a:avLst>
+            <a:gd name="adj1" fmla="val 60000"/>
+            <a:gd name="adj2" fmla="val 50000"/>
+          </a:avLst>
+        </a:prstGeom>
+        <a:solidFill>
+          <a:schemeClr val="dk1">
+            <a:tint val="60000"/>
+            <a:hueOff val="0"/>
+            <a:satOff val="0"/>
+            <a:lumOff val="0"/>
+            <a:alphaOff val="0"/>
+          </a:schemeClr>
+        </a:solidFill>
+        <a:ln>
+          <a:noFill/>
+        </a:ln>
+        <a:effectLst/>
+      </dsp:spPr>
+      <dsp:style>
+        <a:lnRef idx="0">
+          <a:scrgbClr r="0" g="0" b="0"/>
+        </a:lnRef>
+        <a:fillRef idx="1">
+          <a:scrgbClr r="0" g="0" b="0"/>
+        </a:fillRef>
+        <a:effectRef idx="0">
+          <a:scrgbClr r="0" g="0" b="0"/>
+        </a:effectRef>
+        <a:fontRef idx="minor">
+          <a:schemeClr val="lt1"/>
+        </a:fontRef>
+      </dsp:style>
+      <dsp:txBody>
+        <a:bodyPr spcFirstLastPara="0" vert="horz" wrap="square" lIns="0" tIns="0" rIns="0" bIns="0" numCol="1" spcCol="1270" anchor="ctr" anchorCtr="0">
+          <a:noAutofit/>
+        </a:bodyPr>
+        <a:lstStyle/>
+        <a:p>
+          <a:pPr marL="0" lvl="0" indent="0" algn="ctr" defTabSz="444500">
+            <a:lnSpc>
+              <a:spcPct val="90000"/>
+            </a:lnSpc>
+            <a:spcBef>
+              <a:spcPct val="0"/>
+            </a:spcBef>
+            <a:spcAft>
+              <a:spcPct val="35000"/>
+            </a:spcAft>
+            <a:buNone/>
+          </a:pPr>
+          <a:endParaRPr lang="de-DE" sz="1000" kern="1200">
+            <a:latin typeface="Arial" panose="020B0604020202020204" pitchFamily="34" charset="0"/>
+            <a:cs typeface="Arial" panose="020B0604020202020204" pitchFamily="34" charset="0"/>
+          </a:endParaRPr>
+        </a:p>
+      </dsp:txBody>
+      <dsp:txXfrm>
+        <a:off x="3889089" y="1031439"/>
+        <a:ext cx="231757" cy="232382"/>
+      </dsp:txXfrm>
+    </dsp:sp>
+    <dsp:sp modelId="{0C356950-761A-478D-95BF-61E5BB22A6E0}">
+      <dsp:nvSpPr>
+        <dsp:cNvPr id="0" name=""/>
+        <dsp:cNvSpPr/>
+      </dsp:nvSpPr>
+      <dsp:spPr>
+        <a:xfrm>
+          <a:off x="4376340" y="679119"/>
+          <a:ext cx="1561703" cy="937021"/>
+        </a:xfrm>
+        <a:prstGeom prst="roundRect">
+          <a:avLst>
+            <a:gd name="adj" fmla="val 10000"/>
+          </a:avLst>
+        </a:prstGeom>
+        <a:solidFill>
+          <a:schemeClr val="lt1">
+            <a:hueOff val="0"/>
+            <a:satOff val="0"/>
+            <a:lumOff val="0"/>
+            <a:alphaOff val="0"/>
+          </a:schemeClr>
+        </a:solidFill>
+        <a:ln w="12700" cap="flat" cmpd="sng" algn="ctr">
+          <a:solidFill>
+            <a:schemeClr val="dk1">
+              <a:shade val="80000"/>
+              <a:hueOff val="0"/>
+              <a:satOff val="0"/>
+              <a:lumOff val="0"/>
+              <a:alphaOff val="0"/>
+            </a:schemeClr>
+          </a:solidFill>
+          <a:prstDash val="solid"/>
+          <a:miter lim="800000"/>
+        </a:ln>
+        <a:effectLst/>
+      </dsp:spPr>
+      <dsp:style>
+        <a:lnRef idx="2">
+          <a:scrgbClr r="0" g="0" b="0"/>
+        </a:lnRef>
+        <a:fillRef idx="1">
+          <a:scrgbClr r="0" g="0" b="0"/>
+        </a:fillRef>
+        <a:effectRef idx="0">
+          <a:scrgbClr r="0" g="0" b="0"/>
+        </a:effectRef>
+        <a:fontRef idx="minor">
+          <a:schemeClr val="lt1"/>
+        </a:fontRef>
+      </dsp:style>
+      <dsp:txBody>
+        <a:bodyPr spcFirstLastPara="0" vert="horz" wrap="square" lIns="45720" tIns="45720" rIns="45720" bIns="45720" numCol="1" spcCol="1270" anchor="ctr" anchorCtr="0">
+          <a:noAutofit/>
+        </a:bodyPr>
+        <a:lstStyle/>
+        <a:p>
+          <a:pPr marL="0" lvl="0" indent="0" algn="ctr" defTabSz="533400">
+            <a:lnSpc>
+              <a:spcPct val="90000"/>
+            </a:lnSpc>
+            <a:spcBef>
+              <a:spcPct val="0"/>
+            </a:spcBef>
+            <a:spcAft>
+              <a:spcPct val="35000"/>
+            </a:spcAft>
+            <a:buNone/>
+          </a:pPr>
+          <a:r>
+            <a:rPr lang="de-DE" sz="1200" kern="1200">
+              <a:latin typeface="Arial" panose="020B0604020202020204" pitchFamily="34" charset="0"/>
+              <a:cs typeface="Arial" panose="020B0604020202020204" pitchFamily="34" charset="0"/>
+            </a:rPr>
+            <a:t>Motorkettenrad</a:t>
+          </a:r>
+        </a:p>
+      </dsp:txBody>
+      <dsp:txXfrm>
+        <a:off x="4403784" y="706563"/>
+        <a:ext cx="1506815" cy="882133"/>
+      </dsp:txXfrm>
+    </dsp:sp>
+    <dsp:sp modelId="{84A341A3-9833-460A-85B7-924699C5D6A5}">
+      <dsp:nvSpPr>
+        <dsp:cNvPr id="0" name=""/>
+        <dsp:cNvSpPr/>
+      </dsp:nvSpPr>
+      <dsp:spPr>
+        <a:xfrm>
+          <a:off x="6075473" y="953979"/>
+          <a:ext cx="331081" cy="387302"/>
+        </a:xfrm>
+        <a:prstGeom prst="rightArrow">
+          <a:avLst>
+            <a:gd name="adj1" fmla="val 60000"/>
+            <a:gd name="adj2" fmla="val 50000"/>
+          </a:avLst>
+        </a:prstGeom>
+        <a:solidFill>
+          <a:schemeClr val="dk1">
+            <a:tint val="60000"/>
+            <a:hueOff val="0"/>
+            <a:satOff val="0"/>
+            <a:lumOff val="0"/>
+            <a:alphaOff val="0"/>
+          </a:schemeClr>
+        </a:solidFill>
+        <a:ln>
+          <a:noFill/>
+        </a:ln>
+        <a:effectLst/>
+      </dsp:spPr>
+      <dsp:style>
+        <a:lnRef idx="0">
+          <a:scrgbClr r="0" g="0" b="0"/>
+        </a:lnRef>
+        <a:fillRef idx="1">
+          <a:scrgbClr r="0" g="0" b="0"/>
+        </a:fillRef>
+        <a:effectRef idx="0">
+          <a:scrgbClr r="0" g="0" b="0"/>
+        </a:effectRef>
+        <a:fontRef idx="minor">
+          <a:schemeClr val="lt1"/>
+        </a:fontRef>
+      </dsp:style>
+      <dsp:txBody>
+        <a:bodyPr spcFirstLastPara="0" vert="horz" wrap="square" lIns="0" tIns="0" rIns="0" bIns="0" numCol="1" spcCol="1270" anchor="ctr" anchorCtr="0">
+          <a:noAutofit/>
+        </a:bodyPr>
+        <a:lstStyle/>
+        <a:p>
+          <a:pPr marL="0" lvl="0" indent="0" algn="ctr" defTabSz="444500">
+            <a:lnSpc>
+              <a:spcPct val="90000"/>
+            </a:lnSpc>
+            <a:spcBef>
+              <a:spcPct val="0"/>
+            </a:spcBef>
+            <a:spcAft>
+              <a:spcPct val="35000"/>
+            </a:spcAft>
+            <a:buNone/>
+          </a:pPr>
+          <a:endParaRPr lang="de-DE" sz="1000" kern="1200">
+            <a:latin typeface="Arial" panose="020B0604020202020204" pitchFamily="34" charset="0"/>
+            <a:cs typeface="Arial" panose="020B0604020202020204" pitchFamily="34" charset="0"/>
+          </a:endParaRPr>
+        </a:p>
+      </dsp:txBody>
+      <dsp:txXfrm>
+        <a:off x="6075473" y="1031439"/>
+        <a:ext cx="231757" cy="232382"/>
+      </dsp:txXfrm>
+    </dsp:sp>
+    <dsp:sp modelId="{86147A43-7AF4-456F-B699-FC92C05E46E0}">
+      <dsp:nvSpPr>
+        <dsp:cNvPr id="0" name=""/>
+        <dsp:cNvSpPr/>
+      </dsp:nvSpPr>
+      <dsp:spPr>
+        <a:xfrm>
+          <a:off x="6562724" y="679119"/>
+          <a:ext cx="1561703" cy="937021"/>
+        </a:xfrm>
+        <a:prstGeom prst="roundRect">
+          <a:avLst>
+            <a:gd name="adj" fmla="val 10000"/>
+          </a:avLst>
+        </a:prstGeom>
+        <a:solidFill>
+          <a:schemeClr val="lt1">
+            <a:hueOff val="0"/>
+            <a:satOff val="0"/>
+            <a:lumOff val="0"/>
+            <a:alphaOff val="0"/>
+          </a:schemeClr>
+        </a:solidFill>
+        <a:ln w="12700" cap="flat" cmpd="sng" algn="ctr">
+          <a:solidFill>
+            <a:schemeClr val="dk1">
+              <a:shade val="80000"/>
+              <a:hueOff val="0"/>
+              <a:satOff val="0"/>
+              <a:lumOff val="0"/>
+              <a:alphaOff val="0"/>
+            </a:schemeClr>
+          </a:solidFill>
+          <a:prstDash val="solid"/>
+          <a:miter lim="800000"/>
+        </a:ln>
+        <a:effectLst/>
+      </dsp:spPr>
+      <dsp:style>
+        <a:lnRef idx="2">
+          <a:scrgbClr r="0" g="0" b="0"/>
+        </a:lnRef>
+        <a:fillRef idx="1">
+          <a:scrgbClr r="0" g="0" b="0"/>
+        </a:fillRef>
+        <a:effectRef idx="0">
+          <a:scrgbClr r="0" g="0" b="0"/>
+        </a:effectRef>
+        <a:fontRef idx="minor">
+          <a:schemeClr val="lt1"/>
+        </a:fontRef>
+      </dsp:style>
+      <dsp:txBody>
+        <a:bodyPr spcFirstLastPara="0" vert="horz" wrap="square" lIns="45720" tIns="45720" rIns="45720" bIns="45720" numCol="1" spcCol="1270" anchor="ctr" anchorCtr="0">
+          <a:noAutofit/>
+        </a:bodyPr>
+        <a:lstStyle/>
+        <a:p>
+          <a:pPr marL="0" lvl="0" indent="0" algn="ctr" defTabSz="533400">
+            <a:lnSpc>
+              <a:spcPct val="90000"/>
+            </a:lnSpc>
+            <a:spcBef>
+              <a:spcPct val="0"/>
+            </a:spcBef>
+            <a:spcAft>
+              <a:spcPct val="35000"/>
+            </a:spcAft>
+            <a:buNone/>
+          </a:pPr>
+          <a:r>
+            <a:rPr lang="de-DE" sz="1200" kern="1200">
+              <a:latin typeface="Arial" panose="020B0604020202020204" pitchFamily="34" charset="0"/>
+              <a:cs typeface="Arial" panose="020B0604020202020204" pitchFamily="34" charset="0"/>
+            </a:rPr>
+            <a:t>Dreifachrollenkette</a:t>
+          </a:r>
+        </a:p>
+      </dsp:txBody>
+      <dsp:txXfrm>
+        <a:off x="6590168" y="706563"/>
+        <a:ext cx="1506815" cy="882133"/>
+      </dsp:txXfrm>
+    </dsp:sp>
+    <dsp:sp modelId="{2515F097-7BA6-460D-A3FC-E82F72415E60}">
+      <dsp:nvSpPr>
+        <dsp:cNvPr id="0" name=""/>
+        <dsp:cNvSpPr/>
+      </dsp:nvSpPr>
+      <dsp:spPr>
+        <a:xfrm rot="16200000" flipH="1">
+          <a:off x="7216438" y="1749070"/>
+          <a:ext cx="308997" cy="304256"/>
+        </a:xfrm>
+        <a:prstGeom prst="rightArrow">
+          <a:avLst>
+            <a:gd name="adj1" fmla="val 60000"/>
+            <a:gd name="adj2" fmla="val 50000"/>
+          </a:avLst>
+        </a:prstGeom>
+        <a:solidFill>
+          <a:schemeClr val="dk1">
+            <a:tint val="60000"/>
+            <a:hueOff val="0"/>
+            <a:satOff val="0"/>
+            <a:lumOff val="0"/>
+            <a:alphaOff val="0"/>
+          </a:schemeClr>
+        </a:solidFill>
+        <a:ln>
+          <a:noFill/>
+        </a:ln>
+        <a:effectLst/>
+      </dsp:spPr>
+      <dsp:style>
+        <a:lnRef idx="0">
+          <a:scrgbClr r="0" g="0" b="0"/>
+        </a:lnRef>
+        <a:fillRef idx="1">
+          <a:scrgbClr r="0" g="0" b="0"/>
+        </a:fillRef>
+        <a:effectRef idx="0">
+          <a:scrgbClr r="0" g="0" b="0"/>
+        </a:effectRef>
+        <a:fontRef idx="minor">
+          <a:schemeClr val="lt1"/>
+        </a:fontRef>
+      </dsp:style>
+      <dsp:txBody>
+        <a:bodyPr spcFirstLastPara="0" vert="horz" wrap="square" lIns="0" tIns="0" rIns="0" bIns="0" numCol="1" spcCol="1270" anchor="ctr" anchorCtr="0">
+          <a:noAutofit/>
+        </a:bodyPr>
+        <a:lstStyle/>
+        <a:p>
+          <a:pPr marL="0" lvl="0" indent="0" algn="ctr" defTabSz="444500">
+            <a:lnSpc>
+              <a:spcPct val="90000"/>
+            </a:lnSpc>
+            <a:spcBef>
+              <a:spcPct val="0"/>
+            </a:spcBef>
+            <a:spcAft>
+              <a:spcPct val="35000"/>
+            </a:spcAft>
+            <a:buNone/>
+          </a:pPr>
+          <a:endParaRPr lang="de-DE" sz="1000" kern="1200">
+            <a:latin typeface="Arial" panose="020B0604020202020204" pitchFamily="34" charset="0"/>
+            <a:cs typeface="Arial" panose="020B0604020202020204" pitchFamily="34" charset="0"/>
+          </a:endParaRPr>
+        </a:p>
+      </dsp:txBody>
+      <dsp:txXfrm rot="-5400000">
+        <a:off x="7279660" y="1746700"/>
+        <a:ext cx="182554" cy="217720"/>
+      </dsp:txXfrm>
+    </dsp:sp>
+    <dsp:sp modelId="{D90DF5CD-6A3F-46C5-BEF3-3131562523F3}">
+      <dsp:nvSpPr>
+        <dsp:cNvPr id="0" name=""/>
+        <dsp:cNvSpPr/>
+      </dsp:nvSpPr>
+      <dsp:spPr>
+        <a:xfrm>
+          <a:off x="6562724" y="2240822"/>
+          <a:ext cx="1561703" cy="937021"/>
+        </a:xfrm>
+        <a:prstGeom prst="roundRect">
+          <a:avLst>
+            <a:gd name="adj" fmla="val 10000"/>
+          </a:avLst>
+        </a:prstGeom>
+        <a:solidFill>
+          <a:schemeClr val="lt1">
+            <a:hueOff val="0"/>
+            <a:satOff val="0"/>
+            <a:lumOff val="0"/>
+            <a:alphaOff val="0"/>
+          </a:schemeClr>
+        </a:solidFill>
+        <a:ln w="12700" cap="flat" cmpd="sng" algn="ctr">
+          <a:solidFill>
+            <a:schemeClr val="dk1">
+              <a:shade val="80000"/>
+              <a:hueOff val="0"/>
+              <a:satOff val="0"/>
+              <a:lumOff val="0"/>
+              <a:alphaOff val="0"/>
+            </a:schemeClr>
+          </a:solidFill>
+          <a:prstDash val="solid"/>
+          <a:miter lim="800000"/>
+        </a:ln>
+        <a:effectLst/>
+      </dsp:spPr>
+      <dsp:style>
+        <a:lnRef idx="2">
+          <a:scrgbClr r="0" g="0" b="0"/>
+        </a:lnRef>
+        <a:fillRef idx="1">
+          <a:scrgbClr r="0" g="0" b="0"/>
+        </a:fillRef>
+        <a:effectRef idx="0">
+          <a:scrgbClr r="0" g="0" b="0"/>
+        </a:effectRef>
+        <a:fontRef idx="minor">
+          <a:schemeClr val="lt1"/>
+        </a:fontRef>
+      </dsp:style>
+      <dsp:txBody>
+        <a:bodyPr spcFirstLastPara="0" vert="horz" wrap="square" lIns="45720" tIns="45720" rIns="45720" bIns="45720" numCol="1" spcCol="1270" anchor="ctr" anchorCtr="0">
+          <a:noAutofit/>
+        </a:bodyPr>
+        <a:lstStyle/>
+        <a:p>
+          <a:pPr marL="0" lvl="0" indent="0" algn="ctr" defTabSz="533400">
+            <a:lnSpc>
+              <a:spcPct val="90000"/>
+            </a:lnSpc>
+            <a:spcBef>
+              <a:spcPct val="0"/>
+            </a:spcBef>
+            <a:spcAft>
+              <a:spcPct val="35000"/>
+            </a:spcAft>
+            <a:buNone/>
+          </a:pPr>
+          <a:r>
+            <a:rPr lang="de-DE" sz="1200" kern="1200">
+              <a:latin typeface="Arial" panose="020B0604020202020204" pitchFamily="34" charset="0"/>
+              <a:cs typeface="Arial" panose="020B0604020202020204" pitchFamily="34" charset="0"/>
+            </a:rPr>
+            <a:t>Wellenkettenrad</a:t>
+          </a:r>
+        </a:p>
+      </dsp:txBody>
+      <dsp:txXfrm>
+        <a:off x="6590168" y="2268266"/>
+        <a:ext cx="1506815" cy="882133"/>
+      </dsp:txXfrm>
+    </dsp:sp>
+    <dsp:sp modelId="{5ECFB207-70DA-4BCC-A3F4-EEB0BF7ED763}">
+      <dsp:nvSpPr>
+        <dsp:cNvPr id="0" name=""/>
+        <dsp:cNvSpPr/>
+      </dsp:nvSpPr>
+      <dsp:spPr>
+        <a:xfrm rot="10800000">
+          <a:off x="6094214" y="2515682"/>
+          <a:ext cx="331081" cy="387302"/>
+        </a:xfrm>
+        <a:prstGeom prst="rightArrow">
+          <a:avLst>
+            <a:gd name="adj1" fmla="val 60000"/>
+            <a:gd name="adj2" fmla="val 50000"/>
+          </a:avLst>
+        </a:prstGeom>
+        <a:solidFill>
+          <a:schemeClr val="dk1">
+            <a:tint val="60000"/>
+            <a:hueOff val="0"/>
+            <a:satOff val="0"/>
+            <a:lumOff val="0"/>
+            <a:alphaOff val="0"/>
+          </a:schemeClr>
+        </a:solidFill>
+        <a:ln>
+          <a:noFill/>
+        </a:ln>
+        <a:effectLst/>
+      </dsp:spPr>
+      <dsp:style>
+        <a:lnRef idx="0">
+          <a:scrgbClr r="0" g="0" b="0"/>
+        </a:lnRef>
+        <a:fillRef idx="1">
+          <a:scrgbClr r="0" g="0" b="0"/>
+        </a:fillRef>
+        <a:effectRef idx="0">
+          <a:scrgbClr r="0" g="0" b="0"/>
+        </a:effectRef>
+        <a:fontRef idx="minor">
+          <a:schemeClr val="lt1"/>
+        </a:fontRef>
+      </dsp:style>
+      <dsp:txBody>
+        <a:bodyPr spcFirstLastPara="0" vert="horz" wrap="square" lIns="0" tIns="0" rIns="0" bIns="0" numCol="1" spcCol="1270" anchor="ctr" anchorCtr="0">
+          <a:noAutofit/>
+        </a:bodyPr>
+        <a:lstStyle/>
+        <a:p>
+          <a:pPr marL="0" lvl="0" indent="0" algn="ctr" defTabSz="444500">
+            <a:lnSpc>
+              <a:spcPct val="90000"/>
+            </a:lnSpc>
+            <a:spcBef>
+              <a:spcPct val="0"/>
+            </a:spcBef>
+            <a:spcAft>
+              <a:spcPct val="35000"/>
+            </a:spcAft>
+            <a:buNone/>
+          </a:pPr>
+          <a:endParaRPr lang="de-DE" sz="1000" kern="1200">
+            <a:latin typeface="Arial" panose="020B0604020202020204" pitchFamily="34" charset="0"/>
+            <a:cs typeface="Arial" panose="020B0604020202020204" pitchFamily="34" charset="0"/>
+          </a:endParaRPr>
+        </a:p>
+      </dsp:txBody>
+      <dsp:txXfrm rot="10800000">
+        <a:off x="6193538" y="2593142"/>
+        <a:ext cx="231757" cy="232382"/>
+      </dsp:txXfrm>
+    </dsp:sp>
+    <dsp:sp modelId="{508B679C-1548-4AC4-AE7F-F43C31C58C75}">
+      <dsp:nvSpPr>
+        <dsp:cNvPr id="0" name=""/>
+        <dsp:cNvSpPr/>
+      </dsp:nvSpPr>
+      <dsp:spPr>
+        <a:xfrm>
+          <a:off x="4376340" y="2240822"/>
+          <a:ext cx="1561703" cy="937021"/>
+        </a:xfrm>
+        <a:prstGeom prst="roundRect">
+          <a:avLst>
+            <a:gd name="adj" fmla="val 10000"/>
+          </a:avLst>
+        </a:prstGeom>
+        <a:solidFill>
+          <a:schemeClr val="lt1">
+            <a:hueOff val="0"/>
+            <a:satOff val="0"/>
+            <a:lumOff val="0"/>
+            <a:alphaOff val="0"/>
+          </a:schemeClr>
+        </a:solidFill>
+        <a:ln w="12700" cap="flat" cmpd="sng" algn="ctr">
+          <a:solidFill>
+            <a:schemeClr val="dk1">
+              <a:shade val="80000"/>
+              <a:hueOff val="0"/>
+              <a:satOff val="0"/>
+              <a:lumOff val="0"/>
+              <a:alphaOff val="0"/>
+            </a:schemeClr>
+          </a:solidFill>
+          <a:prstDash val="solid"/>
+          <a:miter lim="800000"/>
+        </a:ln>
+        <a:effectLst/>
+      </dsp:spPr>
+      <dsp:style>
+        <a:lnRef idx="2">
+          <a:scrgbClr r="0" g="0" b="0"/>
+        </a:lnRef>
+        <a:fillRef idx="1">
+          <a:scrgbClr r="0" g="0" b="0"/>
+        </a:fillRef>
+        <a:effectRef idx="0">
+          <a:scrgbClr r="0" g="0" b="0"/>
+        </a:effectRef>
+        <a:fontRef idx="minor">
+          <a:schemeClr val="lt1"/>
+        </a:fontRef>
+      </dsp:style>
+      <dsp:txBody>
+        <a:bodyPr spcFirstLastPara="0" vert="horz" wrap="square" lIns="45720" tIns="45720" rIns="45720" bIns="45720" numCol="1" spcCol="1270" anchor="ctr" anchorCtr="0">
+          <a:noAutofit/>
+        </a:bodyPr>
+        <a:lstStyle/>
+        <a:p>
+          <a:pPr marL="0" lvl="0" indent="0" algn="ctr" defTabSz="533400">
+            <a:lnSpc>
+              <a:spcPct val="90000"/>
+            </a:lnSpc>
+            <a:spcBef>
+              <a:spcPct val="0"/>
+            </a:spcBef>
+            <a:spcAft>
+              <a:spcPct val="35000"/>
+            </a:spcAft>
+            <a:buNone/>
+          </a:pPr>
+          <a:r>
+            <a:rPr lang="de-DE" sz="1200" kern="1200">
+              <a:latin typeface="Arial" panose="020B0604020202020204" pitchFamily="34" charset="0"/>
+              <a:cs typeface="Arial" panose="020B0604020202020204" pitchFamily="34" charset="0"/>
+            </a:rPr>
+            <a:t>Keilwelle</a:t>
+          </a:r>
+        </a:p>
+      </dsp:txBody>
+      <dsp:txXfrm>
+        <a:off x="4403784" y="2268266"/>
+        <a:ext cx="1506815" cy="882133"/>
+      </dsp:txXfrm>
+    </dsp:sp>
+    <dsp:sp modelId="{FE8B2BF6-340B-4353-A9FC-97979E8A3BEE}">
+      <dsp:nvSpPr>
+        <dsp:cNvPr id="0" name=""/>
+        <dsp:cNvSpPr/>
+      </dsp:nvSpPr>
+      <dsp:spPr>
+        <a:xfrm rot="10800000">
+          <a:off x="3907829" y="2515682"/>
+          <a:ext cx="331081" cy="387302"/>
+        </a:xfrm>
+        <a:prstGeom prst="rightArrow">
+          <a:avLst>
+            <a:gd name="adj1" fmla="val 60000"/>
+            <a:gd name="adj2" fmla="val 50000"/>
+          </a:avLst>
+        </a:prstGeom>
+        <a:solidFill>
+          <a:schemeClr val="dk1">
+            <a:tint val="60000"/>
+            <a:hueOff val="0"/>
+            <a:satOff val="0"/>
+            <a:lumOff val="0"/>
+            <a:alphaOff val="0"/>
+          </a:schemeClr>
+        </a:solidFill>
+        <a:ln>
+          <a:noFill/>
+        </a:ln>
+        <a:effectLst/>
+      </dsp:spPr>
+      <dsp:style>
+        <a:lnRef idx="0">
+          <a:scrgbClr r="0" g="0" b="0"/>
+        </a:lnRef>
+        <a:fillRef idx="1">
+          <a:scrgbClr r="0" g="0" b="0"/>
+        </a:fillRef>
+        <a:effectRef idx="0">
+          <a:scrgbClr r="0" g="0" b="0"/>
+        </a:effectRef>
+        <a:fontRef idx="minor">
+          <a:schemeClr val="lt1"/>
+        </a:fontRef>
+      </dsp:style>
+      <dsp:txBody>
+        <a:bodyPr spcFirstLastPara="0" vert="horz" wrap="square" lIns="0" tIns="0" rIns="0" bIns="0" numCol="1" spcCol="1270" anchor="ctr" anchorCtr="0">
+          <a:noAutofit/>
+        </a:bodyPr>
+        <a:lstStyle/>
+        <a:p>
+          <a:pPr marL="0" lvl="0" indent="0" algn="ctr" defTabSz="444500">
+            <a:lnSpc>
+              <a:spcPct val="90000"/>
+            </a:lnSpc>
+            <a:spcBef>
+              <a:spcPct val="0"/>
+            </a:spcBef>
+            <a:spcAft>
+              <a:spcPct val="35000"/>
+            </a:spcAft>
+            <a:buNone/>
+          </a:pPr>
+          <a:endParaRPr lang="de-DE" sz="1000" kern="1200">
+            <a:latin typeface="Arial" panose="020B0604020202020204" pitchFamily="34" charset="0"/>
+            <a:cs typeface="Arial" panose="020B0604020202020204" pitchFamily="34" charset="0"/>
+          </a:endParaRPr>
+        </a:p>
+      </dsp:txBody>
+      <dsp:txXfrm rot="10800000">
+        <a:off x="4007153" y="2593142"/>
+        <a:ext cx="231757" cy="232382"/>
+      </dsp:txXfrm>
+    </dsp:sp>
+    <dsp:sp modelId="{81446A5D-7275-463B-B813-719E5109EE4A}">
+      <dsp:nvSpPr>
+        <dsp:cNvPr id="0" name=""/>
+        <dsp:cNvSpPr/>
+      </dsp:nvSpPr>
+      <dsp:spPr>
+        <a:xfrm>
+          <a:off x="2189956" y="2240822"/>
+          <a:ext cx="1561703" cy="937021"/>
+        </a:xfrm>
+        <a:prstGeom prst="roundRect">
+          <a:avLst>
+            <a:gd name="adj" fmla="val 10000"/>
+          </a:avLst>
+        </a:prstGeom>
+        <a:solidFill>
+          <a:schemeClr val="lt1">
+            <a:hueOff val="0"/>
+            <a:satOff val="0"/>
+            <a:lumOff val="0"/>
+            <a:alphaOff val="0"/>
+          </a:schemeClr>
+        </a:solidFill>
+        <a:ln w="12700" cap="flat" cmpd="sng" algn="ctr">
+          <a:solidFill>
+            <a:schemeClr val="dk1">
+              <a:shade val="80000"/>
+              <a:hueOff val="0"/>
+              <a:satOff val="0"/>
+              <a:lumOff val="0"/>
+              <a:alphaOff val="0"/>
+            </a:schemeClr>
+          </a:solidFill>
+          <a:prstDash val="solid"/>
+          <a:miter lim="800000"/>
+        </a:ln>
+        <a:effectLst/>
+      </dsp:spPr>
+      <dsp:style>
+        <a:lnRef idx="2">
+          <a:scrgbClr r="0" g="0" b="0"/>
+        </a:lnRef>
+        <a:fillRef idx="1">
+          <a:scrgbClr r="0" g="0" b="0"/>
+        </a:fillRef>
+        <a:effectRef idx="0">
+          <a:scrgbClr r="0" g="0" b="0"/>
+        </a:effectRef>
+        <a:fontRef idx="minor">
+          <a:schemeClr val="lt1"/>
+        </a:fontRef>
+      </dsp:style>
+      <dsp:txBody>
+        <a:bodyPr spcFirstLastPara="0" vert="horz" wrap="square" lIns="45720" tIns="45720" rIns="45720" bIns="45720" numCol="1" spcCol="1270" anchor="ctr" anchorCtr="0">
+          <a:noAutofit/>
+        </a:bodyPr>
+        <a:lstStyle/>
+        <a:p>
+          <a:pPr marL="0" lvl="0" indent="0" algn="ctr" defTabSz="533400">
+            <a:lnSpc>
+              <a:spcPct val="90000"/>
+            </a:lnSpc>
+            <a:spcBef>
+              <a:spcPct val="0"/>
+            </a:spcBef>
+            <a:spcAft>
+              <a:spcPct val="35000"/>
+            </a:spcAft>
+            <a:buNone/>
+          </a:pPr>
+          <a:r>
+            <a:rPr lang="de-DE" sz="1200" kern="1200">
+              <a:latin typeface="Arial" panose="020B0604020202020204" pitchFamily="34" charset="0"/>
+              <a:cs typeface="Arial" panose="020B0604020202020204" pitchFamily="34" charset="0"/>
+            </a:rPr>
+            <a:t>Welle</a:t>
+          </a:r>
+        </a:p>
+      </dsp:txBody>
+      <dsp:txXfrm>
+        <a:off x="2217400" y="2268266"/>
+        <a:ext cx="1506815" cy="882133"/>
+      </dsp:txXfrm>
+    </dsp:sp>
+    <dsp:sp modelId="{CDF87EE7-6E3D-4758-B26D-0C01D8D1013C}">
+      <dsp:nvSpPr>
+        <dsp:cNvPr id="0" name=""/>
+        <dsp:cNvSpPr/>
+      </dsp:nvSpPr>
+      <dsp:spPr>
+        <a:xfrm rot="10800000">
+          <a:off x="1721445" y="2515682"/>
+          <a:ext cx="331081" cy="387302"/>
+        </a:xfrm>
+        <a:prstGeom prst="rightArrow">
+          <a:avLst>
+            <a:gd name="adj1" fmla="val 60000"/>
+            <a:gd name="adj2" fmla="val 50000"/>
+          </a:avLst>
+        </a:prstGeom>
+        <a:solidFill>
+          <a:schemeClr val="dk1">
+            <a:tint val="60000"/>
+            <a:hueOff val="0"/>
+            <a:satOff val="0"/>
+            <a:lumOff val="0"/>
+            <a:alphaOff val="0"/>
+          </a:schemeClr>
+        </a:solidFill>
+        <a:ln>
+          <a:noFill/>
+        </a:ln>
+        <a:effectLst/>
+      </dsp:spPr>
+      <dsp:style>
+        <a:lnRef idx="0">
+          <a:scrgbClr r="0" g="0" b="0"/>
+        </a:lnRef>
+        <a:fillRef idx="1">
+          <a:scrgbClr r="0" g="0" b="0"/>
+        </a:fillRef>
+        <a:effectRef idx="0">
+          <a:scrgbClr r="0" g="0" b="0"/>
+        </a:effectRef>
+        <a:fontRef idx="minor">
+          <a:schemeClr val="lt1"/>
+        </a:fontRef>
+      </dsp:style>
+      <dsp:txBody>
+        <a:bodyPr spcFirstLastPara="0" vert="horz" wrap="square" lIns="0" tIns="0" rIns="0" bIns="0" numCol="1" spcCol="1270" anchor="ctr" anchorCtr="0">
+          <a:noAutofit/>
+        </a:bodyPr>
+        <a:lstStyle/>
+        <a:p>
+          <a:pPr marL="0" lvl="0" indent="0" algn="ctr" defTabSz="444500">
+            <a:lnSpc>
+              <a:spcPct val="90000"/>
+            </a:lnSpc>
+            <a:spcBef>
+              <a:spcPct val="0"/>
+            </a:spcBef>
+            <a:spcAft>
+              <a:spcPct val="35000"/>
+            </a:spcAft>
+            <a:buNone/>
+          </a:pPr>
+          <a:endParaRPr lang="de-DE" sz="1000" kern="1200">
+            <a:latin typeface="Arial" panose="020B0604020202020204" pitchFamily="34" charset="0"/>
+            <a:cs typeface="Arial" panose="020B0604020202020204" pitchFamily="34" charset="0"/>
+          </a:endParaRPr>
+        </a:p>
+      </dsp:txBody>
+      <dsp:txXfrm rot="10800000">
+        <a:off x="1820769" y="2593142"/>
+        <a:ext cx="231757" cy="232382"/>
+      </dsp:txXfrm>
+    </dsp:sp>
+    <dsp:sp modelId="{A445CBA9-0AF7-47A4-A8F6-96C8670363D5}">
+      <dsp:nvSpPr>
+        <dsp:cNvPr id="0" name=""/>
+        <dsp:cNvSpPr/>
+      </dsp:nvSpPr>
+      <dsp:spPr>
+        <a:xfrm>
+          <a:off x="3571" y="2240822"/>
+          <a:ext cx="1561703" cy="937021"/>
+        </a:xfrm>
+        <a:prstGeom prst="roundRect">
+          <a:avLst>
+            <a:gd name="adj" fmla="val 10000"/>
+          </a:avLst>
+        </a:prstGeom>
+        <a:solidFill>
+          <a:schemeClr val="lt1">
+            <a:hueOff val="0"/>
+            <a:satOff val="0"/>
+            <a:lumOff val="0"/>
+            <a:alphaOff val="0"/>
+          </a:schemeClr>
+        </a:solidFill>
+        <a:ln w="12700" cap="flat" cmpd="sng" algn="ctr">
+          <a:solidFill>
+            <a:schemeClr val="dk1">
+              <a:shade val="80000"/>
+              <a:hueOff val="0"/>
+              <a:satOff val="0"/>
+              <a:lumOff val="0"/>
+              <a:alphaOff val="0"/>
+            </a:schemeClr>
+          </a:solidFill>
+          <a:prstDash val="solid"/>
+          <a:miter lim="800000"/>
+        </a:ln>
+        <a:effectLst/>
+      </dsp:spPr>
+      <dsp:style>
+        <a:lnRef idx="2">
+          <a:scrgbClr r="0" g="0" b="0"/>
+        </a:lnRef>
+        <a:fillRef idx="1">
+          <a:scrgbClr r="0" g="0" b="0"/>
+        </a:fillRef>
+        <a:effectRef idx="0">
+          <a:scrgbClr r="0" g="0" b="0"/>
+        </a:effectRef>
+        <a:fontRef idx="minor">
+          <a:schemeClr val="lt1"/>
+        </a:fontRef>
+      </dsp:style>
+      <dsp:txBody>
+        <a:bodyPr spcFirstLastPara="0" vert="horz" wrap="square" lIns="45720" tIns="45720" rIns="45720" bIns="45720" numCol="1" spcCol="1270" anchor="ctr" anchorCtr="0">
+          <a:noAutofit/>
+        </a:bodyPr>
+        <a:lstStyle/>
+        <a:p>
+          <a:pPr marL="0" lvl="0" indent="0" algn="ctr" defTabSz="533400">
+            <a:lnSpc>
+              <a:spcPct val="90000"/>
+            </a:lnSpc>
+            <a:spcBef>
+              <a:spcPct val="0"/>
+            </a:spcBef>
+            <a:spcAft>
+              <a:spcPct val="35000"/>
+            </a:spcAft>
+            <a:buNone/>
+          </a:pPr>
+          <a:r>
+            <a:rPr lang="de-DE" sz="1200" kern="1200">
+              <a:latin typeface="Arial" panose="020B0604020202020204" pitchFamily="34" charset="0"/>
+              <a:cs typeface="Arial" panose="020B0604020202020204" pitchFamily="34" charset="0"/>
+            </a:rPr>
+            <a:t>Schweißverbindung</a:t>
+          </a:r>
+          <a:br>
+            <a:rPr lang="de-DE" sz="1200" kern="1200">
+              <a:latin typeface="Arial" panose="020B0604020202020204" pitchFamily="34" charset="0"/>
+              <a:cs typeface="Arial" panose="020B0604020202020204" pitchFamily="34" charset="0"/>
+            </a:rPr>
+          </a:br>
+          <a:r>
+            <a:rPr lang="de-DE" sz="1200" kern="1200">
+              <a:latin typeface="Arial" panose="020B0604020202020204" pitchFamily="34" charset="0"/>
+              <a:cs typeface="Arial" panose="020B0604020202020204" pitchFamily="34" charset="0"/>
+            </a:rPr>
+            <a:t>Spannpressverband</a:t>
+          </a:r>
+        </a:p>
+      </dsp:txBody>
+      <dsp:txXfrm>
+        <a:off x="31015" y="2268266"/>
+        <a:ext cx="1506815" cy="882133"/>
+      </dsp:txXfrm>
+    </dsp:sp>
+    <dsp:sp modelId="{FDA0C10D-E718-436E-B7BD-A98799EB7CE8}">
+      <dsp:nvSpPr>
+        <dsp:cNvPr id="0" name=""/>
+        <dsp:cNvSpPr/>
+      </dsp:nvSpPr>
+      <dsp:spPr>
+        <a:xfrm rot="5400000">
+          <a:off x="618882" y="3287163"/>
+          <a:ext cx="331081" cy="387302"/>
+        </a:xfrm>
+        <a:prstGeom prst="rightArrow">
+          <a:avLst>
+            <a:gd name="adj1" fmla="val 60000"/>
+            <a:gd name="adj2" fmla="val 50000"/>
+          </a:avLst>
+        </a:prstGeom>
+        <a:solidFill>
+          <a:schemeClr val="dk1">
+            <a:tint val="60000"/>
+            <a:hueOff val="0"/>
+            <a:satOff val="0"/>
+            <a:lumOff val="0"/>
+            <a:alphaOff val="0"/>
+          </a:schemeClr>
+        </a:solidFill>
+        <a:ln>
+          <a:noFill/>
+        </a:ln>
+        <a:effectLst/>
+      </dsp:spPr>
+      <dsp:style>
+        <a:lnRef idx="0">
+          <a:scrgbClr r="0" g="0" b="0"/>
+        </a:lnRef>
+        <a:fillRef idx="1">
+          <a:scrgbClr r="0" g="0" b="0"/>
+        </a:fillRef>
+        <a:effectRef idx="0">
+          <a:scrgbClr r="0" g="0" b="0"/>
+        </a:effectRef>
+        <a:fontRef idx="minor">
+          <a:schemeClr val="lt1"/>
+        </a:fontRef>
+      </dsp:style>
+      <dsp:txBody>
+        <a:bodyPr spcFirstLastPara="0" vert="horz" wrap="square" lIns="0" tIns="0" rIns="0" bIns="0" numCol="1" spcCol="1270" anchor="ctr" anchorCtr="0">
+          <a:noAutofit/>
+        </a:bodyPr>
+        <a:lstStyle/>
+        <a:p>
+          <a:pPr marL="0" lvl="0" indent="0" algn="ctr" defTabSz="444500">
+            <a:lnSpc>
+              <a:spcPct val="90000"/>
+            </a:lnSpc>
+            <a:spcBef>
+              <a:spcPct val="0"/>
+            </a:spcBef>
+            <a:spcAft>
+              <a:spcPct val="35000"/>
+            </a:spcAft>
+            <a:buNone/>
+          </a:pPr>
+          <a:endParaRPr lang="de-DE" sz="1000" kern="1200">
+            <a:latin typeface="Arial" panose="020B0604020202020204" pitchFamily="34" charset="0"/>
+            <a:cs typeface="Arial" panose="020B0604020202020204" pitchFamily="34" charset="0"/>
+          </a:endParaRPr>
+        </a:p>
+      </dsp:txBody>
+      <dsp:txXfrm rot="-5400000">
+        <a:off x="668232" y="3315273"/>
+        <a:ext cx="232382" cy="231757"/>
+      </dsp:txXfrm>
+    </dsp:sp>
+    <dsp:sp modelId="{F7B89015-C7AE-42B1-B65E-295EB5916715}">
+      <dsp:nvSpPr>
+        <dsp:cNvPr id="0" name=""/>
+        <dsp:cNvSpPr/>
+      </dsp:nvSpPr>
+      <dsp:spPr>
+        <a:xfrm>
+          <a:off x="3571" y="3802525"/>
+          <a:ext cx="1561703" cy="937021"/>
+        </a:xfrm>
+        <a:prstGeom prst="roundRect">
+          <a:avLst>
+            <a:gd name="adj" fmla="val 10000"/>
+          </a:avLst>
+        </a:prstGeom>
+        <a:solidFill>
+          <a:schemeClr val="lt1">
+            <a:hueOff val="0"/>
+            <a:satOff val="0"/>
+            <a:lumOff val="0"/>
+            <a:alphaOff val="0"/>
+          </a:schemeClr>
+        </a:solidFill>
+        <a:ln w="12700" cap="flat" cmpd="sng" algn="ctr">
+          <a:solidFill>
+            <a:schemeClr val="dk1">
+              <a:shade val="80000"/>
+              <a:hueOff val="0"/>
+              <a:satOff val="0"/>
+              <a:lumOff val="0"/>
+              <a:alphaOff val="0"/>
+            </a:schemeClr>
+          </a:solidFill>
+          <a:prstDash val="solid"/>
+          <a:miter lim="800000"/>
+        </a:ln>
+        <a:effectLst/>
+      </dsp:spPr>
+      <dsp:style>
+        <a:lnRef idx="2">
+          <a:scrgbClr r="0" g="0" b="0"/>
+        </a:lnRef>
+        <a:fillRef idx="1">
+          <a:scrgbClr r="0" g="0" b="0"/>
+        </a:fillRef>
+        <a:effectRef idx="0">
+          <a:scrgbClr r="0" g="0" b="0"/>
+        </a:effectRef>
+        <a:fontRef idx="minor">
+          <a:schemeClr val="lt1"/>
+        </a:fontRef>
+      </dsp:style>
+      <dsp:txBody>
+        <a:bodyPr spcFirstLastPara="0" vert="horz" wrap="square" lIns="45720" tIns="45720" rIns="45720" bIns="45720" numCol="1" spcCol="1270" anchor="ctr" anchorCtr="0">
+          <a:noAutofit/>
+        </a:bodyPr>
+        <a:lstStyle/>
+        <a:p>
+          <a:pPr marL="0" lvl="0" indent="0" algn="ctr" defTabSz="533400">
+            <a:lnSpc>
+              <a:spcPct val="90000"/>
+            </a:lnSpc>
+            <a:spcBef>
+              <a:spcPct val="0"/>
+            </a:spcBef>
+            <a:spcAft>
+              <a:spcPct val="35000"/>
+            </a:spcAft>
+            <a:buNone/>
+          </a:pPr>
+          <a:r>
+            <a:rPr lang="de-DE" sz="1200" kern="1200">
+              <a:latin typeface="Arial" panose="020B0604020202020204" pitchFamily="34" charset="0"/>
+              <a:cs typeface="Arial" panose="020B0604020202020204" pitchFamily="34" charset="0"/>
+            </a:rPr>
+            <a:t>äußere Schweißnaht</a:t>
+          </a:r>
+        </a:p>
+      </dsp:txBody>
+      <dsp:txXfrm>
+        <a:off x="31015" y="3829969"/>
+        <a:ext cx="1506815" cy="882133"/>
+      </dsp:txXfrm>
+    </dsp:sp>
+    <dsp:sp modelId="{884773BF-3EEC-4E2C-BD90-BE967D29767E}">
+      <dsp:nvSpPr>
+        <dsp:cNvPr id="0" name=""/>
+        <dsp:cNvSpPr/>
+      </dsp:nvSpPr>
+      <dsp:spPr>
+        <a:xfrm>
+          <a:off x="1702704" y="4077385"/>
+          <a:ext cx="331081" cy="387302"/>
+        </a:xfrm>
+        <a:prstGeom prst="rightArrow">
+          <a:avLst>
+            <a:gd name="adj1" fmla="val 60000"/>
+            <a:gd name="adj2" fmla="val 50000"/>
+          </a:avLst>
+        </a:prstGeom>
+        <a:solidFill>
+          <a:schemeClr val="dk1">
+            <a:tint val="60000"/>
+            <a:hueOff val="0"/>
+            <a:satOff val="0"/>
+            <a:lumOff val="0"/>
+            <a:alphaOff val="0"/>
+          </a:schemeClr>
+        </a:solidFill>
+        <a:ln>
+          <a:noFill/>
+        </a:ln>
+        <a:effectLst/>
+      </dsp:spPr>
+      <dsp:style>
+        <a:lnRef idx="0">
+          <a:scrgbClr r="0" g="0" b="0"/>
+        </a:lnRef>
+        <a:fillRef idx="1">
+          <a:scrgbClr r="0" g="0" b="0"/>
+        </a:fillRef>
+        <a:effectRef idx="0">
+          <a:scrgbClr r="0" g="0" b="0"/>
+        </a:effectRef>
+        <a:fontRef idx="minor">
+          <a:schemeClr val="lt1"/>
+        </a:fontRef>
+      </dsp:style>
+      <dsp:txBody>
+        <a:bodyPr spcFirstLastPara="0" vert="horz" wrap="square" lIns="0" tIns="0" rIns="0" bIns="0" numCol="1" spcCol="1270" anchor="ctr" anchorCtr="0">
+          <a:noAutofit/>
+        </a:bodyPr>
+        <a:lstStyle/>
+        <a:p>
+          <a:pPr marL="0" lvl="0" indent="0" algn="ctr" defTabSz="444500">
+            <a:lnSpc>
+              <a:spcPct val="90000"/>
+            </a:lnSpc>
+            <a:spcBef>
+              <a:spcPct val="0"/>
+            </a:spcBef>
+            <a:spcAft>
+              <a:spcPct val="35000"/>
+            </a:spcAft>
+            <a:buNone/>
+          </a:pPr>
+          <a:endParaRPr lang="de-DE" sz="1000" kern="1200">
+            <a:latin typeface="Arial" panose="020B0604020202020204" pitchFamily="34" charset="0"/>
+            <a:cs typeface="Arial" panose="020B0604020202020204" pitchFamily="34" charset="0"/>
+          </a:endParaRPr>
+        </a:p>
+      </dsp:txBody>
+      <dsp:txXfrm>
+        <a:off x="1702704" y="4154845"/>
+        <a:ext cx="231757" cy="232382"/>
+      </dsp:txXfrm>
+    </dsp:sp>
+    <dsp:sp modelId="{085112AC-EF81-4A27-AB3B-018D64C9BC48}">
+      <dsp:nvSpPr>
+        <dsp:cNvPr id="0" name=""/>
+        <dsp:cNvSpPr/>
+      </dsp:nvSpPr>
+      <dsp:spPr>
+        <a:xfrm>
+          <a:off x="2189956" y="3802525"/>
+          <a:ext cx="1561703" cy="937021"/>
+        </a:xfrm>
+        <a:prstGeom prst="roundRect">
+          <a:avLst>
+            <a:gd name="adj" fmla="val 10000"/>
+          </a:avLst>
+        </a:prstGeom>
+        <a:solidFill>
+          <a:schemeClr val="lt1">
+            <a:hueOff val="0"/>
+            <a:satOff val="0"/>
+            <a:lumOff val="0"/>
+            <a:alphaOff val="0"/>
+          </a:schemeClr>
+        </a:solidFill>
+        <a:ln w="12700" cap="flat" cmpd="sng" algn="ctr">
+          <a:solidFill>
+            <a:schemeClr val="dk1">
+              <a:shade val="80000"/>
+              <a:hueOff val="0"/>
+              <a:satOff val="0"/>
+              <a:lumOff val="0"/>
+              <a:alphaOff val="0"/>
+            </a:schemeClr>
+          </a:solidFill>
+          <a:prstDash val="solid"/>
+          <a:miter lim="800000"/>
+        </a:ln>
+        <a:effectLst/>
+      </dsp:spPr>
+      <dsp:style>
+        <a:lnRef idx="2">
+          <a:scrgbClr r="0" g="0" b="0"/>
+        </a:lnRef>
+        <a:fillRef idx="1">
+          <a:scrgbClr r="0" g="0" b="0"/>
+        </a:fillRef>
+        <a:effectRef idx="0">
+          <a:scrgbClr r="0" g="0" b="0"/>
+        </a:effectRef>
+        <a:fontRef idx="minor">
+          <a:schemeClr val="lt1"/>
+        </a:fontRef>
+      </dsp:style>
+      <dsp:txBody>
+        <a:bodyPr spcFirstLastPara="0" vert="horz" wrap="square" lIns="45720" tIns="45720" rIns="45720" bIns="45720" numCol="1" spcCol="1270" anchor="ctr" anchorCtr="0">
+          <a:noAutofit/>
+        </a:bodyPr>
+        <a:lstStyle/>
+        <a:p>
+          <a:pPr marL="0" lvl="0" indent="0" algn="ctr" defTabSz="533400">
+            <a:lnSpc>
+              <a:spcPct val="90000"/>
+            </a:lnSpc>
+            <a:spcBef>
+              <a:spcPct val="0"/>
+            </a:spcBef>
+            <a:spcAft>
+              <a:spcPct val="35000"/>
+            </a:spcAft>
+            <a:buNone/>
+          </a:pPr>
+          <a:r>
+            <a:rPr lang="de-DE" sz="1200" kern="1200">
+              <a:latin typeface="Arial" panose="020B0604020202020204" pitchFamily="34" charset="0"/>
+              <a:cs typeface="Arial" panose="020B0604020202020204" pitchFamily="34" charset="0"/>
+            </a:rPr>
+            <a:t>Trommel</a:t>
+          </a:r>
+        </a:p>
+      </dsp:txBody>
+      <dsp:txXfrm>
+        <a:off x="2217400" y="3829969"/>
+        <a:ext cx="1506815" cy="882133"/>
+      </dsp:txXfrm>
+    </dsp:sp>
+  </dsp:spTree>
+</dsp:drawing>
+</file>
+
+<file path=ppt/diagrams/layout1.xml><?xml version="1.0" encoding="utf-8"?>
+<dgm:layoutDef xmlns:dgm="http://schemas.openxmlformats.org/drawingml/2006/diagram" xmlns:a="http://schemas.openxmlformats.org/drawingml/2006/main" uniqueId="urn:microsoft.com/office/officeart/2005/8/layout/process5">
+  <dgm:title val=""/>
+  <dgm:desc val=""/>
+  <dgm:catLst>
+    <dgm:cat type="process" pri="17000"/>
+  </dgm:catLst>
+  <dgm:sampData>
+    <dgm:dataModel>
+      <dgm:ptLst>
+        <dgm:pt modelId="0" type="doc"/>
+        <dgm:pt modelId="1">
+          <dgm:prSet phldr="1"/>
+        </dgm:pt>
+        <dgm:pt modelId="2">
+          <dgm:prSet phldr="1"/>
+        </dgm:pt>
+        <dgm:pt modelId="3">
+          <dgm:prSet phldr="1"/>
+        </dgm:pt>
+        <dgm:pt modelId="4">
+          <dgm:prSet phldr="1"/>
+        </dgm:pt>
+        <dgm:pt modelId="5">
+          <dgm:prSet phldr="1"/>
+        </dgm:pt>
+      </dgm:ptLst>
+      <dgm:cxnLst>
+        <dgm:cxn modelId="7" srcId="0" destId="1" srcOrd="0" destOrd="0"/>
+        <dgm:cxn modelId="8" srcId="0" destId="2" srcOrd="1" destOrd="0"/>
+        <dgm:cxn modelId="9" srcId="0" destId="3" srcOrd="2" destOrd="0"/>
+        <dgm:cxn modelId="10" srcId="0" destId="4" srcOrd="3" destOrd="0"/>
+        <dgm:cxn modelId="11" srcId="0" destId="5" srcOrd="4" destOrd="0"/>
+      </dgm:cxnLst>
+      <dgm:bg/>
+      <dgm:whole/>
+    </dgm:dataModel>
+  </dgm:sampData>
+  <dgm:styleData>
+    <dgm:dataModel>
+      <dgm:ptLst>
+        <dgm:pt modelId="0" type="doc"/>
+        <dgm:pt modelId="1"/>
+        <dgm:pt modelId="2"/>
+      </dgm:ptLst>
+      <dgm:cxnLst>
+        <dgm:cxn modelId="3" srcId="0" destId="1" srcOrd="0" destOrd="0"/>
+        <dgm:cxn modelId="4" srcId="0" destId="2" srcOrd="1" destOrd="0"/>
+      </dgm:cxnLst>
+      <dgm:bg/>
+      <dgm:whole/>
+    </dgm:dataModel>
+  </dgm:styleData>
+  <dgm:clrData>
+    <dgm:dataModel>
+      <dgm:ptLst>
+        <dgm:pt modelId="0" type="doc"/>
+        <dgm:pt modelId="1"/>
+        <dgm:pt modelId="2"/>
+        <dgm:pt modelId="3"/>
+        <dgm:pt modelId="4"/>
+      </dgm:ptLst>
+      <dgm:cxnLst>
+        <dgm:cxn modelId="5" srcId="0" destId="1" srcOrd="0" destOrd="0"/>
+        <dgm:cxn modelId="6" srcId="0" destId="2" srcOrd="1" destOrd="0"/>
+        <dgm:cxn modelId="7" srcId="0" destId="3" srcOrd="2" destOrd="0"/>
+        <dgm:cxn modelId="8" srcId="0" destId="4" srcOrd="3" destOrd="0"/>
+      </dgm:cxnLst>
+      <dgm:bg/>
+      <dgm:whole/>
+    </dgm:dataModel>
+  </dgm:clrData>
+  <dgm:layoutNode name="diagram">
+    <dgm:varLst>
+      <dgm:dir/>
+      <dgm:resizeHandles val="exact"/>
+    </dgm:varLst>
+    <dgm:choose name="Name0">
+      <dgm:if name="Name1" axis="self" func="var" arg="dir" op="equ" val="norm">
+        <dgm:alg type="snake">
+          <dgm:param type="grDir" val="tL"/>
+          <dgm:param type="flowDir" val="row"/>
+          <dgm:param type="contDir" val="revDir"/>
+          <dgm:param type="bkpt" val="endCnv"/>
+        </dgm:alg>
+      </dgm:if>
+      <dgm:else name="Name2">
+        <dgm:alg type="snake">
+          <dgm:param type="grDir" val="tR"/>
+          <dgm:param type="flowDir" val="row"/>
+          <dgm:param type="contDir" val="revDir"/>
+          <dgm:param type="bkpt" val="endCnv"/>
+        </dgm:alg>
+      </dgm:else>
+    </dgm:choose>
+    <dgm:shape xmlns:r="http://schemas.openxmlformats.org/officeDocument/2006/relationships" r:blip="">
+      <dgm:adjLst/>
+    </dgm:shape>
+    <dgm:presOf/>
+    <dgm:constrLst>
+      <dgm:constr type="w" for="ch" ptType="node" refType="w"/>
+      <dgm:constr type="w" for="ch" forName="sibTrans" refType="w" refFor="ch" refPtType="node" op="equ" fact="0.4"/>
+      <dgm:constr type="sp" refType="w" refFor="ch" refForName="sibTrans" op="equ"/>
+      <dgm:constr type="primFontSz" for="ch" ptType="node" op="equ" val="65"/>
+      <dgm:constr type="primFontSz" for="des" forName="connectorText" op="equ" val="55"/>
+      <dgm:constr type="primFontSz" for="des" forName="connectorText" refType="primFontSz" refFor="ch" refPtType="node" op="lte" fact="0.8"/>
+    </dgm:constrLst>
+    <dgm:ruleLst/>
+    <dgm:forEach name="nodesForEach" axis="ch" ptType="node">
+      <dgm:layoutNode name="node">
+        <dgm:varLst>
+          <dgm:bulletEnabled val="1"/>
+        </dgm:varLst>
+        <dgm:alg type="tx"/>
+        <dgm:shape xmlns:r="http://schemas.openxmlformats.org/officeDocument/2006/relationships" type="roundRect" r:blip="">
+          <dgm:adjLst>
+            <dgm:adj idx="1" val="0.1"/>
+          </dgm:adjLst>
+        </dgm:shape>
+        <dgm:presOf axis="desOrSelf" ptType="node"/>
+        <dgm:constrLst>
+          <dgm:constr type="h" refType="w" fact="0.6"/>
+          <dgm:constr type="tMarg" refType="primFontSz" fact="0.3"/>
+          <dgm:constr type="bMarg" refType="primFontSz" fact="0.3"/>
+          <dgm:constr type="lMarg" refType="primFontSz" fact="0.3"/>
+          <dgm:constr type="rMarg" refType="primFontSz" fact="0.3"/>
+        </dgm:constrLst>
+        <dgm:ruleLst>
+          <dgm:rule type="primFontSz" val="5" fact="NaN" max="NaN"/>
+        </dgm:ruleLst>
+      </dgm:layoutNode>
+      <dgm:forEach name="sibTransForEach" axis="followSib" ptType="sibTrans" cnt="1">
+        <dgm:layoutNode name="sibTrans">
+          <dgm:alg type="conn">
+            <dgm:param type="begPts" val="auto"/>
+            <dgm:param type="endPts" val="auto"/>
+          </dgm:alg>
+          <dgm:shape xmlns:r="http://schemas.openxmlformats.org/officeDocument/2006/relationships" type="conn" r:blip="">
+            <dgm:adjLst/>
+          </dgm:shape>
+          <dgm:presOf axis="self"/>
+          <dgm:constrLst>
+            <dgm:constr type="h" refType="w" fact="0.62"/>
+            <dgm:constr type="connDist"/>
+          </dgm:constrLst>
+          <dgm:ruleLst/>
+          <dgm:layoutNode name="connectorText">
+            <dgm:alg type="tx">
+              <dgm:param type="autoTxRot" val="upr"/>
+            </dgm:alg>
+            <dgm:shape xmlns:r="http://schemas.openxmlformats.org/officeDocument/2006/relationships" type="conn" r:blip="" hideGeom="1">
+              <dgm:adjLst/>
+            </dgm:shape>
+            <dgm:presOf axis="self"/>
+            <dgm:constrLst>
+              <dgm:constr type="lMarg"/>
+              <dgm:constr type="rMarg"/>
+              <dgm:constr type="tMarg"/>
+              <dgm:constr type="bMarg"/>
+            </dgm:constrLst>
+            <dgm:ruleLst>
+              <dgm:rule type="primFontSz" val="5" fact="NaN" max="NaN"/>
+            </dgm:ruleLst>
+          </dgm:layoutNode>
+        </dgm:layoutNode>
+      </dgm:forEach>
+    </dgm:forEach>
+  </dgm:layoutNode>
+</dgm:layoutDef>
+</file>
+
+<file path=ppt/diagrams/quickStyle1.xml><?xml version="1.0" encoding="utf-8"?>
+<dgm:styleDef xmlns:dgm="http://schemas.openxmlformats.org/drawingml/2006/diagram" xmlns:a="http://schemas.openxmlformats.org/drawingml/2006/main" uniqueId="urn:microsoft.com/office/officeart/2005/8/quickstyle/simple1">
+  <dgm:title val=""/>
+  <dgm:desc val=""/>
+  <dgm:catLst>
+    <dgm:cat type="simple" pri="10100"/>
+  </dgm:catLst>
+  <dgm:scene3d>
+    <a:camera prst="orthographicFront"/>
+    <a:lightRig rig="threePt" dir="t"/>
+  </dgm:scene3d>
+  <dgm:styleLbl name="node0">
+    <dgm:scene3d>
+      <a:camera prst="orthographicFront"/>
+      <a:lightRig rig="threePt" dir="t"/>
+    </dgm:scene3d>
+    <dgm:sp3d/>
+    <dgm:txPr/>
+    <dgm:style>
+      <a:lnRef idx="2">
+        <a:scrgbClr r="0" g="0" b="0"/>
+      </a:lnRef>
+      <a:fillRef idx="1">
+        <a:scrgbClr r="0" g="0" b="0"/>
+      </a:fillRef>
+      <a:effectRef idx="0">
+        <a:scrgbClr r="0" g="0" b="0"/>
+      </a:effectRef>
+      <a:fontRef idx="minor">
+        <a:schemeClr val="lt1"/>
+      </a:fontRef>
+    </dgm:style>
+  </dgm:styleLbl>
+  <dgm:styleLbl name="lnNode1">
+    <dgm:scene3d>
+      <a:camera prst="orthographicFront"/>
+      <a:lightRig rig="threePt" dir="t"/>
+    </dgm:scene3d>
+    <dgm:sp3d/>
+    <dgm:txPr/>
+    <dgm:style>
+      <a:lnRef idx="2">
+        <a:scrgbClr r="0" g="0" b="0"/>
+      </a:lnRef>
+      <a:fillRef idx="1">
+        <a:scrgbClr r="0" g="0" b="0"/>
+      </a:fillRef>
+      <a:effectRef idx="0">
+        <a:scrgbClr r="0" g="0" b="0"/>
+      </a:effectRef>
+      <a:fontRef idx="minor">
+        <a:schemeClr val="lt1"/>
+      </a:fontRef>
+    </dgm:style>
+  </dgm:styleLbl>
+  <dgm:styleLbl name="vennNode1">
+    <dgm:scene3d>
+      <a:camera prst="orthographicFront"/>
+      <a:lightRig rig="threePt" dir="t"/>
+    </dgm:scene3d>
+    <dgm:sp3d/>
+    <dgm:txPr/>
+    <dgm:style>
+      <a:lnRef idx="2">
+        <a:scrgbClr r="0" g="0" b="0"/>
+      </a:lnRef>
+      <a:fillRef idx="1">
+        <a:scrgbClr r="0" g="0" b="0"/>
+      </a:fillRef>
+      <a:effectRef idx="0">
+        <a:scrgbClr r="0" g="0" b="0"/>
+      </a:effectRef>
+      <a:fontRef idx="minor">
+        <a:schemeClr val="tx1"/>
+      </a:fontRef>
+    </dgm:style>
+  </dgm:styleLbl>
+  <dgm:styleLbl name="alignNode1">
+    <dgm:scene3d>
+      <a:camera prst="orthographicFront"/>
+      <a:lightRig rig="threePt" dir="t"/>
+    </dgm:scene3d>
+    <dgm:sp3d/>
+    <dgm:txPr/>
+    <dgm:style>
+      <a:lnRef idx="2">
+        <a:scrgbClr r="0" g="0" b="0"/>
+      </a:lnRef>
+      <a:fillRef idx="1">
+        <a:scrgbClr r="0" g="0" b="0"/>
+      </a:fillRef>
+      <a:effectRef idx="0">
+        <a:scrgbClr r="0" g="0" b="0"/>
+      </a:effectRef>
+      <a:fontRef idx="minor">
+        <a:schemeClr val="lt1"/>
+      </a:fontRef>
+    </dgm:style>
+  </dgm:styleLbl>
+  <dgm:styleLbl name="node1">
+    <dgm:scene3d>
+      <a:camera prst="orthographicFront"/>
+      <a:lightRig rig="threePt" dir="t"/>
+    </dgm:scene3d>
+    <dgm:sp3d/>
+    <dgm:txPr/>
+    <dgm:style>
+      <a:lnRef idx="2">
+        <a:scrgbClr r="0" g="0" b="0"/>
+      </a:lnRef>
+      <a:fillRef idx="1">
+        <a:scrgbClr r="0" g="0" b="0"/>
+      </a:fillRef>
+      <a:effectRef idx="0">
+        <a:scrgbClr r="0" g="0" b="0"/>
+      </a:effectRef>
+      <a:fontRef idx="minor">
+        <a:schemeClr val="lt1"/>
+      </a:fontRef>
+    </dgm:style>
+  </dgm:styleLbl>
+  <dgm:styleLbl name="node2">
+    <dgm:scene3d>
+      <a:camera prst="orthographicFront"/>
+      <a:lightRig rig="threePt" dir="t"/>
+    </dgm:scene3d>
+    <dgm:sp3d/>
+    <dgm:txPr/>
+    <dgm:style>
+      <a:lnRef idx="2">
+        <a:scrgbClr r="0" g="0" b="0"/>
+      </a:lnRef>
+      <a:fillRef idx="1">
+        <a:scrgbClr r="0" g="0" b="0"/>
+      </a:fillRef>
+      <a:effectRef idx="0">
+        <a:scrgbClr r="0" g="0" b="0"/>
+      </a:effectRef>
+      <a:fontRef idx="minor">
+        <a:schemeClr val="lt1"/>
+      </a:fontRef>
+    </dgm:style>
+  </dgm:styleLbl>
+  <dgm:styleLbl name="node3">
+    <dgm:scene3d>
+      <a:camera prst="orthographicFront"/>
+      <a:lightRig rig="threePt" dir="t"/>
+    </dgm:scene3d>
+    <dgm:sp3d/>
+    <dgm:txPr/>
+    <dgm:style>
+      <a:lnRef idx="2">
+        <a:scrgbClr r="0" g="0" b="0"/>
+      </a:lnRef>
+      <a:fillRef idx="1">
+        <a:scrgbClr r="0" g="0" b="0"/>
+      </a:fillRef>
+      <a:effectRef idx="0">
+        <a:scrgbClr r="0" g="0" b="0"/>
+      </a:effectRef>
+      <a:fontRef idx="minor">
+        <a:schemeClr val="lt1"/>
+      </a:fontRef>
+    </dgm:style>
+  </dgm:styleLbl>
+  <dgm:styleLbl name="node4">
+    <dgm:scene3d>
+      <a:camera prst="orthographicFront"/>
+      <a:lightRig rig="threePt" dir="t"/>
+    </dgm:scene3d>
+    <dgm:sp3d/>
+    <dgm:txPr/>
+    <dgm:style>
+      <a:lnRef idx="2">
+        <a:scrgbClr r="0" g="0" b="0"/>
+      </a:lnRef>
+      <a:fillRef idx="1">
+        <a:scrgbClr r="0" g="0" b="0"/>
+      </a:fillRef>
+      <a:effectRef idx="0">
+        <a:scrgbClr r="0" g="0" b="0"/>
+      </a:effectRef>
+      <a:fontRef idx="minor">
+        <a:schemeClr val="lt1"/>
+      </a:fontRef>
+    </dgm:style>
+  </dgm:styleLbl>
+  <dgm:styleLbl name="fgImgPlace1">
+    <dgm:scene3d>
+      <a:camera prst="orthographicFront"/>
+      <a:lightRig rig="threePt" dir="t"/>
+    </dgm:scene3d>
+    <dgm:sp3d/>
+    <dgm:txPr/>
+    <dgm:style>
+      <a:lnRef idx="2">
+        <a:scrgbClr r="0" g="0" b="0"/>
+      </a:lnRef>
+      <a:fillRef idx="1">
+        <a:scrgbClr r="0" g="0" b="0"/>
+      </a:fillRef>
+      <a:effectRef idx="0">
+        <a:scrgbClr r="0" g="0" b="0"/>
+      </a:effectRef>
+      <a:fontRef idx="minor"/>
+    </dgm:style>
+  </dgm:styleLbl>
+  <dgm:styleLbl name="alignImgPlace1">
+    <dgm:scene3d>
+      <a:camera prst="orthographicFront"/>
+      <a:lightRig rig="threePt" dir="t"/>
+    </dgm:scene3d>
+    <dgm:sp3d/>
+    <dgm:txPr/>
+    <dgm:style>
+      <a:lnRef idx="2">
+        <a:scrgbClr r="0" g="0" b="0"/>
+      </a:lnRef>
+      <a:fillRef idx="1">
+        <a:scrgbClr r="0" g="0" b="0"/>
+      </a:fillRef>
+      <a:effectRef idx="0">
+        <a:scrgbClr r="0" g="0" b="0"/>
+      </a:effectRef>
+      <a:fontRef idx="minor"/>
+    </dgm:style>
+  </dgm:styleLbl>
+  <dgm:styleLbl name="bgImgPlace1">
+    <dgm:scene3d>
+      <a:camera prst="orthographicFront"/>
+      <a:lightRig rig="threePt" dir="t"/>
+    </dgm:scene3d>
+    <dgm:sp3d/>
+    <dgm:txPr/>
+    <dgm:style>
+      <a:lnRef idx="2">
+        <a:scrgbClr r="0" g="0" b="0"/>
+      </a:lnRef>
+      <a:fillRef idx="1">
+        <a:scrgbClr r="0" g="0" b="0"/>
+      </a:fillRef>
+      <a:effectRef idx="0">
+        <a:scrgbClr r="0" g="0" b="0"/>
+      </a:effectRef>
+      <a:fontRef idx="minor"/>
+    </dgm:style>
+  </dgm:styleLbl>
+  <dgm:styleLbl name="sibTrans2D1">
+    <dgm:scene3d>
+      <a:camera prst="orthographicFront"/>
+      <a:lightRig rig="threePt" dir="t"/>
+    </dgm:scene3d>
+    <dgm:sp3d/>
+    <dgm:txPr/>
+    <dgm:style>
+      <a:lnRef idx="0">
+        <a:scrgbClr r="0" g="0" b="0"/>
+      </a:lnRef>
+      <a:fillRef idx="1">
+        <a:scrgbClr r="0" g="0" b="0"/>
+      </a:fillRef>
+      <a:effectRef idx="0">
+        <a:scrgbClr r="0" g="0" b="0"/>
+      </a:effectRef>
+      <a:fontRef idx="minor">
+        <a:schemeClr val="lt1"/>
+      </a:fontRef>
+    </dgm:style>
+  </dgm:styleLbl>
+  <dgm:styleLbl name="fgSibTrans2D1">
+    <dgm:scene3d>
+      <a:camera prst="orthographicFront"/>
+      <a:lightRig rig="threePt" dir="t"/>
+    </dgm:scene3d>
+    <dgm:sp3d/>
+    <dgm:txPr/>
+    <dgm:style>
+      <a:lnRef idx="0">
+        <a:scrgbClr r="0" g="0" b="0"/>
+      </a:lnRef>
+      <a:fillRef idx="1">
+        <a:scrgbClr r="0" g="0" b="0"/>
+      </a:fillRef>
+      <a:effectRef idx="0">
+        <a:scrgbClr r="0" g="0" b="0"/>
+      </a:effectRef>
+      <a:fontRef idx="minor">
+        <a:schemeClr val="lt1"/>
+      </a:fontRef>
+    </dgm:style>
+  </dgm:styleLbl>
+  <dgm:styleLbl name="bgSibTrans2D1">
+    <dgm:scene3d>
+      <a:camera prst="orthographicFront"/>
+      <a:lightRig rig="threePt" dir="t"/>
+    </dgm:scene3d>
+    <dgm:sp3d/>
+    <dgm:txPr/>
+    <dgm:style>
+      <a:lnRef idx="0">
+        <a:scrgbClr r="0" g="0" b="0"/>
+      </a:lnRef>
+      <a:fillRef idx="1">
+        <a:scrgbClr r="0" g="0" b="0"/>
+      </a:fillRef>
+      <a:effectRef idx="0">
+        <a:scrgbClr r="0" g="0" b="0"/>
+      </a:effectRef>
+      <a:fontRef idx="minor">
+        <a:schemeClr val="lt1"/>
+      </a:fontRef>
+    </dgm:style>
+  </dgm:styleLbl>
+  <dgm:styleLbl name="sibTrans1D1">
+    <dgm:scene3d>
+      <a:camera prst="orthographicFront"/>
+      <a:lightRig rig="threePt" dir="t"/>
+    </dgm:scene3d>
+    <dgm:sp3d/>
+    <dgm:txPr/>
+    <dgm:style>
+      <a:lnRef idx="1">
+        <a:scrgbClr r="0" g="0" b="0"/>
+      </a:lnRef>
+      <a:fillRef idx="0">
+        <a:scrgbClr r="0" g="0" b="0"/>
+      </a:fillRef>
+      <a:effectRef idx="0">
+        <a:scrgbClr r="0" g="0" b="0"/>
+      </a:effectRef>
+      <a:fontRef idx="minor"/>
+    </dgm:style>
+  </dgm:styleLbl>
+  <dgm:styleLbl name="callout">
+    <dgm:scene3d>
+      <a:camera prst="orthographicFront"/>
+      <a:lightRig rig="threePt" dir="t"/>
+    </dgm:scene3d>
+    <dgm:sp3d/>
+    <dgm:txPr/>
+    <dgm:style>
+      <a:lnRef idx="2">
+        <a:scrgbClr r="0" g="0" b="0"/>
+      </a:lnRef>
+      <a:fillRef idx="1">
+        <a:scrgbClr r="0" g="0" b="0"/>
+      </a:fillRef>
+      <a:effectRef idx="0">
+        <a:scrgbClr r="0" g="0" b="0"/>
+      </a:effectRef>
+      <a:fontRef idx="minor"/>
+    </dgm:style>
+  </dgm:styleLbl>
+  <dgm:styleLbl name="asst0">
+    <dgm:scene3d>
+      <a:camera prst="orthographicFront"/>
+      <a:lightRig rig="threePt" dir="t"/>
+    </dgm:scene3d>
+    <dgm:sp3d/>
+    <dgm:txPr/>
+    <dgm:style>
+      <a:lnRef idx="2">
+        <a:scrgbClr r="0" g="0" b="0"/>
+      </a:lnRef>
+      <a:fillRef idx="1">
+        <a:scrgbClr r="0" g="0" b="0"/>
+      </a:fillRef>
+      <a:effectRef idx="0">
+        <a:scrgbClr r="0" g="0" b="0"/>
+      </a:effectRef>
+      <a:fontRef idx="minor">
+        <a:schemeClr val="lt1"/>
+      </a:fontRef>
+    </dgm:style>
+  </dgm:styleLbl>
+  <dgm:styleLbl name="asst1">
+    <dgm:scene3d>
+      <a:camera prst="orthographicFront"/>
+      <a:lightRig rig="threePt" dir="t"/>
+    </dgm:scene3d>
+    <dgm:sp3d/>
+    <dgm:txPr/>
+    <dgm:style>
+      <a:lnRef idx="2">
+        <a:scrgbClr r="0" g="0" b="0"/>
+      </a:lnRef>
+      <a:fillRef idx="1">
+        <a:scrgbClr r="0" g="0" b="0"/>
+      </a:fillRef>
+      <a:effectRef idx="0">
+        <a:scrgbClr r="0" g="0" b="0"/>
+      </a:effectRef>
+      <a:fontRef idx="minor">
+        <a:schemeClr val="lt1"/>
+      </a:fontRef>
+    </dgm:style>
+  </dgm:styleLbl>
+  <dgm:styleLbl name="asst2">
+    <dgm:scene3d>
+      <a:camera prst="orthographicFront"/>
+      <a:lightRig rig="threePt" dir="t"/>
+    </dgm:scene3d>
+    <dgm:sp3d/>
+    <dgm:txPr/>
+    <dgm:style>
+      <a:lnRef idx="2">
+        <a:scrgbClr r="0" g="0" b="0"/>
+      </a:lnRef>
+      <a:fillRef idx="1">
+        <a:scrgbClr r="0" g="0" b="0"/>
+      </a:fillRef>
+      <a:effectRef idx="0">
+        <a:scrgbClr r="0" g="0" b="0"/>
+      </a:effectRef>
+      <a:fontRef idx="minor">
+        <a:schemeClr val="lt1"/>
+      </a:fontRef>
+    </dgm:style>
+  </dgm:styleLbl>
+  <dgm:styleLbl name="asst3">
+    <dgm:scene3d>
+      <a:camera prst="orthographicFront"/>
+      <a:lightRig rig="threePt" dir="t"/>
+    </dgm:scene3d>
+    <dgm:sp3d/>
+    <dgm:txPr/>
+    <dgm:style>
+      <a:lnRef idx="2">
+        <a:scrgbClr r="0" g="0" b="0"/>
+      </a:lnRef>
+      <a:fillRef idx="1">
+        <a:scrgbClr r="0" g="0" b="0"/>
+      </a:fillRef>
+      <a:effectRef idx="0">
+        <a:scrgbClr r="0" g="0" b="0"/>
+      </a:effectRef>
+      <a:fontRef idx="minor">
+        <a:schemeClr val="lt1"/>
+      </a:fontRef>
+    </dgm:style>
+  </dgm:styleLbl>
+  <dgm:styleLbl name="asst4">
+    <dgm:scene3d>
+      <a:camera prst="orthographicFront"/>
+      <a:lightRig rig="threePt" dir="t"/>
+    </dgm:scene3d>
+    <dgm:sp3d/>
+    <dgm:txPr/>
+    <dgm:style>
+      <a:lnRef idx="2">
+        <a:scrgbClr r="0" g="0" b="0"/>
+      </a:lnRef>
+      <a:fillRef idx="1">
+        <a:scrgbClr r="0" g="0" b="0"/>
+      </a:fillRef>
+      <a:effectRef idx="0">
+        <a:scrgbClr r="0" g="0" b="0"/>
+      </a:effectRef>
+      <a:fontRef idx="minor">
+        <a:schemeClr val="lt1"/>
+      </a:fontRef>
+    </dgm:style>
+  </dgm:styleLbl>
+  <dgm:styleLbl name="parChTrans2D1">
+    <dgm:scene3d>
+      <a:camera prst="orthographicFront"/>
+      <a:lightRig rig="threePt" dir="t"/>
+    </dgm:scene3d>
+    <dgm:sp3d/>
+    <dgm:txPr/>
+    <dgm:style>
+      <a:lnRef idx="2">
+        <a:scrgbClr r="0" g="0" b="0"/>
+      </a:lnRef>
+      <a:fillRef idx="1">
+        <a:scrgbClr r="0" g="0" b="0"/>
+      </a:fillRef>
+      <a:effectRef idx="0">
+        <a:scrgbClr r="0" g="0" b="0"/>
+      </a:effectRef>
+      <a:fontRef idx="minor">
+        <a:schemeClr val="lt1"/>
+      </a:fontRef>
+    </dgm:style>
+  </dgm:styleLbl>
+  <dgm:styleLbl name="parChTrans2D2">
+    <dgm:scene3d>
+      <a:camera prst="orthographicFront"/>
+      <a:lightRig rig="threePt" dir="t"/>
+    </dgm:scene3d>
+    <dgm:sp3d/>
+    <dgm:txPr/>
+    <dgm:style>
+      <a:lnRef idx="2">
+        <a:scrgbClr r="0" g="0" b="0"/>
+      </a:lnRef>
+      <a:fillRef idx="1">
+        <a:scrgbClr r="0" g="0" b="0"/>
+      </a:fillRef>
+      <a:effectRef idx="0">
+        <a:scrgbClr r="0" g="0" b="0"/>
+      </a:effectRef>
+      <a:fontRef idx="minor">
+        <a:schemeClr val="lt1"/>
+      </a:fontRef>
+    </dgm:style>
+  </dgm:styleLbl>
+  <dgm:styleLbl name="parChTrans2D3">
+    <dgm:scene3d>
+      <a:camera prst="orthographicFront"/>
+      <a:lightRig rig="threePt" dir="t"/>
+    </dgm:scene3d>
+    <dgm:sp3d/>
+    <dgm:txPr/>
+    <dgm:style>
+      <a:lnRef idx="2">
+        <a:scrgbClr r="0" g="0" b="0"/>
+      </a:lnRef>
+      <a:fillRef idx="1">
+        <a:scrgbClr r="0" g="0" b="0"/>
+      </a:fillRef>
+      <a:effectRef idx="0">
+        <a:scrgbClr r="0" g="0" b="0"/>
+      </a:effectRef>
+      <a:fontRef idx="minor">
+        <a:schemeClr val="lt1"/>
+      </a:fontRef>
+    </dgm:style>
+  </dgm:styleLbl>
+  <dgm:styleLbl name="parChTrans2D4">
+    <dgm:scene3d>
+      <a:camera prst="orthographicFront"/>
+      <a:lightRig rig="threePt" dir="t"/>
+    </dgm:scene3d>
+    <dgm:sp3d/>
+    <dgm:txPr/>
+    <dgm:style>
+      <a:lnRef idx="2">
+        <a:scrgbClr r="0" g="0" b="0"/>
+      </a:lnRef>
+      <a:fillRef idx="1">
+        <a:scrgbClr r="0" g="0" b="0"/>
+      </a:fillRef>
+      <a:effectRef idx="0">
+        <a:scrgbClr r="0" g="0" b="0"/>
+      </a:effectRef>
+      <a:fontRef idx="minor">
+        <a:schemeClr val="lt1"/>
+      </a:fontRef>
+    </dgm:style>
+  </dgm:styleLbl>
+  <dgm:styleLbl name="parChTrans1D1">
+    <dgm:scene3d>
+      <a:camera prst="orthographicFront"/>
+      <a:lightRig rig="threePt" dir="t"/>
+    </dgm:scene3d>
+    <dgm:sp3d/>
+    <dgm:txPr/>
+    <dgm:style>
+      <a:lnRef idx="2">
+        <a:scrgbClr r="0" g="0" b="0"/>
+      </a:lnRef>
+      <a:fillRef idx="0">
+        <a:scrgbClr r="0" g="0" b="0"/>
+      </a:fillRef>
+      <a:effectRef idx="0">
+        <a:scrgbClr r="0" g="0" b="0"/>
+      </a:effectRef>
+      <a:fontRef idx="minor"/>
+    </dgm:style>
+  </dgm:styleLbl>
+  <dgm:styleLbl name="parChTrans1D2">
+    <dgm:scene3d>
+      <a:camera prst="orthographicFront"/>
+      <a:lightRig rig="threePt" dir="t"/>
+    </dgm:scene3d>
+    <dgm:sp3d/>
+    <dgm:txPr/>
+    <dgm:style>
+      <a:lnRef idx="2">
+        <a:scrgbClr r="0" g="0" b="0"/>
+      </a:lnRef>
+      <a:fillRef idx="0">
+        <a:scrgbClr r="0" g="0" b="0"/>
+      </a:fillRef>
+      <a:effectRef idx="0">
+        <a:scrgbClr r="0" g="0" b="0"/>
+      </a:effectRef>
+      <a:fontRef idx="minor"/>
+    </dgm:style>
+  </dgm:styleLbl>
+  <dgm:styleLbl name="parChTrans1D3">
+    <dgm:scene3d>
+      <a:camera prst="orthographicFront"/>
+      <a:lightRig rig="threePt" dir="t"/>
+    </dgm:scene3d>
+    <dgm:sp3d/>
+    <dgm:txPr/>
+    <dgm:style>
+      <a:lnRef idx="2">
+        <a:scrgbClr r="0" g="0" b="0"/>
+      </a:lnRef>
+      <a:fillRef idx="0">
+        <a:scrgbClr r="0" g="0" b="0"/>
+      </a:fillRef>
+      <a:effectRef idx="0">
+        <a:scrgbClr r="0" g="0" b="0"/>
+      </a:effectRef>
+      <a:fontRef idx="minor"/>
+    </dgm:style>
+  </dgm:styleLbl>
+  <dgm:styleLbl name="parChTrans1D4">
+    <dgm:scene3d>
+      <a:camera prst="orthographicFront"/>
+      <a:lightRig rig="threePt" dir="t"/>
+    </dgm:scene3d>
+    <dgm:sp3d/>
+    <dgm:txPr/>
+    <dgm:style>
+      <a:lnRef idx="2">
+        <a:scrgbClr r="0" g="0" b="0"/>
+      </a:lnRef>
+      <a:fillRef idx="0">
+        <a:scrgbClr r="0" g="0" b="0"/>
+      </a:fillRef>
+      <a:effectRef idx="0">
+        <a:scrgbClr r="0" g="0" b="0"/>
+      </a:effectRef>
+      <a:fontRef idx="minor"/>
+    </dgm:style>
+  </dgm:styleLbl>
+  <dgm:styleLbl name="fgAcc1">
+    <dgm:scene3d>
+      <a:camera prst="orthographicFront"/>
+      <a:lightRig rig="threePt" dir="t"/>
+    </dgm:scene3d>
+    <dgm:sp3d/>
+    <dgm:txPr/>
+    <dgm:style>
+      <a:lnRef idx="2">
+        <a:scrgbClr r="0" g="0" b="0"/>
+      </a:lnRef>
+      <a:fillRef idx="1">
+        <a:scrgbClr r="0" g="0" b="0"/>
+      </a:fillRef>
+      <a:effectRef idx="0">
+        <a:scrgbClr r="0" g="0" b="0"/>
+      </a:effectRef>
+      <a:fontRef idx="minor"/>
+    </dgm:style>
+  </dgm:styleLbl>
+  <dgm:styleLbl name="conFgAcc1">
+    <dgm:scene3d>
+      <a:camera prst="orthographicFront"/>
+      <a:lightRig rig="threePt" dir="t"/>
+    </dgm:scene3d>
+    <dgm:sp3d/>
+    <dgm:txPr/>
+    <dgm:style>
+      <a:lnRef idx="2">
+        <a:scrgbClr r="0" g="0" b="0"/>
+      </a:lnRef>
+      <a:fillRef idx="1">
+        <a:scrgbClr r="0" g="0" b="0"/>
+      </a:fillRef>
+      <a:effectRef idx="0">
+        <a:scrgbClr r="0" g="0" b="0"/>
+      </a:effectRef>
+      <a:fontRef idx="minor"/>
+    </dgm:style>
+  </dgm:styleLbl>
+  <dgm:styleLbl name="alignAcc1">
+    <dgm:scene3d>
+      <a:camera prst="orthographicFront"/>
+      <a:lightRig rig="threePt" dir="t"/>
+    </dgm:scene3d>
+    <dgm:sp3d/>
+    <dgm:txPr/>
+    <dgm:style>
+      <a:lnRef idx="2">
+        <a:scrgbClr r="0" g="0" b="0"/>
+      </a:lnRef>
+      <a:fillRef idx="1">
+        <a:scrgbClr r="0" g="0" b="0"/>
+      </a:fillRef>
+      <a:effectRef idx="0">
+        <a:scrgbClr r="0" g="0" b="0"/>
+      </a:effectRef>
+      <a:fontRef idx="minor"/>
+    </dgm:style>
+  </dgm:styleLbl>
+  <dgm:styleLbl name="trAlignAcc1">
+    <dgm:scene3d>
+      <a:camera prst="orthographicFront"/>
+      <a:lightRig rig="threePt" dir="t"/>
+    </dgm:scene3d>
+    <dgm:sp3d/>
+    <dgm:txPr/>
+    <dgm:style>
+      <a:lnRef idx="1">
+        <a:scrgbClr r="0" g="0" b="0"/>
+      </a:lnRef>
+      <a:fillRef idx="1">
+        <a:scrgbClr r="0" g="0" b="0"/>
+      </a:fillRef>
+      <a:effectRef idx="0">
+        <a:scrgbClr r="0" g="0" b="0"/>
+      </a:effectRef>
+      <a:fontRef idx="minor"/>
+    </dgm:style>
+  </dgm:styleLbl>
+  <dgm:styleLbl name="bgAcc1">
+    <dgm:scene3d>
+      <a:camera prst="orthographicFront"/>
+      <a:lightRig rig="threePt" dir="t"/>
+    </dgm:scene3d>
+    <dgm:sp3d/>
+    <dgm:txPr/>
+    <dgm:style>
+      <a:lnRef idx="2">
+        <a:scrgbClr r="0" g="0" b="0"/>
+      </a:lnRef>
+      <a:fillRef idx="1">
+        <a:scrgbClr r="0" g="0" b="0"/>
+      </a:fillRef>
+      <a:effectRef idx="0">
+        <a:scrgbClr r="0" g="0" b="0"/>
+      </a:effectRef>
+      <a:fontRef idx="minor"/>
+    </dgm:style>
+  </dgm:styleLbl>
+  <dgm:styleLbl name="solidFgAcc1">
+    <dgm:scene3d>
+      <a:camera prst="orthographicFront"/>
+      <a:lightRig rig="threePt" dir="t"/>
+    </dgm:scene3d>
+    <dgm:sp3d/>
+    <dgm:txPr/>
+    <dgm:style>
+      <a:lnRef idx="2">
+        <a:scrgbClr r="0" g="0" b="0"/>
+      </a:lnRef>
+      <a:fillRef idx="1">
+        <a:scrgbClr r="0" g="0" b="0"/>
+      </a:fillRef>
+      <a:effectRef idx="0">
+        <a:scrgbClr r="0" g="0" b="0"/>
+      </a:effectRef>
+      <a:fontRef idx="minor"/>
+    </dgm:style>
+  </dgm:styleLbl>
+  <dgm:styleLbl name="solidAlignAcc1">
+    <dgm:scene3d>
+      <a:camera prst="orthographicFront"/>
+      <a:lightRig rig="threePt" dir="t"/>
+    </dgm:scene3d>
+    <dgm:sp3d/>
+    <dgm:txPr/>
+    <dgm:style>
+      <a:lnRef idx="2">
+        <a:scrgbClr r="0" g="0" b="0"/>
+      </a:lnRef>
+      <a:fillRef idx="1">
+        <a:scrgbClr r="0" g="0" b="0"/>
+      </a:fillRef>
+      <a:effectRef idx="0">
+        <a:scrgbClr r="0" g="0" b="0"/>
+      </a:effectRef>
+      <a:fontRef idx="minor"/>
+    </dgm:style>
+  </dgm:styleLbl>
+  <dgm:styleLbl name="solidBgAcc1">
+    <dgm:scene3d>
+      <a:camera prst="orthographicFront"/>
+      <a:lightRig rig="threePt" dir="t"/>
+    </dgm:scene3d>
+    <dgm:sp3d/>
+    <dgm:txPr/>
+    <dgm:style>
+      <a:lnRef idx="2">
+        <a:scrgbClr r="0" g="0" b="0"/>
+      </a:lnRef>
+      <a:fillRef idx="1">
+        <a:scrgbClr r="0" g="0" b="0"/>
+      </a:fillRef>
+      <a:effectRef idx="0">
+        <a:scrgbClr r="0" g="0" b="0"/>
+      </a:effectRef>
+      <a:fontRef idx="minor"/>
+    </dgm:style>
+  </dgm:styleLbl>
+  <dgm:styleLbl name="fgAccFollowNode1">
+    <dgm:scene3d>
+      <a:camera prst="orthographicFront"/>
+      <a:lightRig rig="threePt" dir="t"/>
+    </dgm:scene3d>
+    <dgm:sp3d/>
+    <dgm:txPr/>
+    <dgm:style>
+      <a:lnRef idx="2">
+        <a:scrgbClr r="0" g="0" b="0"/>
+      </a:lnRef>
+      <a:fillRef idx="1">
+        <a:scrgbClr r="0" g="0" b="0"/>
+      </a:fillRef>
+      <a:effectRef idx="0">
+        <a:scrgbClr r="0" g="0" b="0"/>
+      </a:effectRef>
+      <a:fontRef idx="minor"/>
+    </dgm:style>
+  </dgm:styleLbl>
+  <dgm:styleLbl name="alignAccFollowNode1">
+    <dgm:scene3d>
+      <a:camera prst="orthographicFront"/>
+      <a:lightRig rig="threePt" dir="t"/>
+    </dgm:scene3d>
+    <dgm:sp3d/>
+    <dgm:txPr/>
+    <dgm:style>
+      <a:lnRef idx="2">
+        <a:scrgbClr r="0" g="0" b="0"/>
+      </a:lnRef>
+      <a:fillRef idx="1">
+        <a:scrgbClr r="0" g="0" b="0"/>
+      </a:fillRef>
+      <a:effectRef idx="0">
+        <a:scrgbClr r="0" g="0" b="0"/>
+      </a:effectRef>
+      <a:fontRef idx="minor"/>
+    </dgm:style>
+  </dgm:styleLbl>
+  <dgm:styleLbl name="bgAccFollowNode1">
+    <dgm:scene3d>
+      <a:camera prst="orthographicFront"/>
+      <a:lightRig rig="threePt" dir="t"/>
+    </dgm:scene3d>
+    <dgm:sp3d/>
+    <dgm:txPr/>
+    <dgm:style>
+      <a:lnRef idx="2">
+        <a:scrgbClr r="0" g="0" b="0"/>
+      </a:lnRef>
+      <a:fillRef idx="1">
+        <a:scrgbClr r="0" g="0" b="0"/>
+      </a:fillRef>
+      <a:effectRef idx="0">
+        <a:scrgbClr r="0" g="0" b="0"/>
+      </a:effectRef>
+      <a:fontRef idx="minor"/>
+    </dgm:style>
+  </dgm:styleLbl>
+  <dgm:styleLbl name="fgAcc0">
+    <dgm:scene3d>
+      <a:camera prst="orthographicFront"/>
+      <a:lightRig rig="threePt" dir="t"/>
+    </dgm:scene3d>
+    <dgm:sp3d/>
+    <dgm:txPr/>
+    <dgm:style>
+      <a:lnRef idx="2">
+        <a:scrgbClr r="0" g="0" b="0"/>
+      </a:lnRef>
+      <a:fillRef idx="1">
+        <a:scrgbClr r="0" g="0" b="0"/>
+      </a:fillRef>
+      <a:effectRef idx="0">
+        <a:scrgbClr r="0" g="0" b="0"/>
+      </a:effectRef>
+      <a:fontRef idx="minor"/>
+    </dgm:style>
+  </dgm:styleLbl>
+  <dgm:styleLbl name="fgAcc2">
+    <dgm:scene3d>
+      <a:camera prst="orthographicFront"/>
+      <a:lightRig rig="threePt" dir="t"/>
+    </dgm:scene3d>
+    <dgm:sp3d/>
+    <dgm:txPr/>
+    <dgm:style>
+      <a:lnRef idx="2">
+        <a:scrgbClr r="0" g="0" b="0"/>
+      </a:lnRef>
+      <a:fillRef idx="1">
+        <a:scrgbClr r="0" g="0" b="0"/>
+      </a:fillRef>
+      <a:effectRef idx="0">
+        <a:scrgbClr r="0" g="0" b="0"/>
+      </a:effectRef>
+      <a:fontRef idx="minor"/>
+    </dgm:style>
+  </dgm:styleLbl>
+  <dgm:styleLbl name="fgAcc3">
+    <dgm:scene3d>
+      <a:camera prst="orthographicFront"/>
+      <a:lightRig rig="threePt" dir="t"/>
+    </dgm:scene3d>
+    <dgm:sp3d/>
+    <dgm:txPr/>
+    <dgm:style>
+      <a:lnRef idx="2">
+        <a:scrgbClr r="0" g="0" b="0"/>
+      </a:lnRef>
+      <a:fillRef idx="1">
+        <a:scrgbClr r="0" g="0" b="0"/>
+      </a:fillRef>
+      <a:effectRef idx="0">
+        <a:scrgbClr r="0" g="0" b="0"/>
+      </a:effectRef>
+      <a:fontRef idx="minor"/>
+    </dgm:style>
+  </dgm:styleLbl>
+  <dgm:styleLbl name="fgAcc4">
+    <dgm:scene3d>
+      <a:camera prst="orthographicFront"/>
+      <a:lightRig rig="threePt" dir="t"/>
+    </dgm:scene3d>
+    <dgm:sp3d/>
+    <dgm:txPr/>
+    <dgm:style>
+      <a:lnRef idx="2">
+        <a:scrgbClr r="0" g="0" b="0"/>
+      </a:lnRef>
+      <a:fillRef idx="1">
+        <a:scrgbClr r="0" g="0" b="0"/>
+      </a:fillRef>
+      <a:effectRef idx="0">
+        <a:scrgbClr r="0" g="0" b="0"/>
+      </a:effectRef>
+      <a:fontRef idx="minor"/>
+    </dgm:style>
+  </dgm:styleLbl>
+  <dgm:styleLbl name="bgShp">
+    <dgm:scene3d>
+      <a:camera prst="orthographicFront"/>
+      <a:lightRig rig="threePt" dir="t"/>
+    </dgm:scene3d>
+    <dgm:sp3d/>
+    <dgm:txPr/>
+    <dgm:style>
+      <a:lnRef idx="0">
+        <a:scrgbClr r="0" g="0" b="0"/>
+      </a:lnRef>
+      <a:fillRef idx="1">
+        <a:scrgbClr r="0" g="0" b="0"/>
+      </a:fillRef>
+      <a:effectRef idx="0">
+        <a:scrgbClr r="0" g="0" b="0"/>
+      </a:effectRef>
+      <a:fontRef idx="minor"/>
+    </dgm:style>
+  </dgm:styleLbl>
+  <dgm:styleLbl name="dkBgShp">
+    <dgm:scene3d>
+      <a:camera prst="orthographicFront"/>
+      <a:lightRig rig="threePt" dir="t"/>
+    </dgm:scene3d>
+    <dgm:sp3d/>
+    <dgm:txPr/>
+    <dgm:style>
+      <a:lnRef idx="0">
+        <a:scrgbClr r="0" g="0" b="0"/>
+      </a:lnRef>
+      <a:fillRef idx="1">
+        <a:scrgbClr r="0" g="0" b="0"/>
+      </a:fillRef>
+      <a:effectRef idx="0">
+        <a:scrgbClr r="0" g="0" b="0"/>
+      </a:effectRef>
+      <a:fontRef idx="minor"/>
+    </dgm:style>
+  </dgm:styleLbl>
+  <dgm:styleLbl name="trBgShp">
+    <dgm:scene3d>
+      <a:camera prst="orthographicFront"/>
+      <a:lightRig rig="threePt" dir="t"/>
+    </dgm:scene3d>
+    <dgm:sp3d/>
+    <dgm:txPr/>
+    <dgm:style>
+      <a:lnRef idx="0">
+        <a:scrgbClr r="0" g="0" b="0"/>
+      </a:lnRef>
+      <a:fillRef idx="1">
+        <a:scrgbClr r="0" g="0" b="0"/>
+      </a:fillRef>
+      <a:effectRef idx="0">
+        <a:scrgbClr r="0" g="0" b="0"/>
+      </a:effectRef>
+      <a:fontRef idx="minor"/>
+    </dgm:style>
+  </dgm:styleLbl>
+  <dgm:styleLbl name="fgShp">
+    <dgm:scene3d>
+      <a:camera prst="orthographicFront"/>
+      <a:lightRig rig="threePt" dir="t"/>
+    </dgm:scene3d>
+    <dgm:sp3d/>
+    <dgm:txPr/>
+    <dgm:style>
+      <a:lnRef idx="2">
+        <a:scrgbClr r="0" g="0" b="0"/>
+      </a:lnRef>
+      <a:fillRef idx="1">
+        <a:scrgbClr r="0" g="0" b="0"/>
+      </a:fillRef>
+      <a:effectRef idx="0">
+        <a:scrgbClr r="0" g="0" b="0"/>
+      </a:effectRef>
+      <a:fontRef idx="minor"/>
+    </dgm:style>
+  </dgm:styleLbl>
+  <dgm:styleLbl name="revTx">
+    <dgm:scene3d>
+      <a:camera prst="orthographicFront"/>
+      <a:lightRig rig="threePt" dir="t"/>
+    </dgm:scene3d>
+    <dgm:sp3d/>
+    <dgm:txPr/>
+    <dgm:style>
+      <a:lnRef idx="0">
+        <a:scrgbClr r="0" g="0" b="0"/>
+      </a:lnRef>
+      <a:fillRef idx="0">
+        <a:scrgbClr r="0" g="0" b="0"/>
+      </a:fillRef>
+      <a:effectRef idx="0">
+        <a:scrgbClr r="0" g="0" b="0"/>
+      </a:effectRef>
+      <a:fontRef idx="minor"/>
+    </dgm:style>
+  </dgm:styleLbl>
+</dgm:styleDef>
+</file>
+
 <file path=ppt/slideLayouts/slideLayout1.xml><?xml version="1.0" encoding="utf-8"?>
 <p:sldLayout xmlns:a="http://schemas.openxmlformats.org/drawingml/2006/main" xmlns:r="http://schemas.openxmlformats.org/officeDocument/2006/relationships" xmlns:p="http://schemas.openxmlformats.org/presentationml/2006/main" type="title" preserve="1">
   <p:cSld name="Titelfolie">
@@ -268,7 +4529,7 @@
           <a:p>
             <a:fld id="{1A473A71-948F-4AE8-AF79-80443CCFF2D0}" type="datetimeFigureOut">
               <a:rPr lang="de-DE" smtClean="0"/>
-              <a:t>20.11.2019</a:t>
+              <a:t>23.11.2019</a:t>
             </a:fld>
             <a:endParaRPr lang="de-DE"/>
           </a:p>
@@ -466,7 +4727,7 @@
           <a:p>
             <a:fld id="{1A473A71-948F-4AE8-AF79-80443CCFF2D0}" type="datetimeFigureOut">
               <a:rPr lang="de-DE" smtClean="0"/>
-              <a:t>20.11.2019</a:t>
+              <a:t>23.11.2019</a:t>
             </a:fld>
             <a:endParaRPr lang="de-DE"/>
           </a:p>
@@ -674,7 +4935,7 @@
           <a:p>
             <a:fld id="{1A473A71-948F-4AE8-AF79-80443CCFF2D0}" type="datetimeFigureOut">
               <a:rPr lang="de-DE" smtClean="0"/>
-              <a:t>20.11.2019</a:t>
+              <a:t>23.11.2019</a:t>
             </a:fld>
             <a:endParaRPr lang="de-DE"/>
           </a:p>
@@ -872,7 +5133,7 @@
           <a:p>
             <a:fld id="{1A473A71-948F-4AE8-AF79-80443CCFF2D0}" type="datetimeFigureOut">
               <a:rPr lang="de-DE" smtClean="0"/>
-              <a:t>20.11.2019</a:t>
+              <a:t>23.11.2019</a:t>
             </a:fld>
             <a:endParaRPr lang="de-DE"/>
           </a:p>
@@ -1147,7 +5408,7 @@
           <a:p>
             <a:fld id="{1A473A71-948F-4AE8-AF79-80443CCFF2D0}" type="datetimeFigureOut">
               <a:rPr lang="de-DE" smtClean="0"/>
-              <a:t>20.11.2019</a:t>
+              <a:t>23.11.2019</a:t>
             </a:fld>
             <a:endParaRPr lang="de-DE"/>
           </a:p>
@@ -1412,7 +5673,7 @@
           <a:p>
             <a:fld id="{1A473A71-948F-4AE8-AF79-80443CCFF2D0}" type="datetimeFigureOut">
               <a:rPr lang="de-DE" smtClean="0"/>
-              <a:t>20.11.2019</a:t>
+              <a:t>23.11.2019</a:t>
             </a:fld>
             <a:endParaRPr lang="de-DE"/>
           </a:p>
@@ -1824,7 +6085,7 @@
           <a:p>
             <a:fld id="{1A473A71-948F-4AE8-AF79-80443CCFF2D0}" type="datetimeFigureOut">
               <a:rPr lang="de-DE" smtClean="0"/>
-              <a:t>20.11.2019</a:t>
+              <a:t>23.11.2019</a:t>
             </a:fld>
             <a:endParaRPr lang="de-DE"/>
           </a:p>
@@ -1965,7 +6226,7 @@
           <a:p>
             <a:fld id="{1A473A71-948F-4AE8-AF79-80443CCFF2D0}" type="datetimeFigureOut">
               <a:rPr lang="de-DE" smtClean="0"/>
-              <a:t>20.11.2019</a:t>
+              <a:t>23.11.2019</a:t>
             </a:fld>
             <a:endParaRPr lang="de-DE"/>
           </a:p>
@@ -2078,7 +6339,7 @@
           <a:p>
             <a:fld id="{1A473A71-948F-4AE8-AF79-80443CCFF2D0}" type="datetimeFigureOut">
               <a:rPr lang="de-DE" smtClean="0"/>
-              <a:t>20.11.2019</a:t>
+              <a:t>23.11.2019</a:t>
             </a:fld>
             <a:endParaRPr lang="de-DE"/>
           </a:p>
@@ -2389,7 +6650,7 @@
           <a:p>
             <a:fld id="{1A473A71-948F-4AE8-AF79-80443CCFF2D0}" type="datetimeFigureOut">
               <a:rPr lang="de-DE" smtClean="0"/>
-              <a:t>20.11.2019</a:t>
+              <a:t>23.11.2019</a:t>
             </a:fld>
             <a:endParaRPr lang="de-DE"/>
           </a:p>
@@ -2677,7 +6938,7 @@
           <a:p>
             <a:fld id="{1A473A71-948F-4AE8-AF79-80443CCFF2D0}" type="datetimeFigureOut">
               <a:rPr lang="de-DE" smtClean="0"/>
-              <a:t>20.11.2019</a:t>
+              <a:t>23.11.2019</a:t>
             </a:fld>
             <a:endParaRPr lang="de-DE"/>
           </a:p>
@@ -2918,7 +7179,7 @@
           <a:p>
             <a:fld id="{1A473A71-948F-4AE8-AF79-80443CCFF2D0}" type="datetimeFigureOut">
               <a:rPr lang="de-DE" smtClean="0"/>
-              <a:t>20.11.2019</a:t>
+              <a:t>23.11.2019</a:t>
             </a:fld>
             <a:endParaRPr lang="de-DE"/>
           </a:p>
@@ -4208,6 +8469,64 @@
     <p:extLst>
       <p:ext uri="{BB962C8B-B14F-4D97-AF65-F5344CB8AC3E}">
         <p14:creationId xmlns:p14="http://schemas.microsoft.com/office/powerpoint/2010/main" val="562262707"/>
+      </p:ext>
+    </p:extLst>
+  </p:cSld>
+  <p:clrMapOvr>
+    <a:masterClrMapping/>
+  </p:clrMapOvr>
+</p:sld>
+</file>
+
+<file path=ppt/slides/slide11.xml><?xml version="1.0" encoding="utf-8"?>
+<p:sld xmlns:a="http://schemas.openxmlformats.org/drawingml/2006/main" xmlns:r="http://schemas.openxmlformats.org/officeDocument/2006/relationships" xmlns:p="http://schemas.openxmlformats.org/presentationml/2006/main">
+  <p:cSld>
+    <p:spTree>
+      <p:nvGrpSpPr>
+        <p:cNvPr id="1" name=""/>
+        <p:cNvGrpSpPr/>
+        <p:nvPr/>
+      </p:nvGrpSpPr>
+      <p:grpSpPr>
+        <a:xfrm>
+          <a:off x="0" y="0"/>
+          <a:ext cx="0" cy="0"/>
+          <a:chOff x="0" y="0"/>
+          <a:chExt cx="0" cy="0"/>
+        </a:xfrm>
+      </p:grpSpPr>
+      <p:graphicFrame>
+        <p:nvGraphicFramePr>
+          <p:cNvPr id="2" name="Diagramm 1">
+            <a:extLst>
+              <a:ext uri="{FF2B5EF4-FFF2-40B4-BE49-F238E27FC236}">
+                <a16:creationId xmlns:a16="http://schemas.microsoft.com/office/drawing/2014/main" id="{7ADF5E69-E641-401B-B171-FEA6E376D35D}"/>
+              </a:ext>
+            </a:extLst>
+          </p:cNvPr>
+          <p:cNvGraphicFramePr/>
+          <p:nvPr>
+            <p:extLst>
+              <p:ext uri="{D42A27DB-BD31-4B8C-83A1-F6EECF244321}">
+                <p14:modId xmlns:p14="http://schemas.microsoft.com/office/powerpoint/2010/main" val="2502279031"/>
+              </p:ext>
+            </p:extLst>
+          </p:nvPr>
+        </p:nvGraphicFramePr>
+        <p:xfrm>
+          <a:off x="2032000" y="719666"/>
+          <a:ext cx="8128000" cy="5418667"/>
+        </p:xfrm>
+        <a:graphic>
+          <a:graphicData uri="http://schemas.openxmlformats.org/drawingml/2006/diagram">
+            <dgm:relIds xmlns:dgm="http://schemas.openxmlformats.org/drawingml/2006/diagram" xmlns:r="http://schemas.openxmlformats.org/officeDocument/2006/relationships" r:dm="rId2" r:lo="rId3" r:qs="rId4" r:cs="rId5"/>
+          </a:graphicData>
+        </a:graphic>
+      </p:graphicFrame>
+    </p:spTree>
+    <p:extLst>
+      <p:ext uri="{BB962C8B-B14F-4D97-AF65-F5344CB8AC3E}">
+        <p14:creationId xmlns:p14="http://schemas.microsoft.com/office/powerpoint/2010/main" val="2008249724"/>
       </p:ext>
     </p:extLst>
   </p:cSld>
